--- a/text/Презентация.pptx
+++ b/text/Презентация.pptx
@@ -30,16 +30,17 @@
     <p:sldId id="275" r:id="rId26"/>
     <p:sldId id="276" r:id="rId27"/>
     <p:sldId id="277" r:id="rId28"/>
+    <p:sldId id="278" r:id="rId29"/>
   </p:sldIdLst>
   <p:sldSz cy="5143500" cx="9144000"/>
   <p:notesSz cx="6858000" cy="9144000"/>
   <p:embeddedFontLst>
     <p:embeddedFont>
       <p:font typeface="Roboto"/>
-      <p:regular r:id="rId29"/>
-      <p:bold r:id="rId30"/>
-      <p:italic r:id="rId31"/>
-      <p:boldItalic r:id="rId32"/>
+      <p:regular r:id="rId30"/>
+      <p:bold r:id="rId31"/>
+      <p:italic r:id="rId32"/>
+      <p:boldItalic r:id="rId33"/>
     </p:embeddedFont>
   </p:embeddedFontLst>
   <p:defaultTextStyle>
@@ -820,7 +821,7 @@
   <p:cSld>
     <p:spTree>
       <p:nvGrpSpPr>
-        <p:cNvPr id="139" name="Shape 139"/>
+        <p:cNvPr id="149" name="Shape 149"/>
         <p:cNvGrpSpPr/>
         <p:nvPr/>
       </p:nvGrpSpPr>
@@ -834,7 +835,7 @@
       </p:grpSpPr>
       <p:sp>
         <p:nvSpPr>
-          <p:cNvPr id="140" name="Google Shape;140;g10538ac236f_0_80:notes"/>
+          <p:cNvPr id="150" name="Google Shape;150;g10538ac236f_0_88:notes"/>
           <p:cNvSpPr/>
           <p:nvPr>
             <p:ph idx="2" type="sldImg"/>
@@ -869,7 +870,7 @@
       </p:sp>
       <p:sp>
         <p:nvSpPr>
-          <p:cNvPr id="141" name="Google Shape;141;g10538ac236f_0_80:notes"/>
+          <p:cNvPr id="151" name="Google Shape;151;g10538ac236f_0_88:notes"/>
           <p:cNvSpPr txBox="1"/>
           <p:nvPr>
             <p:ph idx="1" type="body"/>
@@ -919,7 +920,7 @@
   <p:cSld>
     <p:spTree>
       <p:nvGrpSpPr>
-        <p:cNvPr id="146" name="Shape 146"/>
+        <p:cNvPr id="156" name="Shape 156"/>
         <p:cNvGrpSpPr/>
         <p:nvPr/>
       </p:nvGrpSpPr>
@@ -933,7 +934,7 @@
       </p:grpSpPr>
       <p:sp>
         <p:nvSpPr>
-          <p:cNvPr id="147" name="Google Shape;147;g10538ac236f_0_88:notes"/>
+          <p:cNvPr id="157" name="Google Shape;157;g10538ac236f_0_64:notes"/>
           <p:cNvSpPr/>
           <p:nvPr>
             <p:ph idx="2" type="sldImg"/>
@@ -968,7 +969,7 @@
       </p:sp>
       <p:sp>
         <p:nvSpPr>
-          <p:cNvPr id="148" name="Google Shape;148;g10538ac236f_0_88:notes"/>
+          <p:cNvPr id="158" name="Google Shape;158;g10538ac236f_0_64:notes"/>
           <p:cNvSpPr txBox="1"/>
           <p:nvPr>
             <p:ph idx="1" type="body"/>
@@ -1018,7 +1019,7 @@
   <p:cSld>
     <p:spTree>
       <p:nvGrpSpPr>
-        <p:cNvPr id="153" name="Shape 153"/>
+        <p:cNvPr id="163" name="Shape 163"/>
         <p:cNvGrpSpPr/>
         <p:nvPr/>
       </p:nvGrpSpPr>
@@ -1032,7 +1033,7 @@
       </p:grpSpPr>
       <p:sp>
         <p:nvSpPr>
-          <p:cNvPr id="154" name="Google Shape;154;g10538ac236f_0_68:notes"/>
+          <p:cNvPr id="164" name="Google Shape;164;g10538ac236f_0_80:notes"/>
           <p:cNvSpPr/>
           <p:nvPr>
             <p:ph idx="2" type="sldImg"/>
@@ -1067,7 +1068,7 @@
       </p:sp>
       <p:sp>
         <p:nvSpPr>
-          <p:cNvPr id="155" name="Google Shape;155;g10538ac236f_0_68:notes"/>
+          <p:cNvPr id="165" name="Google Shape;165;g10538ac236f_0_80:notes"/>
           <p:cNvSpPr txBox="1"/>
           <p:nvPr>
             <p:ph idx="1" type="body"/>
@@ -1117,7 +1118,7 @@
   <p:cSld>
     <p:spTree>
       <p:nvGrpSpPr>
-        <p:cNvPr id="158" name="Shape 158"/>
+        <p:cNvPr id="170" name="Shape 170"/>
         <p:cNvGrpSpPr/>
         <p:nvPr/>
       </p:nvGrpSpPr>
@@ -1131,7 +1132,7 @@
       </p:grpSpPr>
       <p:sp>
         <p:nvSpPr>
-          <p:cNvPr id="159" name="Google Shape;159;g10538ac236f_0_2:notes"/>
+          <p:cNvPr id="171" name="Google Shape;171;g107682104ce_0_0:notes"/>
           <p:cNvSpPr/>
           <p:nvPr>
             <p:ph idx="2" type="sldImg"/>
@@ -1166,7 +1167,7 @@
       </p:sp>
       <p:sp>
         <p:nvSpPr>
-          <p:cNvPr id="160" name="Google Shape;160;g10538ac236f_0_2:notes"/>
+          <p:cNvPr id="172" name="Google Shape;172;g107682104ce_0_0:notes"/>
           <p:cNvSpPr txBox="1"/>
           <p:nvPr>
             <p:ph idx="1" type="body"/>
@@ -1216,7 +1217,7 @@
   <p:cSld>
     <p:spTree>
       <p:nvGrpSpPr>
-        <p:cNvPr id="167" name="Shape 167"/>
+        <p:cNvPr id="176" name="Shape 176"/>
         <p:cNvGrpSpPr/>
         <p:nvPr/>
       </p:nvGrpSpPr>
@@ -1230,7 +1231,7 @@
       </p:grpSpPr>
       <p:sp>
         <p:nvSpPr>
-          <p:cNvPr id="168" name="Google Shape;168;g10538ac236f_0_98:notes"/>
+          <p:cNvPr id="177" name="Google Shape;177;g10538ac236f_0_68:notes"/>
           <p:cNvSpPr/>
           <p:nvPr>
             <p:ph idx="2" type="sldImg"/>
@@ -1265,7 +1266,7 @@
       </p:sp>
       <p:sp>
         <p:nvSpPr>
-          <p:cNvPr id="169" name="Google Shape;169;g10538ac236f_0_98:notes"/>
+          <p:cNvPr id="178" name="Google Shape;178;g10538ac236f_0_68:notes"/>
           <p:cNvSpPr txBox="1"/>
           <p:nvPr>
             <p:ph idx="1" type="body"/>
@@ -1315,7 +1316,7 @@
   <p:cSld>
     <p:spTree>
       <p:nvGrpSpPr>
-        <p:cNvPr id="175" name="Shape 175"/>
+        <p:cNvPr id="181" name="Shape 181"/>
         <p:cNvGrpSpPr/>
         <p:nvPr/>
       </p:nvGrpSpPr>
@@ -1329,7 +1330,7 @@
       </p:grpSpPr>
       <p:sp>
         <p:nvSpPr>
-          <p:cNvPr id="176" name="Google Shape;176;g105e06faf48_0_433:notes"/>
+          <p:cNvPr id="182" name="Google Shape;182;g10538ac236f_0_2:notes"/>
           <p:cNvSpPr/>
           <p:nvPr>
             <p:ph idx="2" type="sldImg"/>
@@ -1364,7 +1365,7 @@
       </p:sp>
       <p:sp>
         <p:nvSpPr>
-          <p:cNvPr id="177" name="Google Shape;177;g105e06faf48_0_433:notes"/>
+          <p:cNvPr id="183" name="Google Shape;183;g10538ac236f_0_2:notes"/>
           <p:cNvSpPr txBox="1"/>
           <p:nvPr>
             <p:ph idx="1" type="body"/>
@@ -1414,7 +1415,7 @@
   <p:cSld>
     <p:spTree>
       <p:nvGrpSpPr>
-        <p:cNvPr id="180" name="Shape 180"/>
+        <p:cNvPr id="190" name="Shape 190"/>
         <p:cNvGrpSpPr/>
         <p:nvPr/>
       </p:nvGrpSpPr>
@@ -1428,7 +1429,7 @@
       </p:grpSpPr>
       <p:sp>
         <p:nvSpPr>
-          <p:cNvPr id="181" name="Google Shape;181;g105e06faf48_0_443:notes"/>
+          <p:cNvPr id="191" name="Google Shape;191;g10538ac236f_0_98:notes"/>
           <p:cNvSpPr/>
           <p:nvPr>
             <p:ph idx="2" type="sldImg"/>
@@ -1463,7 +1464,7 @@
       </p:sp>
       <p:sp>
         <p:nvSpPr>
-          <p:cNvPr id="182" name="Google Shape;182;g105e06faf48_0_443:notes"/>
+          <p:cNvPr id="192" name="Google Shape;192;g10538ac236f_0_98:notes"/>
           <p:cNvSpPr txBox="1"/>
           <p:nvPr>
             <p:ph idx="1" type="body"/>
@@ -1513,7 +1514,7 @@
   <p:cSld>
     <p:spTree>
       <p:nvGrpSpPr>
-        <p:cNvPr id="185" name="Shape 185"/>
+        <p:cNvPr id="198" name="Shape 198"/>
         <p:cNvGrpSpPr/>
         <p:nvPr/>
       </p:nvGrpSpPr>
@@ -1527,7 +1528,7 @@
       </p:grpSpPr>
       <p:sp>
         <p:nvSpPr>
-          <p:cNvPr id="186" name="Google Shape;186;g10538ac236f_0_64:notes"/>
+          <p:cNvPr id="199" name="Google Shape;199;g105e06faf48_0_433:notes"/>
           <p:cNvSpPr/>
           <p:nvPr>
             <p:ph idx="2" type="sldImg"/>
@@ -1562,7 +1563,7 @@
       </p:sp>
       <p:sp>
         <p:nvSpPr>
-          <p:cNvPr id="187" name="Google Shape;187;g10538ac236f_0_64:notes"/>
+          <p:cNvPr id="200" name="Google Shape;200;g105e06faf48_0_433:notes"/>
           <p:cNvSpPr txBox="1"/>
           <p:nvPr>
             <p:ph idx="1" type="body"/>
@@ -1612,7 +1613,7 @@
   <p:cSld>
     <p:spTree>
       <p:nvGrpSpPr>
-        <p:cNvPr id="192" name="Shape 192"/>
+        <p:cNvPr id="203" name="Shape 203"/>
         <p:cNvGrpSpPr/>
         <p:nvPr/>
       </p:nvGrpSpPr>
@@ -1626,7 +1627,7 @@
       </p:grpSpPr>
       <p:sp>
         <p:nvSpPr>
-          <p:cNvPr id="193" name="Google Shape;193;g107682104ce_0_5:notes"/>
+          <p:cNvPr id="204" name="Google Shape;204;g105e06faf48_0_443:notes"/>
           <p:cNvSpPr/>
           <p:nvPr>
             <p:ph idx="2" type="sldImg"/>
@@ -1661,7 +1662,7 @@
       </p:sp>
       <p:sp>
         <p:nvSpPr>
-          <p:cNvPr id="194" name="Google Shape;194;g107682104ce_0_5:notes"/>
+          <p:cNvPr id="205" name="Google Shape;205;g105e06faf48_0_443:notes"/>
           <p:cNvSpPr txBox="1"/>
           <p:nvPr>
             <p:ph idx="1" type="body"/>
@@ -1711,7 +1712,7 @@
   <p:cSld>
     <p:spTree>
       <p:nvGrpSpPr>
-        <p:cNvPr id="198" name="Shape 198"/>
+        <p:cNvPr id="208" name="Shape 208"/>
         <p:cNvGrpSpPr/>
         <p:nvPr/>
       </p:nvGrpSpPr>
@@ -1725,7 +1726,7 @@
       </p:grpSpPr>
       <p:sp>
         <p:nvSpPr>
-          <p:cNvPr id="199" name="Google Shape;199;g107682104ce_0_11:notes"/>
+          <p:cNvPr id="209" name="Google Shape;209;g107682104ce_0_5:notes"/>
           <p:cNvSpPr/>
           <p:nvPr>
             <p:ph idx="2" type="sldImg"/>
@@ -1760,7 +1761,7 @@
       </p:sp>
       <p:sp>
         <p:nvSpPr>
-          <p:cNvPr id="200" name="Google Shape;200;g107682104ce_0_11:notes"/>
+          <p:cNvPr id="210" name="Google Shape;210;g107682104ce_0_5:notes"/>
           <p:cNvSpPr txBox="1"/>
           <p:nvPr>
             <p:ph idx="1" type="body"/>
@@ -1909,7 +1910,7 @@
   <p:cSld>
     <p:spTree>
       <p:nvGrpSpPr>
-        <p:cNvPr id="204" name="Shape 204"/>
+        <p:cNvPr id="214" name="Shape 214"/>
         <p:cNvGrpSpPr/>
         <p:nvPr/>
       </p:nvGrpSpPr>
@@ -1923,7 +1924,7 @@
       </p:grpSpPr>
       <p:sp>
         <p:nvSpPr>
-          <p:cNvPr id="205" name="Google Shape;205;g107682104ce_0_17:notes"/>
+          <p:cNvPr id="215" name="Google Shape;215;g107682104ce_0_11:notes"/>
           <p:cNvSpPr/>
           <p:nvPr>
             <p:ph idx="2" type="sldImg"/>
@@ -1958,7 +1959,7 @@
       </p:sp>
       <p:sp>
         <p:nvSpPr>
-          <p:cNvPr id="206" name="Google Shape;206;g107682104ce_0_17:notes"/>
+          <p:cNvPr id="216" name="Google Shape;216;g107682104ce_0_11:notes"/>
           <p:cNvSpPr txBox="1"/>
           <p:nvPr>
             <p:ph idx="1" type="body"/>
@@ -2008,7 +2009,7 @@
   <p:cSld>
     <p:spTree>
       <p:nvGrpSpPr>
-        <p:cNvPr id="210" name="Shape 210"/>
+        <p:cNvPr id="220" name="Shape 220"/>
         <p:cNvGrpSpPr/>
         <p:nvPr/>
       </p:nvGrpSpPr>
@@ -2022,7 +2023,7 @@
       </p:grpSpPr>
       <p:sp>
         <p:nvSpPr>
-          <p:cNvPr id="211" name="Google Shape;211;g107682104ce_0_22:notes"/>
+          <p:cNvPr id="221" name="Google Shape;221;g107682104ce_0_17:notes"/>
           <p:cNvSpPr/>
           <p:nvPr>
             <p:ph idx="2" type="sldImg"/>
@@ -2057,7 +2058,7 @@
       </p:sp>
       <p:sp>
         <p:nvSpPr>
-          <p:cNvPr id="212" name="Google Shape;212;g107682104ce_0_22:notes"/>
+          <p:cNvPr id="222" name="Google Shape;222;g107682104ce_0_17:notes"/>
           <p:cNvSpPr txBox="1"/>
           <p:nvPr>
             <p:ph idx="1" type="body"/>
@@ -2107,7 +2108,7 @@
   <p:cSld>
     <p:spTree>
       <p:nvGrpSpPr>
-        <p:cNvPr id="216" name="Shape 216"/>
+        <p:cNvPr id="226" name="Shape 226"/>
         <p:cNvGrpSpPr/>
         <p:nvPr/>
       </p:nvGrpSpPr>
@@ -2121,7 +2122,7 @@
       </p:grpSpPr>
       <p:sp>
         <p:nvSpPr>
-          <p:cNvPr id="217" name="Google Shape;217;g107682104ce_0_27:notes"/>
+          <p:cNvPr id="227" name="Google Shape;227;g107682104ce_0_22:notes"/>
           <p:cNvSpPr/>
           <p:nvPr>
             <p:ph idx="2" type="sldImg"/>
@@ -2156,7 +2157,106 @@
       </p:sp>
       <p:sp>
         <p:nvSpPr>
-          <p:cNvPr id="218" name="Google Shape;218;g107682104ce_0_27:notes"/>
+          <p:cNvPr id="228" name="Google Shape;228;g107682104ce_0_22:notes"/>
+          <p:cNvSpPr txBox="1"/>
+          <p:nvPr>
+            <p:ph idx="1" type="body"/>
+          </p:nvPr>
+        </p:nvSpPr>
+        <p:spPr>
+          <a:xfrm>
+            <a:off x="685800" y="4343400"/>
+            <a:ext cx="5486400" cy="4114800"/>
+          </a:xfrm>
+          <a:prstGeom prst="rect">
+            <a:avLst/>
+          </a:prstGeom>
+        </p:spPr>
+        <p:txBody>
+          <a:bodyPr anchorCtr="0" anchor="t" bIns="91425" lIns="91425" spcFirstLastPara="1" rIns="91425" wrap="square" tIns="91425">
+            <a:noAutofit/>
+          </a:bodyPr>
+          <a:lstStyle/>
+          <a:p>
+            <a:pPr indent="0" lvl="0" marL="0" rtl="0" algn="l">
+              <a:spcBef>
+                <a:spcPts val="0"/>
+              </a:spcBef>
+              <a:spcAft>
+                <a:spcPts val="0"/>
+              </a:spcAft>
+              <a:buNone/>
+            </a:pPr>
+            <a:r>
+              <a:t/>
+            </a:r>
+            <a:endParaRPr/>
+          </a:p>
+        </p:txBody>
+      </p:sp>
+    </p:spTree>
+  </p:cSld>
+  <p:clrMapOvr>
+    <a:masterClrMapping/>
+  </p:clrMapOvr>
+</p:notes>
+</file>
+
+<file path=ppt/notesSlides/notesSlide23.xml><?xml version="1.0" encoding="utf-8"?>
+<p:notes xmlns:a="http://schemas.openxmlformats.org/drawingml/2006/main" xmlns:r="http://schemas.openxmlformats.org/officeDocument/2006/relationships" xmlns:mc="http://schemas.openxmlformats.org/markup-compatibility/2006" xmlns:mv="urn:schemas-microsoft-com:mac:vml" xmlns:p="http://schemas.openxmlformats.org/presentationml/2006/main" xmlns:c="http://schemas.openxmlformats.org/drawingml/2006/chart" xmlns:dgm="http://schemas.openxmlformats.org/drawingml/2006/diagram" xmlns:o="urn:schemas-microsoft-com:office:office" xmlns:v="urn:schemas-microsoft-com:vml" xmlns:pvml="urn:schemas-microsoft-com:office:powerpoint" xmlns:com="http://schemas.openxmlformats.org/drawingml/2006/compatibility" xmlns:p14="http://schemas.microsoft.com/office/powerpoint/2010/main" xmlns:p15="http://schemas.microsoft.com/office/powerpoint/2012/main" xmlns:ahyp="http://schemas.microsoft.com/office/drawing/2018/hyperlinkcolor" showMasterPhAnim="0" showMasterSp="0">
+  <p:cSld>
+    <p:spTree>
+      <p:nvGrpSpPr>
+        <p:cNvPr id="232" name="Shape 232"/>
+        <p:cNvGrpSpPr/>
+        <p:nvPr/>
+      </p:nvGrpSpPr>
+      <p:grpSpPr>
+        <a:xfrm>
+          <a:off x="0" y="0"/>
+          <a:ext cx="0" cy="0"/>
+          <a:chOff x="0" y="0"/>
+          <a:chExt cx="0" cy="0"/>
+        </a:xfrm>
+      </p:grpSpPr>
+      <p:sp>
+        <p:nvSpPr>
+          <p:cNvPr id="233" name="Google Shape;233;g107682104ce_0_27:notes"/>
+          <p:cNvSpPr/>
+          <p:nvPr>
+            <p:ph idx="2" type="sldImg"/>
+          </p:nvPr>
+        </p:nvSpPr>
+        <p:spPr>
+          <a:xfrm>
+            <a:off x="381300" y="685800"/>
+            <a:ext cx="6096000" cy="3429000"/>
+          </a:xfrm>
+          <a:custGeom>
+            <a:rect b="b" l="l" r="r" t="t"/>
+            <a:pathLst>
+              <a:path extrusionOk="0" h="120000" w="120000">
+                <a:moveTo>
+                  <a:pt x="0" y="0"/>
+                </a:moveTo>
+                <a:lnTo>
+                  <a:pt x="120000" y="0"/>
+                </a:lnTo>
+                <a:lnTo>
+                  <a:pt x="120000" y="120000"/>
+                </a:lnTo>
+                <a:lnTo>
+                  <a:pt x="0" y="120000"/>
+                </a:lnTo>
+                <a:close/>
+              </a:path>
+            </a:pathLst>
+          </a:custGeom>
+        </p:spPr>
+      </p:sp>
+      <p:sp>
+        <p:nvSpPr>
+          <p:cNvPr id="234" name="Google Shape;234;g107682104ce_0_27:notes"/>
           <p:cNvSpPr txBox="1"/>
           <p:nvPr>
             <p:ph idx="1" type="body"/>
@@ -2560,7 +2660,7 @@
       </p:grpSpPr>
       <p:sp>
         <p:nvSpPr>
-          <p:cNvPr id="116" name="Google Shape;116;g10538ac236f_0_52:notes"/>
+          <p:cNvPr id="116" name="Google Shape;116;g10939a3aca2_1_2:notes"/>
           <p:cNvSpPr/>
           <p:nvPr>
             <p:ph idx="2" type="sldImg"/>
@@ -2595,7 +2695,7 @@
       </p:sp>
       <p:sp>
         <p:nvSpPr>
-          <p:cNvPr id="117" name="Google Shape;117;g10538ac236f_0_52:notes"/>
+          <p:cNvPr id="117" name="Google Shape;117;g10939a3aca2_1_2:notes"/>
           <p:cNvSpPr txBox="1"/>
           <p:nvPr>
             <p:ph idx="1" type="body"/>
@@ -2617,8 +2717,32 @@
           <a:lstStyle/>
           <a:p>
             <a:pPr indent="0" lvl="0" marL="0" rtl="0" algn="l">
-              <a:spcBef>
-                <a:spcPts val="0"/>
+              <a:lnSpc>
+                <a:spcPct val="108000"/>
+              </a:lnSpc>
+              <a:spcBef>
+                <a:spcPts val="1200"/>
+              </a:spcBef>
+              <a:spcAft>
+                <a:spcPts val="0"/>
+              </a:spcAft>
+              <a:buClr>
+                <a:schemeClr val="dk1"/>
+              </a:buClr>
+              <a:buSzPts val="1100"/>
+              <a:buFont typeface="Arial"/>
+              <a:buNone/>
+            </a:pPr>
+            <a:r>
+              <a:rPr lang="ru"/>
+              <a:t> Target - Средняя скорость изменения давления на приеме насоса в ЧАС, МПа/час",</a:t>
+            </a:r>
+            <a:endParaRPr/>
+          </a:p>
+          <a:p>
+            <a:pPr indent="0" lvl="0" marL="0" rtl="0" algn="l">
+              <a:spcBef>
+                <a:spcPts val="800"/>
               </a:spcBef>
               <a:spcAft>
                 <a:spcPts val="0"/>
@@ -2645,7 +2769,7 @@
   <p:cSld>
     <p:spTree>
       <p:nvGrpSpPr>
-        <p:cNvPr id="120" name="Shape 120"/>
+        <p:cNvPr id="131" name="Shape 131"/>
         <p:cNvGrpSpPr/>
         <p:nvPr/>
       </p:nvGrpSpPr>
@@ -2659,7 +2783,7 @@
       </p:grpSpPr>
       <p:sp>
         <p:nvSpPr>
-          <p:cNvPr id="121" name="Google Shape;121;g10538ac236f_0_56:notes"/>
+          <p:cNvPr id="132" name="Google Shape;132;g10538ac236f_0_52:notes"/>
           <p:cNvSpPr/>
           <p:nvPr>
             <p:ph idx="2" type="sldImg"/>
@@ -2694,7 +2818,7 @@
       </p:sp>
       <p:sp>
         <p:nvSpPr>
-          <p:cNvPr id="122" name="Google Shape;122;g10538ac236f_0_56:notes"/>
+          <p:cNvPr id="133" name="Google Shape;133;g10538ac236f_0_52:notes"/>
           <p:cNvSpPr txBox="1"/>
           <p:nvPr>
             <p:ph idx="1" type="body"/>
@@ -2744,7 +2868,7 @@
   <p:cSld>
     <p:spTree>
       <p:nvGrpSpPr>
-        <p:cNvPr id="128" name="Shape 128"/>
+        <p:cNvPr id="136" name="Shape 136"/>
         <p:cNvGrpSpPr/>
         <p:nvPr/>
       </p:nvGrpSpPr>
@@ -2758,7 +2882,7 @@
       </p:grpSpPr>
       <p:sp>
         <p:nvSpPr>
-          <p:cNvPr id="129" name="Google Shape;129;g10538ac236f_0_72:notes"/>
+          <p:cNvPr id="137" name="Google Shape;137;g10538ac236f_0_56:notes"/>
           <p:cNvSpPr/>
           <p:nvPr>
             <p:ph idx="2" type="sldImg"/>
@@ -2793,7 +2917,7 @@
       </p:sp>
       <p:sp>
         <p:nvSpPr>
-          <p:cNvPr id="130" name="Google Shape;130;g10538ac236f_0_72:notes"/>
+          <p:cNvPr id="138" name="Google Shape;138;g10538ac236f_0_56:notes"/>
           <p:cNvSpPr txBox="1"/>
           <p:nvPr>
             <p:ph idx="1" type="body"/>
@@ -2843,7 +2967,7 @@
   <p:cSld>
     <p:spTree>
       <p:nvGrpSpPr>
-        <p:cNvPr id="133" name="Shape 133"/>
+        <p:cNvPr id="144" name="Shape 144"/>
         <p:cNvGrpSpPr/>
         <p:nvPr/>
       </p:nvGrpSpPr>
@@ -2857,7 +2981,7 @@
       </p:grpSpPr>
       <p:sp>
         <p:nvSpPr>
-          <p:cNvPr id="134" name="Google Shape;134;g107682104ce_0_0:notes"/>
+          <p:cNvPr id="145" name="Google Shape;145;g10538ac236f_0_72:notes"/>
           <p:cNvSpPr/>
           <p:nvPr>
             <p:ph idx="2" type="sldImg"/>
@@ -2892,7 +3016,7 @@
       </p:sp>
       <p:sp>
         <p:nvSpPr>
-          <p:cNvPr id="135" name="Google Shape;135;g107682104ce_0_0:notes"/>
+          <p:cNvPr id="146" name="Google Shape;146;g10538ac236f_0_72:notes"/>
           <p:cNvSpPr txBox="1"/>
           <p:nvPr>
             <p:ph idx="1" type="body"/>
@@ -9647,7 +9771,7 @@
   <p:cSld>
     <p:spTree>
       <p:nvGrpSpPr>
-        <p:cNvPr id="142" name="Shape 142"/>
+        <p:cNvPr id="152" name="Shape 152"/>
         <p:cNvGrpSpPr/>
         <p:nvPr/>
       </p:nvGrpSpPr>
@@ -9661,7 +9785,7 @@
       </p:grpSpPr>
       <p:sp>
         <p:nvSpPr>
-          <p:cNvPr id="143" name="Google Shape;143;p22"/>
+          <p:cNvPr id="153" name="Google Shape;153;p22"/>
           <p:cNvSpPr txBox="1"/>
           <p:nvPr>
             <p:ph type="title"/>
@@ -9693,7 +9817,7 @@
             </a:pPr>
             <a:r>
               <a:rPr lang="ru"/>
-              <a:t>Результаты - остатки</a:t>
+              <a:t>Результаты - метрики</a:t>
             </a:r>
             <a:endParaRPr/>
           </a:p>
@@ -9716,143 +9840,7 @@
       </p:sp>
       <p:pic>
         <p:nvPicPr>
-          <p:cNvPr id="144" name="Google Shape;144;p22"/>
-          <p:cNvPicPr preferRelativeResize="0"/>
-          <p:nvPr/>
-        </p:nvPicPr>
-        <p:blipFill>
-          <a:blip r:embed="rId3">
-            <a:alphaModFix/>
-          </a:blip>
-          <a:stretch>
-            <a:fillRect/>
-          </a:stretch>
-        </p:blipFill>
-        <p:spPr>
-          <a:xfrm>
-            <a:off x="152400" y="2786950"/>
-            <a:ext cx="8273198" cy="2205650"/>
-          </a:xfrm>
-          <a:prstGeom prst="rect">
-            <a:avLst/>
-          </a:prstGeom>
-          <a:noFill/>
-          <a:ln>
-            <a:noFill/>
-          </a:ln>
-        </p:spPr>
-      </p:pic>
-      <p:pic>
-        <p:nvPicPr>
-          <p:cNvPr id="145" name="Google Shape;145;p22"/>
-          <p:cNvPicPr preferRelativeResize="0"/>
-          <p:nvPr/>
-        </p:nvPicPr>
-        <p:blipFill>
-          <a:blip r:embed="rId4">
-            <a:alphaModFix/>
-          </a:blip>
-          <a:stretch>
-            <a:fillRect/>
-          </a:stretch>
-        </p:blipFill>
-        <p:spPr>
-          <a:xfrm>
-            <a:off x="152400" y="864750"/>
-            <a:ext cx="8839199" cy="2106212"/>
-          </a:xfrm>
-          <a:prstGeom prst="rect">
-            <a:avLst/>
-          </a:prstGeom>
-          <a:noFill/>
-          <a:ln>
-            <a:noFill/>
-          </a:ln>
-        </p:spPr>
-      </p:pic>
-    </p:spTree>
-  </p:cSld>
-  <p:clrMapOvr>
-    <a:masterClrMapping/>
-  </p:clrMapOvr>
-</p:sld>
-</file>
-
-<file path=ppt/slides/slide11.xml><?xml version="1.0" encoding="utf-8"?>
-<p:sld xmlns:a="http://schemas.openxmlformats.org/drawingml/2006/main" xmlns:r="http://schemas.openxmlformats.org/officeDocument/2006/relationships" xmlns:mc="http://schemas.openxmlformats.org/markup-compatibility/2006" xmlns:mv="urn:schemas-microsoft-com:mac:vml" xmlns:p="http://schemas.openxmlformats.org/presentationml/2006/main" xmlns:c="http://schemas.openxmlformats.org/drawingml/2006/chart" xmlns:dgm="http://schemas.openxmlformats.org/drawingml/2006/diagram" xmlns:o="urn:schemas-microsoft-com:office:office" xmlns:v="urn:schemas-microsoft-com:vml" xmlns:pvml="urn:schemas-microsoft-com:office:powerpoint" xmlns:com="http://schemas.openxmlformats.org/drawingml/2006/compatibility" xmlns:p14="http://schemas.microsoft.com/office/powerpoint/2010/main" xmlns:p15="http://schemas.microsoft.com/office/powerpoint/2012/main" xmlns:ahyp="http://schemas.microsoft.com/office/drawing/2018/hyperlinkcolor">
-  <p:cSld>
-    <p:spTree>
-      <p:nvGrpSpPr>
-        <p:cNvPr id="149" name="Shape 149"/>
-        <p:cNvGrpSpPr/>
-        <p:nvPr/>
-      </p:nvGrpSpPr>
-      <p:grpSpPr>
-        <a:xfrm>
-          <a:off x="0" y="0"/>
-          <a:ext cx="0" cy="0"/>
-          <a:chOff x="0" y="0"/>
-          <a:chExt cx="0" cy="0"/>
-        </a:xfrm>
-      </p:grpSpPr>
-      <p:sp>
-        <p:nvSpPr>
-          <p:cNvPr id="150" name="Google Shape;150;p23"/>
-          <p:cNvSpPr txBox="1"/>
-          <p:nvPr>
-            <p:ph type="title"/>
-          </p:nvPr>
-        </p:nvSpPr>
-        <p:spPr>
-          <a:xfrm>
-            <a:off x="311700" y="410000"/>
-            <a:ext cx="8520600" cy="607800"/>
-          </a:xfrm>
-          <a:prstGeom prst="rect">
-            <a:avLst/>
-          </a:prstGeom>
-        </p:spPr>
-        <p:txBody>
-          <a:bodyPr anchorCtr="0" anchor="t" bIns="91425" lIns="91425" spcFirstLastPara="1" rIns="91425" wrap="square" tIns="91425">
-            <a:normAutofit fontScale="90000"/>
-          </a:bodyPr>
-          <a:lstStyle/>
-          <a:p>
-            <a:pPr indent="0" lvl="0" marL="0" rtl="0" algn="l">
-              <a:spcBef>
-                <a:spcPts val="0"/>
-              </a:spcBef>
-              <a:spcAft>
-                <a:spcPts val="0"/>
-              </a:spcAft>
-              <a:buNone/>
-            </a:pPr>
-            <a:r>
-              <a:rPr lang="ru"/>
-              <a:t>Результаты - метрики</a:t>
-            </a:r>
-            <a:endParaRPr/>
-          </a:p>
-          <a:p>
-            <a:pPr indent="0" lvl="0" marL="0" rtl="0" algn="l">
-              <a:spcBef>
-                <a:spcPts val="0"/>
-              </a:spcBef>
-              <a:spcAft>
-                <a:spcPts val="0"/>
-              </a:spcAft>
-              <a:buNone/>
-            </a:pPr>
-            <a:r>
-              <a:t/>
-            </a:r>
-            <a:endParaRPr/>
-          </a:p>
-        </p:txBody>
-      </p:sp>
-      <p:pic>
-        <p:nvPicPr>
-          <p:cNvPr id="151" name="Google Shape;151;p23"/>
+          <p:cNvPr id="154" name="Google Shape;154;p22"/>
           <p:cNvPicPr preferRelativeResize="0"/>
           <p:nvPr/>
         </p:nvPicPr>
@@ -9880,7 +9868,7 @@
       </p:pic>
       <p:graphicFrame>
         <p:nvGraphicFramePr>
-          <p:cNvPr id="152" name="Google Shape;152;p23"/>
+          <p:cNvPr id="155" name="Google Shape;155;p22"/>
           <p:cNvGraphicFramePr/>
           <p:nvPr/>
         </p:nvGraphicFramePr>
@@ -9893,7 +9881,7 @@
             <a:tbl>
               <a:tblPr>
                 <a:noFill/>
-                <a:tableStyleId>{3E019D95-8A76-4A94-99CE-BE0F75AC6281}</a:tableStyleId>
+                <a:tableStyleId>{E2022370-55D6-4EA3-B7EB-1ED9F828969C}</a:tableStyleId>
               </a:tblPr>
               <a:tblGrid>
                 <a:gridCol w="1339250"/>
@@ -10970,12 +10958,12 @@
 </p:sld>
 </file>
 
-<file path=ppt/slides/slide12.xml><?xml version="1.0" encoding="utf-8"?>
+<file path=ppt/slides/slide11.xml><?xml version="1.0" encoding="utf-8"?>
 <p:sld xmlns:a="http://schemas.openxmlformats.org/drawingml/2006/main" xmlns:r="http://schemas.openxmlformats.org/officeDocument/2006/relationships" xmlns:mc="http://schemas.openxmlformats.org/markup-compatibility/2006" xmlns:mv="urn:schemas-microsoft-com:mac:vml" xmlns:p="http://schemas.openxmlformats.org/presentationml/2006/main" xmlns:c="http://schemas.openxmlformats.org/drawingml/2006/chart" xmlns:dgm="http://schemas.openxmlformats.org/drawingml/2006/diagram" xmlns:o="urn:schemas-microsoft-com:office:office" xmlns:v="urn:schemas-microsoft-com:vml" xmlns:pvml="urn:schemas-microsoft-com:office:powerpoint" xmlns:com="http://schemas.openxmlformats.org/drawingml/2006/compatibility" xmlns:p14="http://schemas.microsoft.com/office/powerpoint/2010/main" xmlns:p15="http://schemas.microsoft.com/office/powerpoint/2012/main" xmlns:ahyp="http://schemas.microsoft.com/office/drawing/2018/hyperlinkcolor">
   <p:cSld>
     <p:spTree>
       <p:nvGrpSpPr>
-        <p:cNvPr id="156" name="Shape 156"/>
+        <p:cNvPr id="159" name="Shape 159"/>
         <p:cNvGrpSpPr/>
         <p:nvPr/>
       </p:nvGrpSpPr>
@@ -10989,7 +10977,412 @@
       </p:grpSpPr>
       <p:sp>
         <p:nvSpPr>
-          <p:cNvPr id="157" name="Google Shape;157;p24"/>
+          <p:cNvPr id="160" name="Google Shape;160;p23"/>
+          <p:cNvSpPr txBox="1"/>
+          <p:nvPr>
+            <p:ph type="title"/>
+          </p:nvPr>
+        </p:nvSpPr>
+        <p:spPr>
+          <a:xfrm>
+            <a:off x="311700" y="410000"/>
+            <a:ext cx="8520600" cy="607800"/>
+          </a:xfrm>
+          <a:prstGeom prst="rect">
+            <a:avLst/>
+          </a:prstGeom>
+        </p:spPr>
+        <p:txBody>
+          <a:bodyPr anchorCtr="0" anchor="t" bIns="91425" lIns="91425" spcFirstLastPara="1" rIns="91425" wrap="square" tIns="91425">
+            <a:normAutofit fontScale="90000"/>
+          </a:bodyPr>
+          <a:lstStyle/>
+          <a:p>
+            <a:pPr indent="0" lvl="0" marL="0" rtl="0" algn="l">
+              <a:spcBef>
+                <a:spcPts val="0"/>
+              </a:spcBef>
+              <a:spcAft>
+                <a:spcPts val="0"/>
+              </a:spcAft>
+              <a:buNone/>
+            </a:pPr>
+            <a:r>
+              <a:rPr lang="ru"/>
+              <a:t>Результаты - примеры</a:t>
+            </a:r>
+            <a:endParaRPr/>
+          </a:p>
+        </p:txBody>
+      </p:sp>
+      <p:pic>
+        <p:nvPicPr>
+          <p:cNvPr id="161" name="Google Shape;161;p23"/>
+          <p:cNvPicPr preferRelativeResize="0"/>
+          <p:nvPr/>
+        </p:nvPicPr>
+        <p:blipFill>
+          <a:blip r:embed="rId3">
+            <a:alphaModFix/>
+          </a:blip>
+          <a:stretch>
+            <a:fillRect/>
+          </a:stretch>
+        </p:blipFill>
+        <p:spPr>
+          <a:xfrm>
+            <a:off x="751101" y="1017800"/>
+            <a:ext cx="3820901" cy="3820901"/>
+          </a:xfrm>
+          <a:prstGeom prst="rect">
+            <a:avLst/>
+          </a:prstGeom>
+          <a:noFill/>
+          <a:ln>
+            <a:noFill/>
+          </a:ln>
+        </p:spPr>
+      </p:pic>
+      <p:pic>
+        <p:nvPicPr>
+          <p:cNvPr id="162" name="Google Shape;162;p23"/>
+          <p:cNvPicPr preferRelativeResize="0"/>
+          <p:nvPr/>
+        </p:nvPicPr>
+        <p:blipFill>
+          <a:blip r:embed="rId4">
+            <a:alphaModFix/>
+          </a:blip>
+          <a:stretch>
+            <a:fillRect/>
+          </a:stretch>
+        </p:blipFill>
+        <p:spPr>
+          <a:xfrm>
+            <a:off x="4572000" y="1017800"/>
+            <a:ext cx="3820901" cy="3820901"/>
+          </a:xfrm>
+          <a:prstGeom prst="rect">
+            <a:avLst/>
+          </a:prstGeom>
+          <a:noFill/>
+          <a:ln>
+            <a:noFill/>
+          </a:ln>
+        </p:spPr>
+      </p:pic>
+    </p:spTree>
+  </p:cSld>
+  <p:clrMapOvr>
+    <a:masterClrMapping/>
+  </p:clrMapOvr>
+</p:sld>
+</file>
+
+<file path=ppt/slides/slide12.xml><?xml version="1.0" encoding="utf-8"?>
+<p:sld xmlns:a="http://schemas.openxmlformats.org/drawingml/2006/main" xmlns:r="http://schemas.openxmlformats.org/officeDocument/2006/relationships" xmlns:mc="http://schemas.openxmlformats.org/markup-compatibility/2006" xmlns:mv="urn:schemas-microsoft-com:mac:vml" xmlns:p="http://schemas.openxmlformats.org/presentationml/2006/main" xmlns:c="http://schemas.openxmlformats.org/drawingml/2006/chart" xmlns:dgm="http://schemas.openxmlformats.org/drawingml/2006/diagram" xmlns:o="urn:schemas-microsoft-com:office:office" xmlns:v="urn:schemas-microsoft-com:vml" xmlns:pvml="urn:schemas-microsoft-com:office:powerpoint" xmlns:com="http://schemas.openxmlformats.org/drawingml/2006/compatibility" xmlns:p14="http://schemas.microsoft.com/office/powerpoint/2010/main" xmlns:p15="http://schemas.microsoft.com/office/powerpoint/2012/main" xmlns:ahyp="http://schemas.microsoft.com/office/drawing/2018/hyperlinkcolor">
+  <p:cSld>
+    <p:spTree>
+      <p:nvGrpSpPr>
+        <p:cNvPr id="166" name="Shape 166"/>
+        <p:cNvGrpSpPr/>
+        <p:nvPr/>
+      </p:nvGrpSpPr>
+      <p:grpSpPr>
+        <a:xfrm>
+          <a:off x="0" y="0"/>
+          <a:ext cx="0" cy="0"/>
+          <a:chOff x="0" y="0"/>
+          <a:chExt cx="0" cy="0"/>
+        </a:xfrm>
+      </p:grpSpPr>
+      <p:sp>
+        <p:nvSpPr>
+          <p:cNvPr id="167" name="Google Shape;167;p24"/>
+          <p:cNvSpPr txBox="1"/>
+          <p:nvPr>
+            <p:ph type="title"/>
+          </p:nvPr>
+        </p:nvSpPr>
+        <p:spPr>
+          <a:xfrm>
+            <a:off x="311700" y="410000"/>
+            <a:ext cx="8520600" cy="607800"/>
+          </a:xfrm>
+          <a:prstGeom prst="rect">
+            <a:avLst/>
+          </a:prstGeom>
+        </p:spPr>
+        <p:txBody>
+          <a:bodyPr anchorCtr="0" anchor="t" bIns="91425" lIns="91425" spcFirstLastPara="1" rIns="91425" wrap="square" tIns="91425">
+            <a:normAutofit fontScale="90000"/>
+          </a:bodyPr>
+          <a:lstStyle/>
+          <a:p>
+            <a:pPr indent="0" lvl="0" marL="0" rtl="0" algn="l">
+              <a:spcBef>
+                <a:spcPts val="0"/>
+              </a:spcBef>
+              <a:spcAft>
+                <a:spcPts val="0"/>
+              </a:spcAft>
+              <a:buNone/>
+            </a:pPr>
+            <a:r>
+              <a:rPr lang="ru"/>
+              <a:t>Результаты - остатки</a:t>
+            </a:r>
+            <a:endParaRPr/>
+          </a:p>
+          <a:p>
+            <a:pPr indent="0" lvl="0" marL="0" rtl="0" algn="l">
+              <a:spcBef>
+                <a:spcPts val="0"/>
+              </a:spcBef>
+              <a:spcAft>
+                <a:spcPts val="0"/>
+              </a:spcAft>
+              <a:buNone/>
+            </a:pPr>
+            <a:r>
+              <a:t/>
+            </a:r>
+            <a:endParaRPr/>
+          </a:p>
+        </p:txBody>
+      </p:sp>
+      <p:pic>
+        <p:nvPicPr>
+          <p:cNvPr id="168" name="Google Shape;168;p24"/>
+          <p:cNvPicPr preferRelativeResize="0"/>
+          <p:nvPr/>
+        </p:nvPicPr>
+        <p:blipFill>
+          <a:blip r:embed="rId3">
+            <a:alphaModFix/>
+          </a:blip>
+          <a:stretch>
+            <a:fillRect/>
+          </a:stretch>
+        </p:blipFill>
+        <p:spPr>
+          <a:xfrm>
+            <a:off x="152400" y="2786950"/>
+            <a:ext cx="8273198" cy="2205650"/>
+          </a:xfrm>
+          <a:prstGeom prst="rect">
+            <a:avLst/>
+          </a:prstGeom>
+          <a:noFill/>
+          <a:ln>
+            <a:noFill/>
+          </a:ln>
+        </p:spPr>
+      </p:pic>
+      <p:pic>
+        <p:nvPicPr>
+          <p:cNvPr id="169" name="Google Shape;169;p24"/>
+          <p:cNvPicPr preferRelativeResize="0"/>
+          <p:nvPr/>
+        </p:nvPicPr>
+        <p:blipFill>
+          <a:blip r:embed="rId4">
+            <a:alphaModFix/>
+          </a:blip>
+          <a:stretch>
+            <a:fillRect/>
+          </a:stretch>
+        </p:blipFill>
+        <p:spPr>
+          <a:xfrm>
+            <a:off x="152400" y="864750"/>
+            <a:ext cx="8839199" cy="2106212"/>
+          </a:xfrm>
+          <a:prstGeom prst="rect">
+            <a:avLst/>
+          </a:prstGeom>
+          <a:noFill/>
+          <a:ln>
+            <a:noFill/>
+          </a:ln>
+        </p:spPr>
+      </p:pic>
+    </p:spTree>
+  </p:cSld>
+  <p:clrMapOvr>
+    <a:masterClrMapping/>
+  </p:clrMapOvr>
+</p:sld>
+</file>
+
+<file path=ppt/slides/slide13.xml><?xml version="1.0" encoding="utf-8"?>
+<p:sld xmlns:a="http://schemas.openxmlformats.org/drawingml/2006/main" xmlns:r="http://schemas.openxmlformats.org/officeDocument/2006/relationships" xmlns:mc="http://schemas.openxmlformats.org/markup-compatibility/2006" xmlns:mv="urn:schemas-microsoft-com:mac:vml" xmlns:p="http://schemas.openxmlformats.org/presentationml/2006/main" xmlns:c="http://schemas.openxmlformats.org/drawingml/2006/chart" xmlns:dgm="http://schemas.openxmlformats.org/drawingml/2006/diagram" xmlns:o="urn:schemas-microsoft-com:office:office" xmlns:v="urn:schemas-microsoft-com:vml" xmlns:pvml="urn:schemas-microsoft-com:office:powerpoint" xmlns:com="http://schemas.openxmlformats.org/drawingml/2006/compatibility" xmlns:p14="http://schemas.microsoft.com/office/powerpoint/2010/main" xmlns:p15="http://schemas.microsoft.com/office/powerpoint/2012/main" xmlns:ahyp="http://schemas.microsoft.com/office/drawing/2018/hyperlinkcolor">
+  <p:cSld>
+    <p:spTree>
+      <p:nvGrpSpPr>
+        <p:cNvPr id="173" name="Shape 173"/>
+        <p:cNvGrpSpPr/>
+        <p:nvPr/>
+      </p:nvGrpSpPr>
+      <p:grpSpPr>
+        <a:xfrm>
+          <a:off x="0" y="0"/>
+          <a:ext cx="0" cy="0"/>
+          <a:chOff x="0" y="0"/>
+          <a:chExt cx="0" cy="0"/>
+        </a:xfrm>
+      </p:grpSpPr>
+      <p:sp>
+        <p:nvSpPr>
+          <p:cNvPr id="174" name="Google Shape;174;p25"/>
+          <p:cNvSpPr txBox="1"/>
+          <p:nvPr>
+            <p:ph type="title"/>
+          </p:nvPr>
+        </p:nvSpPr>
+        <p:spPr>
+          <a:xfrm>
+            <a:off x="311700" y="410000"/>
+            <a:ext cx="8520600" cy="607800"/>
+          </a:xfrm>
+          <a:prstGeom prst="rect">
+            <a:avLst/>
+          </a:prstGeom>
+        </p:spPr>
+        <p:txBody>
+          <a:bodyPr anchorCtr="0" anchor="t" bIns="91425" lIns="91425" spcFirstLastPara="1" rIns="91425" wrap="square" tIns="91425">
+            <a:normAutofit fontScale="90000"/>
+          </a:bodyPr>
+          <a:lstStyle/>
+          <a:p>
+            <a:pPr indent="0" lvl="0" marL="0" rtl="0" algn="l">
+              <a:spcBef>
+                <a:spcPts val="0"/>
+              </a:spcBef>
+              <a:spcAft>
+                <a:spcPts val="0"/>
+              </a:spcAft>
+              <a:buNone/>
+            </a:pPr>
+            <a:r>
+              <a:rPr lang="ru"/>
+              <a:t>Результаты</a:t>
+            </a:r>
+            <a:endParaRPr/>
+          </a:p>
+        </p:txBody>
+      </p:sp>
+      <p:sp>
+        <p:nvSpPr>
+          <p:cNvPr id="175" name="Google Shape;175;p25"/>
+          <p:cNvSpPr txBox="1"/>
+          <p:nvPr>
+            <p:ph idx="1" type="body"/>
+          </p:nvPr>
+        </p:nvSpPr>
+        <p:spPr>
+          <a:xfrm>
+            <a:off x="311700" y="1229875"/>
+            <a:ext cx="8520600" cy="3339000"/>
+          </a:xfrm>
+          <a:prstGeom prst="rect">
+            <a:avLst/>
+          </a:prstGeom>
+        </p:spPr>
+        <p:txBody>
+          <a:bodyPr anchorCtr="0" anchor="t" bIns="91425" lIns="91425" spcFirstLastPara="1" rIns="91425" wrap="square" tIns="91425">
+            <a:normAutofit/>
+          </a:bodyPr>
+          <a:lstStyle/>
+          <a:p>
+            <a:pPr indent="-342900" lvl="0" marL="457200" rtl="0" algn="l">
+              <a:spcBef>
+                <a:spcPts val="0"/>
+              </a:spcBef>
+              <a:spcAft>
+                <a:spcPts val="0"/>
+              </a:spcAft>
+              <a:buSzPts val="1800"/>
+              <a:buAutoNum type="arabicPeriod"/>
+            </a:pPr>
+            <a:r>
+              <a:rPr lang="ru"/>
+              <a:t>3 из 4 моделей показали качество лучше </a:t>
+            </a:r>
+            <a:r>
+              <a:rPr lang="ru"/>
+              <a:t>AutoML (</a:t>
+            </a:r>
+            <a:r>
+              <a:rPr lang="ru"/>
+              <a:t>4,4% SMAPE, до 1,5% на лучшем ряде)</a:t>
+            </a:r>
+            <a:endParaRPr/>
+          </a:p>
+          <a:p>
+            <a:pPr indent="-342900" lvl="0" marL="457200" rtl="0" algn="l">
+              <a:spcBef>
+                <a:spcPts val="0"/>
+              </a:spcBef>
+              <a:spcAft>
+                <a:spcPts val="0"/>
+              </a:spcAft>
+              <a:buSzPts val="1800"/>
+              <a:buAutoNum type="arabicPeriod"/>
+            </a:pPr>
+            <a:r>
+              <a:rPr lang="ru"/>
+              <a:t>Time fusion transformer модель на данных этой работы имела тенденцию к переобучению - план в дальнейшем снижать число параметров модели и более жестко регуляризировать</a:t>
+            </a:r>
+            <a:endParaRPr/>
+          </a:p>
+          <a:p>
+            <a:pPr indent="-342900" lvl="0" marL="457200" rtl="0" algn="l">
+              <a:spcBef>
+                <a:spcPts val="0"/>
+              </a:spcBef>
+              <a:spcAft>
+                <a:spcPts val="0"/>
+              </a:spcAft>
+              <a:buSzPts val="1800"/>
+              <a:buAutoNum type="arabicPeriod"/>
+            </a:pPr>
+            <a:r>
+              <a:rPr lang="ru"/>
+              <a:t>Для моделей трансформеров, ряды с более точными прогнозами — близки к финансовым данным, а менее точными — ряды из микроэкономики</a:t>
+            </a:r>
+            <a:endParaRPr/>
+          </a:p>
+        </p:txBody>
+      </p:sp>
+    </p:spTree>
+  </p:cSld>
+  <p:clrMapOvr>
+    <a:masterClrMapping/>
+  </p:clrMapOvr>
+</p:sld>
+</file>
+
+<file path=ppt/slides/slide14.xml><?xml version="1.0" encoding="utf-8"?>
+<p:sld xmlns:a="http://schemas.openxmlformats.org/drawingml/2006/main" xmlns:r="http://schemas.openxmlformats.org/officeDocument/2006/relationships" xmlns:mc="http://schemas.openxmlformats.org/markup-compatibility/2006" xmlns:mv="urn:schemas-microsoft-com:mac:vml" xmlns:p="http://schemas.openxmlformats.org/presentationml/2006/main" xmlns:c="http://schemas.openxmlformats.org/drawingml/2006/chart" xmlns:dgm="http://schemas.openxmlformats.org/drawingml/2006/diagram" xmlns:o="urn:schemas-microsoft-com:office:office" xmlns:v="urn:schemas-microsoft-com:vml" xmlns:pvml="urn:schemas-microsoft-com:office:powerpoint" xmlns:com="http://schemas.openxmlformats.org/drawingml/2006/compatibility" xmlns:p14="http://schemas.microsoft.com/office/powerpoint/2010/main" xmlns:p15="http://schemas.microsoft.com/office/powerpoint/2012/main" xmlns:ahyp="http://schemas.microsoft.com/office/drawing/2018/hyperlinkcolor">
+  <p:cSld>
+    <p:spTree>
+      <p:nvGrpSpPr>
+        <p:cNvPr id="179" name="Shape 179"/>
+        <p:cNvGrpSpPr/>
+        <p:nvPr/>
+      </p:nvGrpSpPr>
+      <p:grpSpPr>
+        <a:xfrm>
+          <a:off x="0" y="0"/>
+          <a:ext cx="0" cy="0"/>
+          <a:chOff x="0" y="0"/>
+          <a:chExt cx="0" cy="0"/>
+        </a:xfrm>
+      </p:grpSpPr>
+      <p:sp>
+        <p:nvSpPr>
+          <p:cNvPr id="180" name="Google Shape;180;p26"/>
           <p:cNvSpPr txBox="1"/>
           <p:nvPr>
             <p:ph type="title"/>
@@ -11035,12 +11428,12 @@
 </p:sld>
 </file>
 
-<file path=ppt/slides/slide13.xml><?xml version="1.0" encoding="utf-8"?>
+<file path=ppt/slides/slide15.xml><?xml version="1.0" encoding="utf-8"?>
 <p:sld xmlns:a="http://schemas.openxmlformats.org/drawingml/2006/main" xmlns:r="http://schemas.openxmlformats.org/officeDocument/2006/relationships" xmlns:mc="http://schemas.openxmlformats.org/markup-compatibility/2006" xmlns:mv="urn:schemas-microsoft-com:mac:vml" xmlns:p="http://schemas.openxmlformats.org/presentationml/2006/main" xmlns:c="http://schemas.openxmlformats.org/drawingml/2006/chart" xmlns:dgm="http://schemas.openxmlformats.org/drawingml/2006/diagram" xmlns:o="urn:schemas-microsoft-com:office:office" xmlns:v="urn:schemas-microsoft-com:vml" xmlns:pvml="urn:schemas-microsoft-com:office:powerpoint" xmlns:com="http://schemas.openxmlformats.org/drawingml/2006/compatibility" xmlns:p14="http://schemas.microsoft.com/office/powerpoint/2010/main" xmlns:p15="http://schemas.microsoft.com/office/powerpoint/2012/main" xmlns:ahyp="http://schemas.microsoft.com/office/drawing/2018/hyperlinkcolor">
   <p:cSld>
     <p:spTree>
       <p:nvGrpSpPr>
-        <p:cNvPr id="161" name="Shape 161"/>
+        <p:cNvPr id="184" name="Shape 184"/>
         <p:cNvGrpSpPr/>
         <p:nvPr/>
       </p:nvGrpSpPr>
@@ -11054,7 +11447,7 @@
       </p:grpSpPr>
       <p:sp>
         <p:nvSpPr>
-          <p:cNvPr id="162" name="Google Shape;162;p25"/>
+          <p:cNvPr id="185" name="Google Shape;185;p27"/>
           <p:cNvSpPr txBox="1"/>
           <p:nvPr>
             <p:ph type="title"/>
@@ -11094,7 +11487,7 @@
       </p:sp>
       <p:sp>
         <p:nvSpPr>
-          <p:cNvPr id="163" name="Google Shape;163;p25"/>
+          <p:cNvPr id="186" name="Google Shape;186;p27"/>
           <p:cNvSpPr txBox="1"/>
           <p:nvPr>
             <p:ph idx="1" type="body"/>
@@ -11167,7 +11560,7 @@
       </p:sp>
       <p:pic>
         <p:nvPicPr>
-          <p:cNvPr id="164" name="Google Shape;164;p25"/>
+          <p:cNvPr id="187" name="Google Shape;187;p27"/>
           <p:cNvPicPr preferRelativeResize="0"/>
           <p:nvPr/>
         </p:nvPicPr>
@@ -11195,7 +11588,7 @@
       </p:pic>
       <p:graphicFrame>
         <p:nvGraphicFramePr>
-          <p:cNvPr id="165" name="Google Shape;165;p25"/>
+          <p:cNvPr id="188" name="Google Shape;188;p27"/>
           <p:cNvGraphicFramePr/>
           <p:nvPr/>
         </p:nvGraphicFramePr>
@@ -11208,7 +11601,7 @@
             <a:tbl>
               <a:tblPr>
                 <a:noFill/>
-                <a:tableStyleId>{C7D2A766-C142-49B4-AE43-FD2FA970D1C5}</a:tableStyleId>
+                <a:tableStyleId>{714B78C0-0A7A-475E-99C5-15C07117AE73}</a:tableStyleId>
               </a:tblPr>
               <a:tblGrid>
                 <a:gridCol w="2165775"/>
@@ -12184,7 +12577,7 @@
       </p:graphicFrame>
       <p:sp>
         <p:nvSpPr>
-          <p:cNvPr id="166" name="Google Shape;166;p25"/>
+          <p:cNvPr id="189" name="Google Shape;189;p27"/>
           <p:cNvSpPr txBox="1"/>
           <p:nvPr/>
         </p:nvSpPr>
@@ -12242,12 +12635,12 @@
 </p:sld>
 </file>
 
-<file path=ppt/slides/slide14.xml><?xml version="1.0" encoding="utf-8"?>
+<file path=ppt/slides/slide16.xml><?xml version="1.0" encoding="utf-8"?>
 <p:sld xmlns:a="http://schemas.openxmlformats.org/drawingml/2006/main" xmlns:r="http://schemas.openxmlformats.org/officeDocument/2006/relationships" xmlns:mc="http://schemas.openxmlformats.org/markup-compatibility/2006" xmlns:mv="urn:schemas-microsoft-com:mac:vml" xmlns:p="http://schemas.openxmlformats.org/presentationml/2006/main" xmlns:c="http://schemas.openxmlformats.org/drawingml/2006/chart" xmlns:dgm="http://schemas.openxmlformats.org/drawingml/2006/diagram" xmlns:o="urn:schemas-microsoft-com:office:office" xmlns:v="urn:schemas-microsoft-com:vml" xmlns:pvml="urn:schemas-microsoft-com:office:powerpoint" xmlns:com="http://schemas.openxmlformats.org/drawingml/2006/compatibility" xmlns:p14="http://schemas.microsoft.com/office/powerpoint/2010/main" xmlns:p15="http://schemas.microsoft.com/office/powerpoint/2012/main" xmlns:ahyp="http://schemas.microsoft.com/office/drawing/2018/hyperlinkcolor">
   <p:cSld>
     <p:spTree>
       <p:nvGrpSpPr>
-        <p:cNvPr id="170" name="Shape 170"/>
+        <p:cNvPr id="193" name="Shape 193"/>
         <p:cNvGrpSpPr/>
         <p:nvPr/>
       </p:nvGrpSpPr>
@@ -12261,7 +12654,7 @@
       </p:grpSpPr>
       <p:sp>
         <p:nvSpPr>
-          <p:cNvPr id="171" name="Google Shape;171;p26"/>
+          <p:cNvPr id="194" name="Google Shape;194;p28"/>
           <p:cNvSpPr txBox="1"/>
           <p:nvPr>
             <p:ph type="title"/>
@@ -12301,7 +12694,7 @@
       </p:sp>
       <p:pic>
         <p:nvPicPr>
-          <p:cNvPr id="172" name="Google Shape;172;p26"/>
+          <p:cNvPr id="195" name="Google Shape;195;p28"/>
           <p:cNvPicPr preferRelativeResize="0"/>
           <p:nvPr/>
         </p:nvPicPr>
@@ -12329,7 +12722,7 @@
       </p:pic>
       <p:pic>
         <p:nvPicPr>
-          <p:cNvPr id="173" name="Google Shape;173;p26"/>
+          <p:cNvPr id="196" name="Google Shape;196;p28"/>
           <p:cNvPicPr preferRelativeResize="0"/>
           <p:nvPr/>
         </p:nvPicPr>
@@ -12357,7 +12750,7 @@
       </p:pic>
       <p:pic>
         <p:nvPicPr>
-          <p:cNvPr id="174" name="Google Shape;174;p26"/>
+          <p:cNvPr id="197" name="Google Shape;197;p28"/>
           <p:cNvPicPr preferRelativeResize="0"/>
           <p:nvPr/>
         </p:nvPicPr>
@@ -12391,12 +12784,12 @@
 </p:sld>
 </file>
 
-<file path=ppt/slides/slide15.xml><?xml version="1.0" encoding="utf-8"?>
+<file path=ppt/slides/slide17.xml><?xml version="1.0" encoding="utf-8"?>
 <p:sld xmlns:a="http://schemas.openxmlformats.org/drawingml/2006/main" xmlns:r="http://schemas.openxmlformats.org/officeDocument/2006/relationships" xmlns:mc="http://schemas.openxmlformats.org/markup-compatibility/2006" xmlns:mv="urn:schemas-microsoft-com:mac:vml" xmlns:p="http://schemas.openxmlformats.org/presentationml/2006/main" xmlns:c="http://schemas.openxmlformats.org/drawingml/2006/chart" xmlns:dgm="http://schemas.openxmlformats.org/drawingml/2006/diagram" xmlns:o="urn:schemas-microsoft-com:office:office" xmlns:v="urn:schemas-microsoft-com:vml" xmlns:pvml="urn:schemas-microsoft-com:office:powerpoint" xmlns:com="http://schemas.openxmlformats.org/drawingml/2006/compatibility" xmlns:p14="http://schemas.microsoft.com/office/powerpoint/2010/main" xmlns:p15="http://schemas.microsoft.com/office/powerpoint/2012/main" xmlns:ahyp="http://schemas.microsoft.com/office/drawing/2018/hyperlinkcolor">
   <p:cSld>
     <p:spTree>
       <p:nvGrpSpPr>
-        <p:cNvPr id="178" name="Shape 178"/>
+        <p:cNvPr id="201" name="Shape 201"/>
         <p:cNvGrpSpPr/>
         <p:nvPr/>
       </p:nvGrpSpPr>
@@ -12410,7 +12803,7 @@
       </p:grpSpPr>
       <p:sp>
         <p:nvSpPr>
-          <p:cNvPr id="179" name="Google Shape;179;p27"/>
+          <p:cNvPr id="202" name="Google Shape;202;p29"/>
           <p:cNvSpPr txBox="1"/>
           <p:nvPr>
             <p:ph type="title"/>
@@ -12456,12 +12849,12 @@
 </p:sld>
 </file>
 
-<file path=ppt/slides/slide16.xml><?xml version="1.0" encoding="utf-8"?>
+<file path=ppt/slides/slide18.xml><?xml version="1.0" encoding="utf-8"?>
 <p:sld xmlns:a="http://schemas.openxmlformats.org/drawingml/2006/main" xmlns:r="http://schemas.openxmlformats.org/officeDocument/2006/relationships" xmlns:mc="http://schemas.openxmlformats.org/markup-compatibility/2006" xmlns:mv="urn:schemas-microsoft-com:mac:vml" xmlns:p="http://schemas.openxmlformats.org/presentationml/2006/main" xmlns:c="http://schemas.openxmlformats.org/drawingml/2006/chart" xmlns:dgm="http://schemas.openxmlformats.org/drawingml/2006/diagram" xmlns:o="urn:schemas-microsoft-com:office:office" xmlns:v="urn:schemas-microsoft-com:vml" xmlns:pvml="urn:schemas-microsoft-com:office:powerpoint" xmlns:com="http://schemas.openxmlformats.org/drawingml/2006/compatibility" xmlns:p14="http://schemas.microsoft.com/office/powerpoint/2010/main" xmlns:p15="http://schemas.microsoft.com/office/powerpoint/2012/main" xmlns:ahyp="http://schemas.microsoft.com/office/drawing/2018/hyperlinkcolor">
   <p:cSld>
     <p:spTree>
       <p:nvGrpSpPr>
-        <p:cNvPr id="183" name="Shape 183"/>
+        <p:cNvPr id="206" name="Shape 206"/>
         <p:cNvGrpSpPr/>
         <p:nvPr/>
       </p:nvGrpSpPr>
@@ -12475,7 +12868,7 @@
       </p:grpSpPr>
       <p:sp>
         <p:nvSpPr>
-          <p:cNvPr id="184" name="Google Shape;184;p28"/>
+          <p:cNvPr id="207" name="Google Shape;207;p30"/>
           <p:cNvSpPr txBox="1"/>
           <p:nvPr>
             <p:ph idx="1" type="body"/>
@@ -12521,12 +12914,12 @@
 </p:sld>
 </file>
 
-<file path=ppt/slides/slide17.xml><?xml version="1.0" encoding="utf-8"?>
+<file path=ppt/slides/slide19.xml><?xml version="1.0" encoding="utf-8"?>
 <p:sld xmlns:a="http://schemas.openxmlformats.org/drawingml/2006/main" xmlns:r="http://schemas.openxmlformats.org/officeDocument/2006/relationships" xmlns:mc="http://schemas.openxmlformats.org/markup-compatibility/2006" xmlns:mv="urn:schemas-microsoft-com:mac:vml" xmlns:p="http://schemas.openxmlformats.org/presentationml/2006/main" xmlns:c="http://schemas.openxmlformats.org/drawingml/2006/chart" xmlns:dgm="http://schemas.openxmlformats.org/drawingml/2006/diagram" xmlns:o="urn:schemas-microsoft-com:office:office" xmlns:v="urn:schemas-microsoft-com:vml" xmlns:pvml="urn:schemas-microsoft-com:office:powerpoint" xmlns:com="http://schemas.openxmlformats.org/drawingml/2006/compatibility" xmlns:p14="http://schemas.microsoft.com/office/powerpoint/2010/main" xmlns:p15="http://schemas.microsoft.com/office/powerpoint/2012/main" xmlns:ahyp="http://schemas.microsoft.com/office/drawing/2018/hyperlinkcolor">
   <p:cSld>
     <p:spTree>
       <p:nvGrpSpPr>
-        <p:cNvPr id="188" name="Shape 188"/>
+        <p:cNvPr id="211" name="Shape 211"/>
         <p:cNvGrpSpPr/>
         <p:nvPr/>
       </p:nvGrpSpPr>
@@ -12540,7 +12933,7 @@
       </p:grpSpPr>
       <p:sp>
         <p:nvSpPr>
-          <p:cNvPr id="189" name="Google Shape;189;p29"/>
+          <p:cNvPr id="212" name="Google Shape;212;p31"/>
           <p:cNvSpPr txBox="1"/>
           <p:nvPr>
             <p:ph type="title"/>
@@ -12548,8 +12941,8 @@
         </p:nvSpPr>
         <p:spPr>
           <a:xfrm>
-            <a:off x="311700" y="410000"/>
-            <a:ext cx="8520600" cy="607800"/>
+            <a:off x="619550" y="410000"/>
+            <a:ext cx="8212500" cy="607800"/>
           </a:xfrm>
           <a:prstGeom prst="rect">
             <a:avLst/>
@@ -12572,7 +12965,7 @@
             </a:pPr>
             <a:r>
               <a:rPr lang="ru"/>
-              <a:t>Результаты - примеры</a:t>
+              <a:t>Приложение - остатки прогнозов</a:t>
             </a:r>
             <a:endParaRPr/>
           </a:p>
@@ -12580,7 +12973,7 @@
       </p:sp>
       <p:pic>
         <p:nvPicPr>
-          <p:cNvPr id="190" name="Google Shape;190;p29"/>
+          <p:cNvPr id="213" name="Google Shape;213;p31"/>
           <p:cNvPicPr preferRelativeResize="0"/>
           <p:nvPr/>
         </p:nvPicPr>
@@ -12594,222 +12987,8 @@
         </p:blipFill>
         <p:spPr>
           <a:xfrm>
-            <a:off x="4572000" y="1170200"/>
-            <a:ext cx="3820901" cy="3820901"/>
-          </a:xfrm>
-          <a:prstGeom prst="rect">
-            <a:avLst/>
-          </a:prstGeom>
-          <a:noFill/>
-          <a:ln>
-            <a:noFill/>
-          </a:ln>
-        </p:spPr>
-      </p:pic>
-      <p:pic>
-        <p:nvPicPr>
-          <p:cNvPr id="191" name="Google Shape;191;p29"/>
-          <p:cNvPicPr preferRelativeResize="0"/>
-          <p:nvPr/>
-        </p:nvPicPr>
-        <p:blipFill>
-          <a:blip r:embed="rId4">
-            <a:alphaModFix/>
-          </a:blip>
-          <a:stretch>
-            <a:fillRect/>
-          </a:stretch>
-        </p:blipFill>
-        <p:spPr>
-          <a:xfrm>
-            <a:off x="751100" y="1170200"/>
-            <a:ext cx="3820901" cy="3820901"/>
-          </a:xfrm>
-          <a:prstGeom prst="rect">
-            <a:avLst/>
-          </a:prstGeom>
-          <a:noFill/>
-          <a:ln>
-            <a:noFill/>
-          </a:ln>
-        </p:spPr>
-      </p:pic>
-    </p:spTree>
-  </p:cSld>
-  <p:clrMapOvr>
-    <a:masterClrMapping/>
-  </p:clrMapOvr>
-</p:sld>
-</file>
-
-<file path=ppt/slides/slide18.xml><?xml version="1.0" encoding="utf-8"?>
-<p:sld xmlns:a="http://schemas.openxmlformats.org/drawingml/2006/main" xmlns:r="http://schemas.openxmlformats.org/officeDocument/2006/relationships" xmlns:mc="http://schemas.openxmlformats.org/markup-compatibility/2006" xmlns:mv="urn:schemas-microsoft-com:mac:vml" xmlns:p="http://schemas.openxmlformats.org/presentationml/2006/main" xmlns:c="http://schemas.openxmlformats.org/drawingml/2006/chart" xmlns:dgm="http://schemas.openxmlformats.org/drawingml/2006/diagram" xmlns:o="urn:schemas-microsoft-com:office:office" xmlns:v="urn:schemas-microsoft-com:vml" xmlns:pvml="urn:schemas-microsoft-com:office:powerpoint" xmlns:com="http://schemas.openxmlformats.org/drawingml/2006/compatibility" xmlns:p14="http://schemas.microsoft.com/office/powerpoint/2010/main" xmlns:p15="http://schemas.microsoft.com/office/powerpoint/2012/main" xmlns:ahyp="http://schemas.microsoft.com/office/drawing/2018/hyperlinkcolor">
-  <p:cSld>
-    <p:spTree>
-      <p:nvGrpSpPr>
-        <p:cNvPr id="195" name="Shape 195"/>
-        <p:cNvGrpSpPr/>
-        <p:nvPr/>
-      </p:nvGrpSpPr>
-      <p:grpSpPr>
-        <a:xfrm>
-          <a:off x="0" y="0"/>
-          <a:ext cx="0" cy="0"/>
-          <a:chOff x="0" y="0"/>
-          <a:chExt cx="0" cy="0"/>
-        </a:xfrm>
-      </p:grpSpPr>
-      <p:sp>
-        <p:nvSpPr>
-          <p:cNvPr id="196" name="Google Shape;196;p30"/>
-          <p:cNvSpPr txBox="1"/>
-          <p:nvPr>
-            <p:ph type="title"/>
-          </p:nvPr>
-        </p:nvSpPr>
-        <p:spPr>
-          <a:xfrm>
-            <a:off x="3721050" y="410000"/>
-            <a:ext cx="5111100" cy="607800"/>
-          </a:xfrm>
-          <a:prstGeom prst="rect">
-            <a:avLst/>
-          </a:prstGeom>
-        </p:spPr>
-        <p:txBody>
-          <a:bodyPr anchorCtr="0" anchor="t" bIns="91425" lIns="91425" spcFirstLastPara="1" rIns="91425" wrap="square" tIns="91425">
-            <a:normAutofit fontScale="90000"/>
-          </a:bodyPr>
-          <a:lstStyle/>
-          <a:p>
-            <a:pPr indent="0" lvl="0" marL="0" rtl="0" algn="l">
-              <a:spcBef>
-                <a:spcPts val="0"/>
-              </a:spcBef>
-              <a:spcAft>
-                <a:spcPts val="0"/>
-              </a:spcAft>
-              <a:buNone/>
-            </a:pPr>
-            <a:r>
-              <a:rPr lang="ru"/>
-              <a:t>Приложение - остатки прогнозов</a:t>
-            </a:r>
-            <a:endParaRPr/>
-          </a:p>
-        </p:txBody>
-      </p:sp>
-      <p:pic>
-        <p:nvPicPr>
-          <p:cNvPr id="197" name="Google Shape;197;p30"/>
-          <p:cNvPicPr preferRelativeResize="0"/>
-          <p:nvPr/>
-        </p:nvPicPr>
-        <p:blipFill>
-          <a:blip r:embed="rId3">
-            <a:alphaModFix/>
-          </a:blip>
-          <a:stretch>
-            <a:fillRect/>
-          </a:stretch>
-        </p:blipFill>
-        <p:spPr>
-          <a:xfrm>
-            <a:off x="311701" y="410000"/>
-            <a:ext cx="3409350" cy="4441299"/>
-          </a:xfrm>
-          <a:prstGeom prst="rect">
-            <a:avLst/>
-          </a:prstGeom>
-          <a:noFill/>
-          <a:ln>
-            <a:noFill/>
-          </a:ln>
-        </p:spPr>
-      </p:pic>
-    </p:spTree>
-  </p:cSld>
-  <p:clrMapOvr>
-    <a:masterClrMapping/>
-  </p:clrMapOvr>
-</p:sld>
-</file>
-
-<file path=ppt/slides/slide19.xml><?xml version="1.0" encoding="utf-8"?>
-<p:sld xmlns:a="http://schemas.openxmlformats.org/drawingml/2006/main" xmlns:r="http://schemas.openxmlformats.org/officeDocument/2006/relationships" xmlns:mc="http://schemas.openxmlformats.org/markup-compatibility/2006" xmlns:mv="urn:schemas-microsoft-com:mac:vml" xmlns:p="http://schemas.openxmlformats.org/presentationml/2006/main" xmlns:c="http://schemas.openxmlformats.org/drawingml/2006/chart" xmlns:dgm="http://schemas.openxmlformats.org/drawingml/2006/diagram" xmlns:o="urn:schemas-microsoft-com:office:office" xmlns:v="urn:schemas-microsoft-com:vml" xmlns:pvml="urn:schemas-microsoft-com:office:powerpoint" xmlns:com="http://schemas.openxmlformats.org/drawingml/2006/compatibility" xmlns:p14="http://schemas.microsoft.com/office/powerpoint/2010/main" xmlns:p15="http://schemas.microsoft.com/office/powerpoint/2012/main" xmlns:ahyp="http://schemas.microsoft.com/office/drawing/2018/hyperlinkcolor">
-  <p:cSld>
-    <p:spTree>
-      <p:nvGrpSpPr>
-        <p:cNvPr id="201" name="Shape 201"/>
-        <p:cNvGrpSpPr/>
-        <p:nvPr/>
-      </p:nvGrpSpPr>
-      <p:grpSpPr>
-        <a:xfrm>
-          <a:off x="0" y="0"/>
-          <a:ext cx="0" cy="0"/>
-          <a:chOff x="0" y="0"/>
-          <a:chExt cx="0" cy="0"/>
-        </a:xfrm>
-      </p:grpSpPr>
-      <p:sp>
-        <p:nvSpPr>
-          <p:cNvPr id="202" name="Google Shape;202;p31"/>
-          <p:cNvSpPr txBox="1"/>
-          <p:nvPr>
-            <p:ph type="title"/>
-          </p:nvPr>
-        </p:nvSpPr>
-        <p:spPr>
-          <a:xfrm>
-            <a:off x="311700" y="410000"/>
-            <a:ext cx="8520600" cy="607800"/>
-          </a:xfrm>
-          <a:prstGeom prst="rect">
-            <a:avLst/>
-          </a:prstGeom>
-        </p:spPr>
-        <p:txBody>
-          <a:bodyPr anchorCtr="0" anchor="t" bIns="91425" lIns="91425" spcFirstLastPara="1" rIns="91425" wrap="square" tIns="91425">
-            <a:normAutofit fontScale="90000"/>
-          </a:bodyPr>
-          <a:lstStyle/>
-          <a:p>
-            <a:pPr indent="0" lvl="0" marL="0" rtl="0" algn="l">
-              <a:spcBef>
-                <a:spcPts val="0"/>
-              </a:spcBef>
-              <a:spcAft>
-                <a:spcPts val="0"/>
-              </a:spcAft>
-              <a:buNone/>
-            </a:pPr>
-            <a:r>
-              <a:rPr lang="ru"/>
-              <a:t>Пример прогноза - TCN</a:t>
-            </a:r>
-            <a:endParaRPr/>
-          </a:p>
-        </p:txBody>
-      </p:sp>
-      <p:pic>
-        <p:nvPicPr>
-          <p:cNvPr id="203" name="Google Shape;203;p31"/>
-          <p:cNvPicPr preferRelativeResize="0"/>
-          <p:nvPr/>
-        </p:nvPicPr>
-        <p:blipFill>
-          <a:blip r:embed="rId3">
-            <a:alphaModFix/>
-          </a:blip>
-          <a:stretch>
-            <a:fillRect/>
-          </a:stretch>
-        </p:blipFill>
-        <p:spPr>
-          <a:xfrm>
-            <a:off x="311700" y="1229875"/>
-            <a:ext cx="5489150" cy="3659426"/>
+            <a:off x="311700" y="924375"/>
+            <a:ext cx="6876326" cy="3997047"/>
           </a:xfrm>
           <a:prstGeom prst="rect">
             <a:avLst/>
@@ -12902,7 +13081,7 @@
   <p:cSld>
     <p:spTree>
       <p:nvGrpSpPr>
-        <p:cNvPr id="207" name="Shape 207"/>
+        <p:cNvPr id="217" name="Shape 217"/>
         <p:cNvGrpSpPr/>
         <p:nvPr/>
       </p:nvGrpSpPr>
@@ -12916,7 +13095,7 @@
       </p:grpSpPr>
       <p:sp>
         <p:nvSpPr>
-          <p:cNvPr id="208" name="Google Shape;208;p32"/>
+          <p:cNvPr id="218" name="Google Shape;218;p32"/>
           <p:cNvSpPr txBox="1"/>
           <p:nvPr>
             <p:ph type="title"/>
@@ -12948,7 +13127,7 @@
             </a:pPr>
             <a:r>
               <a:rPr lang="ru"/>
-              <a:t>Пример прогноза - Transformer</a:t>
+              <a:t>Пример прогноза - TCN</a:t>
             </a:r>
             <a:endParaRPr/>
           </a:p>
@@ -12956,16 +13135,17 @@
       </p:sp>
       <p:pic>
         <p:nvPicPr>
-          <p:cNvPr id="209" name="Google Shape;209;p32"/>
+          <p:cNvPr id="219" name="Google Shape;219;p32"/>
           <p:cNvPicPr preferRelativeResize="0"/>
           <p:nvPr/>
         </p:nvPicPr>
-        <p:blipFill rotWithShape="1">
+        <p:blipFill>
           <a:blip r:embed="rId3">
             <a:alphaModFix/>
           </a:blip>
-          <a:srcRect b="0" l="0" r="0" t="0"/>
-          <a:stretch/>
+          <a:stretch>
+            <a:fillRect/>
+          </a:stretch>
         </p:blipFill>
         <p:spPr>
           <a:xfrm>
@@ -12994,7 +13174,7 @@
   <p:cSld>
     <p:spTree>
       <p:nvGrpSpPr>
-        <p:cNvPr id="213" name="Shape 213"/>
+        <p:cNvPr id="223" name="Shape 223"/>
         <p:cNvGrpSpPr/>
         <p:nvPr/>
       </p:nvGrpSpPr>
@@ -13008,7 +13188,7 @@
       </p:grpSpPr>
       <p:sp>
         <p:nvSpPr>
-          <p:cNvPr id="214" name="Google Shape;214;p33"/>
+          <p:cNvPr id="224" name="Google Shape;224;p33"/>
           <p:cNvSpPr txBox="1"/>
           <p:nvPr>
             <p:ph type="title"/>
@@ -13040,7 +13220,7 @@
             </a:pPr>
             <a:r>
               <a:rPr lang="ru"/>
-              <a:t>Пример прогноза - N-Beats</a:t>
+              <a:t>Пример прогноза - Transformer</a:t>
             </a:r>
             <a:endParaRPr/>
           </a:p>
@@ -13048,7 +13228,7 @@
       </p:sp>
       <p:pic>
         <p:nvPicPr>
-          <p:cNvPr id="215" name="Google Shape;215;p33"/>
+          <p:cNvPr id="225" name="Google Shape;225;p33"/>
           <p:cNvPicPr preferRelativeResize="0"/>
           <p:nvPr/>
         </p:nvPicPr>
@@ -13086,7 +13266,7 @@
   <p:cSld>
     <p:spTree>
       <p:nvGrpSpPr>
-        <p:cNvPr id="219" name="Shape 219"/>
+        <p:cNvPr id="229" name="Shape 229"/>
         <p:cNvGrpSpPr/>
         <p:nvPr/>
       </p:nvGrpSpPr>
@@ -13100,7 +13280,7 @@
       </p:grpSpPr>
       <p:sp>
         <p:nvSpPr>
-          <p:cNvPr id="220" name="Google Shape;220;p34"/>
+          <p:cNvPr id="230" name="Google Shape;230;p34"/>
           <p:cNvSpPr txBox="1"/>
           <p:nvPr>
             <p:ph type="title"/>
@@ -13140,7 +13320,99 @@
       </p:sp>
       <p:pic>
         <p:nvPicPr>
-          <p:cNvPr id="221" name="Google Shape;221;p34"/>
+          <p:cNvPr id="231" name="Google Shape;231;p34"/>
+          <p:cNvPicPr preferRelativeResize="0"/>
+          <p:nvPr/>
+        </p:nvPicPr>
+        <p:blipFill rotWithShape="1">
+          <a:blip r:embed="rId3">
+            <a:alphaModFix/>
+          </a:blip>
+          <a:srcRect b="0" l="0" r="0" t="0"/>
+          <a:stretch/>
+        </p:blipFill>
+        <p:spPr>
+          <a:xfrm>
+            <a:off x="311700" y="1229875"/>
+            <a:ext cx="5489150" cy="3659426"/>
+          </a:xfrm>
+          <a:prstGeom prst="rect">
+            <a:avLst/>
+          </a:prstGeom>
+          <a:noFill/>
+          <a:ln>
+            <a:noFill/>
+          </a:ln>
+        </p:spPr>
+      </p:pic>
+    </p:spTree>
+  </p:cSld>
+  <p:clrMapOvr>
+    <a:masterClrMapping/>
+  </p:clrMapOvr>
+</p:sld>
+</file>
+
+<file path=ppt/slides/slide23.xml><?xml version="1.0" encoding="utf-8"?>
+<p:sld xmlns:a="http://schemas.openxmlformats.org/drawingml/2006/main" xmlns:r="http://schemas.openxmlformats.org/officeDocument/2006/relationships" xmlns:mc="http://schemas.openxmlformats.org/markup-compatibility/2006" xmlns:mv="urn:schemas-microsoft-com:mac:vml" xmlns:p="http://schemas.openxmlformats.org/presentationml/2006/main" xmlns:c="http://schemas.openxmlformats.org/drawingml/2006/chart" xmlns:dgm="http://schemas.openxmlformats.org/drawingml/2006/diagram" xmlns:o="urn:schemas-microsoft-com:office:office" xmlns:v="urn:schemas-microsoft-com:vml" xmlns:pvml="urn:schemas-microsoft-com:office:powerpoint" xmlns:com="http://schemas.openxmlformats.org/drawingml/2006/compatibility" xmlns:p14="http://schemas.microsoft.com/office/powerpoint/2010/main" xmlns:p15="http://schemas.microsoft.com/office/powerpoint/2012/main" xmlns:ahyp="http://schemas.microsoft.com/office/drawing/2018/hyperlinkcolor">
+  <p:cSld>
+    <p:spTree>
+      <p:nvGrpSpPr>
+        <p:cNvPr id="235" name="Shape 235"/>
+        <p:cNvGrpSpPr/>
+        <p:nvPr/>
+      </p:nvGrpSpPr>
+      <p:grpSpPr>
+        <a:xfrm>
+          <a:off x="0" y="0"/>
+          <a:ext cx="0" cy="0"/>
+          <a:chOff x="0" y="0"/>
+          <a:chExt cx="0" cy="0"/>
+        </a:xfrm>
+      </p:grpSpPr>
+      <p:sp>
+        <p:nvSpPr>
+          <p:cNvPr id="236" name="Google Shape;236;p35"/>
+          <p:cNvSpPr txBox="1"/>
+          <p:nvPr>
+            <p:ph type="title"/>
+          </p:nvPr>
+        </p:nvSpPr>
+        <p:spPr>
+          <a:xfrm>
+            <a:off x="311700" y="410000"/>
+            <a:ext cx="8520600" cy="607800"/>
+          </a:xfrm>
+          <a:prstGeom prst="rect">
+            <a:avLst/>
+          </a:prstGeom>
+        </p:spPr>
+        <p:txBody>
+          <a:bodyPr anchorCtr="0" anchor="t" bIns="91425" lIns="91425" spcFirstLastPara="1" rIns="91425" wrap="square" tIns="91425">
+            <a:normAutofit fontScale="90000"/>
+          </a:bodyPr>
+          <a:lstStyle/>
+          <a:p>
+            <a:pPr indent="0" lvl="0" marL="0" rtl="0" algn="l">
+              <a:spcBef>
+                <a:spcPts val="0"/>
+              </a:spcBef>
+              <a:spcAft>
+                <a:spcPts val="0"/>
+              </a:spcAft>
+              <a:buNone/>
+            </a:pPr>
+            <a:r>
+              <a:rPr lang="ru"/>
+              <a:t>Пример прогноза - Time Fusion Transformers</a:t>
+            </a:r>
+            <a:endParaRPr/>
+          </a:p>
+        </p:txBody>
+      </p:sp>
+      <p:pic>
+        <p:nvPicPr>
+          <p:cNvPr id="237" name="Google Shape;237;p35"/>
           <p:cNvPicPr preferRelativeResize="0"/>
           <p:nvPr/>
         </p:nvPicPr>
@@ -14103,6 +14375,553 @@
         </p:nvSpPr>
         <p:spPr>
           <a:xfrm>
+            <a:off x="311700" y="410000"/>
+            <a:ext cx="8520600" cy="607800"/>
+          </a:xfrm>
+          <a:prstGeom prst="rect">
+            <a:avLst/>
+          </a:prstGeom>
+        </p:spPr>
+        <p:txBody>
+          <a:bodyPr anchorCtr="0" anchor="t" bIns="91425" lIns="91425" spcFirstLastPara="1" rIns="91425" wrap="square" tIns="91425">
+            <a:normAutofit fontScale="90000"/>
+          </a:bodyPr>
+          <a:lstStyle/>
+          <a:p>
+            <a:pPr indent="0" lvl="0" marL="0" rtl="0" algn="l">
+              <a:spcBef>
+                <a:spcPts val="0"/>
+              </a:spcBef>
+              <a:spcAft>
+                <a:spcPts val="0"/>
+              </a:spcAft>
+              <a:buNone/>
+            </a:pPr>
+            <a:r>
+              <a:rPr lang="ru"/>
+              <a:t>Описание признаков и целевой переменной</a:t>
+            </a:r>
+            <a:endParaRPr/>
+          </a:p>
+        </p:txBody>
+      </p:sp>
+      <p:sp>
+        <p:nvSpPr>
+          <p:cNvPr id="120" name="Google Shape;120;p18"/>
+          <p:cNvSpPr txBox="1"/>
+          <p:nvPr>
+            <p:ph idx="1" type="body"/>
+          </p:nvPr>
+        </p:nvSpPr>
+        <p:spPr>
+          <a:xfrm>
+            <a:off x="311700" y="1229875"/>
+            <a:ext cx="4446000" cy="3339000"/>
+          </a:xfrm>
+          <a:prstGeom prst="rect">
+            <a:avLst/>
+          </a:prstGeom>
+        </p:spPr>
+        <p:txBody>
+          <a:bodyPr anchorCtr="0" anchor="t" bIns="91425" lIns="91425" spcFirstLastPara="1" rIns="91425" wrap="square" tIns="91425">
+            <a:normAutofit fontScale="77500"/>
+          </a:bodyPr>
+          <a:lstStyle/>
+          <a:p>
+            <a:pPr indent="-317182" lvl="0" marL="457200" rtl="0" algn="l">
+              <a:spcBef>
+                <a:spcPts val="0"/>
+              </a:spcBef>
+              <a:spcAft>
+                <a:spcPts val="0"/>
+              </a:spcAft>
+              <a:buSzPct val="100000"/>
+              <a:buChar char="●"/>
+            </a:pPr>
+            <a:r>
+              <a:rPr lang="ru"/>
+              <a:t>Время с момента включения и выключения насоса в секундах;</a:t>
+            </a:r>
+            <a:endParaRPr/>
+          </a:p>
+          <a:p>
+            <a:pPr indent="-317182" lvl="0" marL="457200" rtl="0" algn="l">
+              <a:spcBef>
+                <a:spcPts val="0"/>
+              </a:spcBef>
+              <a:spcAft>
+                <a:spcPts val="0"/>
+              </a:spcAft>
+              <a:buSzPct val="100000"/>
+              <a:buChar char="●"/>
+            </a:pPr>
+            <a:r>
+              <a:rPr lang="ru"/>
+              <a:t>Средние показатели за неделю, сутки и час:</a:t>
+            </a:r>
+            <a:endParaRPr/>
+          </a:p>
+          <a:p>
+            <a:pPr indent="-297497" lvl="1" marL="914400" rtl="0" algn="l">
+              <a:spcBef>
+                <a:spcPts val="0"/>
+              </a:spcBef>
+              <a:spcAft>
+                <a:spcPts val="0"/>
+              </a:spcAft>
+              <a:buSzPct val="100000"/>
+              <a:buChar char="○"/>
+            </a:pPr>
+            <a:r>
+              <a:rPr lang="ru"/>
+              <a:t>скорость изменения з</a:t>
+            </a:r>
+            <a:r>
+              <a:rPr lang="ru"/>
+              <a:t>агрузки</a:t>
+            </a:r>
+            <a:r>
+              <a:rPr lang="ru"/>
+              <a:t> двигателя в %/час;</a:t>
+            </a:r>
+            <a:endParaRPr/>
+          </a:p>
+          <a:p>
+            <a:pPr indent="-297497" lvl="1" marL="914400" rtl="0" algn="l">
+              <a:spcBef>
+                <a:spcPts val="0"/>
+              </a:spcBef>
+              <a:spcAft>
+                <a:spcPts val="0"/>
+              </a:spcAft>
+              <a:buSzPct val="100000"/>
+              <a:buChar char="○"/>
+            </a:pPr>
+            <a:r>
+              <a:rPr lang="ru"/>
+              <a:t>скорость изменения тока в моторе насоса А/час;</a:t>
+            </a:r>
+            <a:endParaRPr/>
+          </a:p>
+          <a:p>
+            <a:pPr indent="-297497" lvl="1" marL="914400" rtl="0" algn="l">
+              <a:spcBef>
+                <a:spcPts val="0"/>
+              </a:spcBef>
+              <a:spcAft>
+                <a:spcPts val="0"/>
+              </a:spcAft>
+              <a:buSzPct val="100000"/>
+              <a:buChar char="○"/>
+            </a:pPr>
+            <a:r>
+              <a:rPr lang="ru"/>
+              <a:t>скорость изменения давления на выходе из скважины МПа/час;</a:t>
+            </a:r>
+            <a:endParaRPr/>
+          </a:p>
+          <a:p>
+            <a:pPr indent="-317182" lvl="0" marL="457200" rtl="0" algn="l">
+              <a:spcBef>
+                <a:spcPts val="0"/>
+              </a:spcBef>
+              <a:spcAft>
+                <a:spcPts val="0"/>
+              </a:spcAft>
+              <a:buSzPct val="100000"/>
+              <a:buChar char="●"/>
+            </a:pPr>
+            <a:r>
+              <a:rPr lang="ru"/>
+              <a:t>Давление в коллекторе установки МПа;</a:t>
+            </a:r>
+            <a:endParaRPr/>
+          </a:p>
+          <a:p>
+            <a:pPr indent="-317182" lvl="0" marL="457200" rtl="0" algn="l">
+              <a:spcBef>
+                <a:spcPts val="0"/>
+              </a:spcBef>
+              <a:spcAft>
+                <a:spcPts val="0"/>
+              </a:spcAft>
+              <a:buSzPct val="100000"/>
+              <a:buChar char="●"/>
+            </a:pPr>
+            <a:r>
+              <a:rPr lang="ru"/>
+              <a:t>Загрузка двигателя в %;</a:t>
+            </a:r>
+            <a:endParaRPr/>
+          </a:p>
+          <a:p>
+            <a:pPr indent="-317182" lvl="0" marL="457200" rtl="0" algn="l">
+              <a:spcBef>
+                <a:spcPts val="0"/>
+              </a:spcBef>
+              <a:spcAft>
+                <a:spcPts val="0"/>
+              </a:spcAft>
+              <a:buSzPct val="100000"/>
+              <a:buChar char="●"/>
+            </a:pPr>
+            <a:r>
+              <a:rPr lang="ru"/>
+              <a:t>Ток в моторе насоса в А;</a:t>
+            </a:r>
+            <a:endParaRPr/>
+          </a:p>
+          <a:p>
+            <a:pPr indent="-317182" lvl="0" marL="457200" rtl="0" algn="l">
+              <a:spcBef>
+                <a:spcPts val="0"/>
+              </a:spcBef>
+              <a:spcAft>
+                <a:spcPts val="0"/>
+              </a:spcAft>
+              <a:buSzPct val="100000"/>
+              <a:buChar char="●"/>
+            </a:pPr>
+            <a:r>
+              <a:rPr lang="ru"/>
+              <a:t>Коэффициент мощности;</a:t>
+            </a:r>
+            <a:endParaRPr/>
+          </a:p>
+          <a:p>
+            <a:pPr indent="-317182" lvl="0" marL="457200" rtl="0" algn="l">
+              <a:spcBef>
+                <a:spcPts val="0"/>
+              </a:spcBef>
+              <a:spcAft>
+                <a:spcPts val="0"/>
+              </a:spcAft>
+              <a:buSzPct val="100000"/>
+              <a:buChar char="●"/>
+            </a:pPr>
+            <a:r>
+              <a:rPr lang="ru"/>
+              <a:t>Целевая - Средняя скорость изменения давления на приеме насоса в СУТ, МПа/час;</a:t>
+            </a:r>
+            <a:endParaRPr/>
+          </a:p>
+        </p:txBody>
+      </p:sp>
+      <p:pic>
+        <p:nvPicPr>
+          <p:cNvPr id="121" name="Google Shape;121;p18"/>
+          <p:cNvPicPr preferRelativeResize="0"/>
+          <p:nvPr/>
+        </p:nvPicPr>
+        <p:blipFill>
+          <a:blip r:embed="rId3">
+            <a:alphaModFix/>
+          </a:blip>
+          <a:stretch>
+            <a:fillRect/>
+          </a:stretch>
+        </p:blipFill>
+        <p:spPr>
+          <a:xfrm>
+            <a:off x="4910100" y="3905675"/>
+            <a:ext cx="1346895" cy="911136"/>
+          </a:xfrm>
+          <a:prstGeom prst="rect">
+            <a:avLst/>
+          </a:prstGeom>
+          <a:noFill/>
+          <a:ln>
+            <a:noFill/>
+          </a:ln>
+        </p:spPr>
+      </p:pic>
+      <p:pic>
+        <p:nvPicPr>
+          <p:cNvPr id="122" name="Google Shape;122;p18"/>
+          <p:cNvPicPr preferRelativeResize="0"/>
+          <p:nvPr/>
+        </p:nvPicPr>
+        <p:blipFill>
+          <a:blip r:embed="rId4">
+            <a:alphaModFix/>
+          </a:blip>
+          <a:stretch>
+            <a:fillRect/>
+          </a:stretch>
+        </p:blipFill>
+        <p:spPr>
+          <a:xfrm>
+            <a:off x="6257000" y="1170199"/>
+            <a:ext cx="1346895" cy="911136"/>
+          </a:xfrm>
+          <a:prstGeom prst="rect">
+            <a:avLst/>
+          </a:prstGeom>
+          <a:noFill/>
+          <a:ln>
+            <a:noFill/>
+          </a:ln>
+        </p:spPr>
+      </p:pic>
+      <p:pic>
+        <p:nvPicPr>
+          <p:cNvPr id="123" name="Google Shape;123;p18"/>
+          <p:cNvPicPr preferRelativeResize="0"/>
+          <p:nvPr/>
+        </p:nvPicPr>
+        <p:blipFill>
+          <a:blip r:embed="rId5">
+            <a:alphaModFix/>
+          </a:blip>
+          <a:stretch>
+            <a:fillRect/>
+          </a:stretch>
+        </p:blipFill>
+        <p:spPr>
+          <a:xfrm>
+            <a:off x="7603900" y="1170199"/>
+            <a:ext cx="1346895" cy="911136"/>
+          </a:xfrm>
+          <a:prstGeom prst="rect">
+            <a:avLst/>
+          </a:prstGeom>
+          <a:noFill/>
+          <a:ln>
+            <a:noFill/>
+          </a:ln>
+        </p:spPr>
+      </p:pic>
+      <p:pic>
+        <p:nvPicPr>
+          <p:cNvPr id="124" name="Google Shape;124;p18"/>
+          <p:cNvPicPr preferRelativeResize="0"/>
+          <p:nvPr/>
+        </p:nvPicPr>
+        <p:blipFill>
+          <a:blip r:embed="rId6">
+            <a:alphaModFix/>
+          </a:blip>
+          <a:stretch>
+            <a:fillRect/>
+          </a:stretch>
+        </p:blipFill>
+        <p:spPr>
+          <a:xfrm>
+            <a:off x="4910100" y="2081336"/>
+            <a:ext cx="1346895" cy="911136"/>
+          </a:xfrm>
+          <a:prstGeom prst="rect">
+            <a:avLst/>
+          </a:prstGeom>
+          <a:noFill/>
+          <a:ln>
+            <a:noFill/>
+          </a:ln>
+        </p:spPr>
+      </p:pic>
+      <p:pic>
+        <p:nvPicPr>
+          <p:cNvPr id="125" name="Google Shape;125;p18"/>
+          <p:cNvPicPr preferRelativeResize="0"/>
+          <p:nvPr/>
+        </p:nvPicPr>
+        <p:blipFill>
+          <a:blip r:embed="rId7">
+            <a:alphaModFix/>
+          </a:blip>
+          <a:stretch>
+            <a:fillRect/>
+          </a:stretch>
+        </p:blipFill>
+        <p:spPr>
+          <a:xfrm>
+            <a:off x="6257250" y="2096935"/>
+            <a:ext cx="1346400" cy="879930"/>
+          </a:xfrm>
+          <a:prstGeom prst="rect">
+            <a:avLst/>
+          </a:prstGeom>
+          <a:noFill/>
+          <a:ln>
+            <a:noFill/>
+          </a:ln>
+        </p:spPr>
+      </p:pic>
+      <p:pic>
+        <p:nvPicPr>
+          <p:cNvPr id="126" name="Google Shape;126;p18"/>
+          <p:cNvPicPr preferRelativeResize="0"/>
+          <p:nvPr/>
+        </p:nvPicPr>
+        <p:blipFill>
+          <a:blip r:embed="rId8">
+            <a:alphaModFix/>
+          </a:blip>
+          <a:stretch>
+            <a:fillRect/>
+          </a:stretch>
+        </p:blipFill>
+        <p:spPr>
+          <a:xfrm>
+            <a:off x="7603900" y="2087810"/>
+            <a:ext cx="1346400" cy="898185"/>
+          </a:xfrm>
+          <a:prstGeom prst="rect">
+            <a:avLst/>
+          </a:prstGeom>
+          <a:noFill/>
+          <a:ln>
+            <a:noFill/>
+          </a:ln>
+        </p:spPr>
+      </p:pic>
+      <p:pic>
+        <p:nvPicPr>
+          <p:cNvPr id="127" name="Google Shape;127;p18"/>
+          <p:cNvPicPr preferRelativeResize="0"/>
+          <p:nvPr/>
+        </p:nvPicPr>
+        <p:blipFill>
+          <a:blip r:embed="rId9">
+            <a:alphaModFix/>
+          </a:blip>
+          <a:stretch>
+            <a:fillRect/>
+          </a:stretch>
+        </p:blipFill>
+        <p:spPr>
+          <a:xfrm>
+            <a:off x="4910350" y="2992472"/>
+            <a:ext cx="1346400" cy="898185"/>
+          </a:xfrm>
+          <a:prstGeom prst="rect">
+            <a:avLst/>
+          </a:prstGeom>
+          <a:noFill/>
+          <a:ln>
+            <a:noFill/>
+          </a:ln>
+        </p:spPr>
+      </p:pic>
+      <p:pic>
+        <p:nvPicPr>
+          <p:cNvPr id="128" name="Google Shape;128;p18"/>
+          <p:cNvPicPr preferRelativeResize="0"/>
+          <p:nvPr/>
+        </p:nvPicPr>
+        <p:blipFill>
+          <a:blip r:embed="rId10">
+            <a:alphaModFix/>
+          </a:blip>
+          <a:stretch>
+            <a:fillRect/>
+          </a:stretch>
+        </p:blipFill>
+        <p:spPr>
+          <a:xfrm>
+            <a:off x="6257250" y="2992472"/>
+            <a:ext cx="1346400" cy="897600"/>
+          </a:xfrm>
+          <a:prstGeom prst="rect">
+            <a:avLst/>
+          </a:prstGeom>
+          <a:noFill/>
+          <a:ln>
+            <a:noFill/>
+          </a:ln>
+        </p:spPr>
+      </p:pic>
+      <p:pic>
+        <p:nvPicPr>
+          <p:cNvPr id="129" name="Google Shape;129;p18"/>
+          <p:cNvPicPr preferRelativeResize="0"/>
+          <p:nvPr/>
+        </p:nvPicPr>
+        <p:blipFill>
+          <a:blip r:embed="rId11">
+            <a:alphaModFix/>
+          </a:blip>
+          <a:stretch>
+            <a:fillRect/>
+          </a:stretch>
+        </p:blipFill>
+        <p:spPr>
+          <a:xfrm>
+            <a:off x="7603900" y="2992475"/>
+            <a:ext cx="1346400" cy="897810"/>
+          </a:xfrm>
+          <a:prstGeom prst="rect">
+            <a:avLst/>
+          </a:prstGeom>
+          <a:noFill/>
+          <a:ln>
+            <a:noFill/>
+          </a:ln>
+        </p:spPr>
+      </p:pic>
+      <p:pic>
+        <p:nvPicPr>
+          <p:cNvPr id="130" name="Google Shape;130;p18"/>
+          <p:cNvPicPr preferRelativeResize="0"/>
+          <p:nvPr/>
+        </p:nvPicPr>
+        <p:blipFill>
+          <a:blip r:embed="rId12">
+            <a:alphaModFix/>
+          </a:blip>
+          <a:stretch>
+            <a:fillRect/>
+          </a:stretch>
+        </p:blipFill>
+        <p:spPr>
+          <a:xfrm>
+            <a:off x="4910350" y="1176863"/>
+            <a:ext cx="1346400" cy="897810"/>
+          </a:xfrm>
+          <a:prstGeom prst="rect">
+            <a:avLst/>
+          </a:prstGeom>
+          <a:noFill/>
+          <a:ln>
+            <a:noFill/>
+          </a:ln>
+        </p:spPr>
+      </p:pic>
+    </p:spTree>
+  </p:cSld>
+  <p:clrMapOvr>
+    <a:masterClrMapping/>
+  </p:clrMapOvr>
+</p:sld>
+</file>
+
+<file path=ppt/slides/slide7.xml><?xml version="1.0" encoding="utf-8"?>
+<p:sld xmlns:a="http://schemas.openxmlformats.org/drawingml/2006/main" xmlns:r="http://schemas.openxmlformats.org/officeDocument/2006/relationships" xmlns:mc="http://schemas.openxmlformats.org/markup-compatibility/2006" xmlns:mv="urn:schemas-microsoft-com:mac:vml" xmlns:p="http://schemas.openxmlformats.org/presentationml/2006/main" xmlns:c="http://schemas.openxmlformats.org/drawingml/2006/chart" xmlns:dgm="http://schemas.openxmlformats.org/drawingml/2006/diagram" xmlns:o="urn:schemas-microsoft-com:office:office" xmlns:v="urn:schemas-microsoft-com:vml" xmlns:pvml="urn:schemas-microsoft-com:office:powerpoint" xmlns:com="http://schemas.openxmlformats.org/drawingml/2006/compatibility" xmlns:p14="http://schemas.microsoft.com/office/powerpoint/2010/main" xmlns:p15="http://schemas.microsoft.com/office/powerpoint/2012/main" xmlns:ahyp="http://schemas.microsoft.com/office/drawing/2018/hyperlinkcolor">
+  <p:cSld>
+    <p:spTree>
+      <p:nvGrpSpPr>
+        <p:cNvPr id="134" name="Shape 134"/>
+        <p:cNvGrpSpPr/>
+        <p:nvPr/>
+      </p:nvGrpSpPr>
+      <p:grpSpPr>
+        <a:xfrm>
+          <a:off x="0" y="0"/>
+          <a:ext cx="0" cy="0"/>
+          <a:chOff x="0" y="0"/>
+          <a:chExt cx="0" cy="0"/>
+        </a:xfrm>
+      </p:grpSpPr>
+      <p:sp>
+        <p:nvSpPr>
+          <p:cNvPr id="135" name="Google Shape;135;p19"/>
+          <p:cNvSpPr txBox="1"/>
+          <p:nvPr>
+            <p:ph type="title"/>
+          </p:nvPr>
+        </p:nvSpPr>
+        <p:spPr>
+          <a:xfrm>
             <a:off x="598100" y="2152347"/>
             <a:ext cx="8222100" cy="838800"/>
           </a:xfrm>
@@ -14141,12 +14960,12 @@
 </p:sld>
 </file>
 
-<file path=ppt/slides/slide7.xml><?xml version="1.0" encoding="utf-8"?>
+<file path=ppt/slides/slide8.xml><?xml version="1.0" encoding="utf-8"?>
 <p:sld xmlns:a="http://schemas.openxmlformats.org/drawingml/2006/main" xmlns:r="http://schemas.openxmlformats.org/officeDocument/2006/relationships" xmlns:mc="http://schemas.openxmlformats.org/markup-compatibility/2006" xmlns:mv="urn:schemas-microsoft-com:mac:vml" xmlns:p="http://schemas.openxmlformats.org/presentationml/2006/main" xmlns:c="http://schemas.openxmlformats.org/drawingml/2006/chart" xmlns:dgm="http://schemas.openxmlformats.org/drawingml/2006/diagram" xmlns:o="urn:schemas-microsoft-com:office:office" xmlns:v="urn:schemas-microsoft-com:vml" xmlns:pvml="urn:schemas-microsoft-com:office:powerpoint" xmlns:com="http://schemas.openxmlformats.org/drawingml/2006/compatibility" xmlns:p14="http://schemas.microsoft.com/office/powerpoint/2010/main" xmlns:p15="http://schemas.microsoft.com/office/powerpoint/2012/main" xmlns:ahyp="http://schemas.microsoft.com/office/drawing/2018/hyperlinkcolor">
   <p:cSld>
     <p:spTree>
       <p:nvGrpSpPr>
-        <p:cNvPr id="123" name="Shape 123"/>
+        <p:cNvPr id="139" name="Shape 139"/>
         <p:cNvGrpSpPr/>
         <p:nvPr/>
       </p:nvGrpSpPr>
@@ -14160,7 +14979,7 @@
       </p:grpSpPr>
       <p:sp>
         <p:nvSpPr>
-          <p:cNvPr id="124" name="Google Shape;124;p19"/>
+          <p:cNvPr id="140" name="Google Shape;140;p20"/>
           <p:cNvSpPr txBox="1"/>
           <p:nvPr>
             <p:ph type="title"/>
@@ -14215,7 +15034,7 @@
       </p:sp>
       <p:sp>
         <p:nvSpPr>
-          <p:cNvPr id="125" name="Google Shape;125;p19"/>
+          <p:cNvPr id="141" name="Google Shape;141;p20"/>
           <p:cNvSpPr txBox="1"/>
           <p:nvPr>
             <p:ph idx="1" type="body"/>
@@ -14294,7 +15113,7 @@
       </p:sp>
       <p:sp>
         <p:nvSpPr>
-          <p:cNvPr id="126" name="Google Shape;126;p19"/>
+          <p:cNvPr id="142" name="Google Shape;142;p20"/>
           <p:cNvSpPr txBox="1"/>
           <p:nvPr>
             <p:ph idx="2" type="body"/>
@@ -14368,7 +15187,7 @@
       </p:sp>
       <p:pic>
         <p:nvPicPr>
-          <p:cNvPr id="127" name="Google Shape;127;p19"/>
+          <p:cNvPr id="143" name="Google Shape;143;p20"/>
           <p:cNvPicPr preferRelativeResize="0"/>
           <p:nvPr/>
         </p:nvPicPr>
@@ -14402,12 +15221,12 @@
 </p:sld>
 </file>
 
-<file path=ppt/slides/slide8.xml><?xml version="1.0" encoding="utf-8"?>
+<file path=ppt/slides/slide9.xml><?xml version="1.0" encoding="utf-8"?>
 <p:sld xmlns:a="http://schemas.openxmlformats.org/drawingml/2006/main" xmlns:r="http://schemas.openxmlformats.org/officeDocument/2006/relationships" xmlns:mc="http://schemas.openxmlformats.org/markup-compatibility/2006" xmlns:mv="urn:schemas-microsoft-com:mac:vml" xmlns:p="http://schemas.openxmlformats.org/presentationml/2006/main" xmlns:c="http://schemas.openxmlformats.org/drawingml/2006/chart" xmlns:dgm="http://schemas.openxmlformats.org/drawingml/2006/diagram" xmlns:o="urn:schemas-microsoft-com:office:office" xmlns:v="urn:schemas-microsoft-com:vml" xmlns:pvml="urn:schemas-microsoft-com:office:powerpoint" xmlns:com="http://schemas.openxmlformats.org/drawingml/2006/compatibility" xmlns:p14="http://schemas.microsoft.com/office/powerpoint/2010/main" xmlns:p15="http://schemas.microsoft.com/office/powerpoint/2012/main" xmlns:ahyp="http://schemas.microsoft.com/office/drawing/2018/hyperlinkcolor">
   <p:cSld>
     <p:spTree>
       <p:nvGrpSpPr>
-        <p:cNvPr id="131" name="Shape 131"/>
+        <p:cNvPr id="147" name="Shape 147"/>
         <p:cNvGrpSpPr/>
         <p:nvPr/>
       </p:nvGrpSpPr>
@@ -14421,7 +15240,7 @@
       </p:grpSpPr>
       <p:sp>
         <p:nvSpPr>
-          <p:cNvPr id="132" name="Google Shape;132;p20"/>
+          <p:cNvPr id="148" name="Google Shape;148;p21"/>
           <p:cNvSpPr txBox="1"/>
           <p:nvPr>
             <p:ph type="title"/>
@@ -14454,154 +15273,6 @@
             <a:r>
               <a:rPr lang="ru"/>
               <a:t>Результаты</a:t>
-            </a:r>
-            <a:endParaRPr/>
-          </a:p>
-        </p:txBody>
-      </p:sp>
-    </p:spTree>
-  </p:cSld>
-  <p:clrMapOvr>
-    <a:masterClrMapping/>
-  </p:clrMapOvr>
-</p:sld>
-</file>
-
-<file path=ppt/slides/slide9.xml><?xml version="1.0" encoding="utf-8"?>
-<p:sld xmlns:a="http://schemas.openxmlformats.org/drawingml/2006/main" xmlns:r="http://schemas.openxmlformats.org/officeDocument/2006/relationships" xmlns:mc="http://schemas.openxmlformats.org/markup-compatibility/2006" xmlns:mv="urn:schemas-microsoft-com:mac:vml" xmlns:p="http://schemas.openxmlformats.org/presentationml/2006/main" xmlns:c="http://schemas.openxmlformats.org/drawingml/2006/chart" xmlns:dgm="http://schemas.openxmlformats.org/drawingml/2006/diagram" xmlns:o="urn:schemas-microsoft-com:office:office" xmlns:v="urn:schemas-microsoft-com:vml" xmlns:pvml="urn:schemas-microsoft-com:office:powerpoint" xmlns:com="http://schemas.openxmlformats.org/drawingml/2006/compatibility" xmlns:p14="http://schemas.microsoft.com/office/powerpoint/2010/main" xmlns:p15="http://schemas.microsoft.com/office/powerpoint/2012/main" xmlns:ahyp="http://schemas.microsoft.com/office/drawing/2018/hyperlinkcolor">
-  <p:cSld>
-    <p:spTree>
-      <p:nvGrpSpPr>
-        <p:cNvPr id="136" name="Shape 136"/>
-        <p:cNvGrpSpPr/>
-        <p:nvPr/>
-      </p:nvGrpSpPr>
-      <p:grpSpPr>
-        <a:xfrm>
-          <a:off x="0" y="0"/>
-          <a:ext cx="0" cy="0"/>
-          <a:chOff x="0" y="0"/>
-          <a:chExt cx="0" cy="0"/>
-        </a:xfrm>
-      </p:grpSpPr>
-      <p:sp>
-        <p:nvSpPr>
-          <p:cNvPr id="137" name="Google Shape;137;p21"/>
-          <p:cNvSpPr txBox="1"/>
-          <p:nvPr>
-            <p:ph type="title"/>
-          </p:nvPr>
-        </p:nvSpPr>
-        <p:spPr>
-          <a:xfrm>
-            <a:off x="311700" y="410000"/>
-            <a:ext cx="8520600" cy="607800"/>
-          </a:xfrm>
-          <a:prstGeom prst="rect">
-            <a:avLst/>
-          </a:prstGeom>
-        </p:spPr>
-        <p:txBody>
-          <a:bodyPr anchorCtr="0" anchor="t" bIns="91425" lIns="91425" spcFirstLastPara="1" rIns="91425" wrap="square" tIns="91425">
-            <a:normAutofit fontScale="90000"/>
-          </a:bodyPr>
-          <a:lstStyle/>
-          <a:p>
-            <a:pPr indent="0" lvl="0" marL="0" rtl="0" algn="l">
-              <a:spcBef>
-                <a:spcPts val="0"/>
-              </a:spcBef>
-              <a:spcAft>
-                <a:spcPts val="0"/>
-              </a:spcAft>
-              <a:buNone/>
-            </a:pPr>
-            <a:r>
-              <a:rPr lang="ru"/>
-              <a:t>Результаты</a:t>
-            </a:r>
-            <a:endParaRPr/>
-          </a:p>
-        </p:txBody>
-      </p:sp>
-      <p:sp>
-        <p:nvSpPr>
-          <p:cNvPr id="138" name="Google Shape;138;p21"/>
-          <p:cNvSpPr txBox="1"/>
-          <p:nvPr>
-            <p:ph idx="1" type="body"/>
-          </p:nvPr>
-        </p:nvSpPr>
-        <p:spPr>
-          <a:xfrm>
-            <a:off x="311700" y="1229875"/>
-            <a:ext cx="8520600" cy="3339000"/>
-          </a:xfrm>
-          <a:prstGeom prst="rect">
-            <a:avLst/>
-          </a:prstGeom>
-        </p:spPr>
-        <p:txBody>
-          <a:bodyPr anchorCtr="0" anchor="t" bIns="91425" lIns="91425" spcFirstLastPara="1" rIns="91425" wrap="square" tIns="91425">
-            <a:normAutofit/>
-          </a:bodyPr>
-          <a:lstStyle/>
-          <a:p>
-            <a:pPr indent="-342900" lvl="0" marL="457200" rtl="0" algn="l">
-              <a:spcBef>
-                <a:spcPts val="0"/>
-              </a:spcBef>
-              <a:spcAft>
-                <a:spcPts val="0"/>
-              </a:spcAft>
-              <a:buSzPts val="1800"/>
-              <a:buAutoNum type="arabicPeriod"/>
-            </a:pPr>
-            <a:r>
-              <a:rPr lang="ru"/>
-              <a:t>3 из 4 моделей показали качество лучше </a:t>
-            </a:r>
-            <a:r>
-              <a:rPr lang="ru"/>
-              <a:t>AutoML (</a:t>
-            </a:r>
-            <a:r>
-              <a:rPr lang="ru"/>
-              <a:t>4,4% SMAPE, до 1,5% на лучшем ряде)</a:t>
-            </a:r>
-            <a:endParaRPr/>
-          </a:p>
-          <a:p>
-            <a:pPr indent="-342900" lvl="0" marL="457200" rtl="0" algn="l">
-              <a:spcBef>
-                <a:spcPts val="0"/>
-              </a:spcBef>
-              <a:spcAft>
-                <a:spcPts val="0"/>
-              </a:spcAft>
-              <a:buSzPts val="1800"/>
-              <a:buAutoNum type="arabicPeriod"/>
-            </a:pPr>
-            <a:r>
-              <a:rPr lang="ru"/>
-              <a:t>Time fusion transformer модель на данных этой работы имела тенденцию к переобучению</a:t>
-            </a:r>
-            <a:endParaRPr/>
-          </a:p>
-          <a:p>
-            <a:pPr indent="-342900" lvl="0" marL="457200" rtl="0" algn="l">
-              <a:spcBef>
-                <a:spcPts val="0"/>
-              </a:spcBef>
-              <a:spcAft>
-                <a:spcPts val="0"/>
-              </a:spcAft>
-              <a:buSzPts val="1800"/>
-              <a:buAutoNum type="arabicPeriod"/>
-            </a:pPr>
-            <a:r>
-              <a:rPr lang="ru"/>
-              <a:t>Для моделей трансформеров, ряды с более точными прогнозами — близки к финансовым данным, а менее точными — ряды из микроэкономики</a:t>
             </a:r>
             <a:endParaRPr/>
           </a:p>

--- a/text/Презентация.pptx
+++ b/text/Презентация.pptx
@@ -31,16 +31,18 @@
     <p:sldId id="276" r:id="rId27"/>
     <p:sldId id="277" r:id="rId28"/>
     <p:sldId id="278" r:id="rId29"/>
+    <p:sldId id="279" r:id="rId30"/>
+    <p:sldId id="280" r:id="rId31"/>
   </p:sldIdLst>
   <p:sldSz cy="5143500" cx="9144000"/>
   <p:notesSz cx="6858000" cy="9144000"/>
   <p:embeddedFontLst>
     <p:embeddedFont>
       <p:font typeface="Roboto"/>
-      <p:regular r:id="rId30"/>
-      <p:bold r:id="rId31"/>
-      <p:italic r:id="rId32"/>
-      <p:boldItalic r:id="rId33"/>
+      <p:regular r:id="rId32"/>
+      <p:bold r:id="rId33"/>
+      <p:italic r:id="rId34"/>
+      <p:boldItalic r:id="rId35"/>
     </p:embeddedFont>
   </p:embeddedFontLst>
   <p:defaultTextStyle>
@@ -1132,7 +1134,7 @@
       </p:grpSpPr>
       <p:sp>
         <p:nvSpPr>
-          <p:cNvPr id="171" name="Google Shape;171;g107682104ce_0_0:notes"/>
+          <p:cNvPr id="171" name="Google Shape;171;g1080f2036a6_0_1:notes"/>
           <p:cNvSpPr/>
           <p:nvPr>
             <p:ph idx="2" type="sldImg"/>
@@ -1167,7 +1169,7 @@
       </p:sp>
       <p:sp>
         <p:nvSpPr>
-          <p:cNvPr id="172" name="Google Shape;172;g107682104ce_0_0:notes"/>
+          <p:cNvPr id="172" name="Google Shape;172;g1080f2036a6_0_1:notes"/>
           <p:cNvSpPr txBox="1"/>
           <p:nvPr>
             <p:ph idx="1" type="body"/>
@@ -1189,6 +1191,297 @@
           <a:lstStyle/>
           <a:p>
             <a:pPr indent="0" lvl="0" marL="0" rtl="0" algn="l">
+              <a:lnSpc>
+                <a:spcPct val="135714"/>
+              </a:lnSpc>
+              <a:spcBef>
+                <a:spcPts val="0"/>
+              </a:spcBef>
+              <a:spcAft>
+                <a:spcPts val="0"/>
+              </a:spcAft>
+              <a:buNone/>
+            </a:pPr>
+            <a:r>
+              <a:rPr lang="ru" sz="1050">
+                <a:solidFill>
+                  <a:schemeClr val="dk1"/>
+                </a:solidFill>
+                <a:highlight>
+                  <a:srgbClr val="FFFFFF"/>
+                </a:highlight>
+                <a:latin typeface="Courier New"/>
+                <a:ea typeface="Courier New"/>
+                <a:cs typeface="Courier New"/>
+                <a:sym typeface="Courier New"/>
+              </a:rPr>
+              <a:t> </a:t>
+            </a:r>
+            <a:r>
+              <a:rPr lang="ru" sz="1050">
+                <a:solidFill>
+                  <a:srgbClr val="A31515"/>
+                </a:solidFill>
+                <a:highlight>
+                  <a:srgbClr val="FFFFFF"/>
+                </a:highlight>
+                <a:latin typeface="Courier New"/>
+                <a:ea typeface="Courier New"/>
+                <a:cs typeface="Courier New"/>
+                <a:sym typeface="Courier New"/>
+              </a:rPr>
+              <a:t>'T1138P6000315'</a:t>
+            </a:r>
+            <a:r>
+              <a:rPr lang="ru" sz="1050">
+                <a:solidFill>
+                  <a:schemeClr val="dk1"/>
+                </a:solidFill>
+                <a:highlight>
+                  <a:srgbClr val="FFFFFF"/>
+                </a:highlight>
+                <a:latin typeface="Courier New"/>
+                <a:ea typeface="Courier New"/>
+                <a:cs typeface="Courier New"/>
+                <a:sym typeface="Courier New"/>
+              </a:rPr>
+              <a:t>: </a:t>
+            </a:r>
+            <a:r>
+              <a:rPr lang="ru" sz="1050">
+                <a:solidFill>
+                  <a:srgbClr val="A31515"/>
+                </a:solidFill>
+                <a:highlight>
+                  <a:srgbClr val="FFFFFF"/>
+                </a:highlight>
+                <a:latin typeface="Courier New"/>
+                <a:ea typeface="Courier New"/>
+                <a:cs typeface="Courier New"/>
+                <a:sym typeface="Courier New"/>
+              </a:rPr>
+              <a:t>'время простоя насоса с прошлого выключения'</a:t>
+            </a:r>
+            <a:endParaRPr sz="1050">
+              <a:solidFill>
+                <a:schemeClr val="dk1"/>
+              </a:solidFill>
+              <a:highlight>
+                <a:srgbClr val="FFFFFF"/>
+              </a:highlight>
+              <a:latin typeface="Courier New"/>
+              <a:ea typeface="Courier New"/>
+              <a:cs typeface="Courier New"/>
+              <a:sym typeface="Courier New"/>
+            </a:endParaRPr>
+          </a:p>
+          <a:p>
+            <a:pPr indent="0" lvl="0" marL="0" rtl="0" algn="l">
+              <a:lnSpc>
+                <a:spcPct val="135714"/>
+              </a:lnSpc>
+              <a:spcBef>
+                <a:spcPts val="0"/>
+              </a:spcBef>
+              <a:spcAft>
+                <a:spcPts val="0"/>
+              </a:spcAft>
+              <a:buNone/>
+            </a:pPr>
+            <a:r>
+              <a:rPr lang="ru" sz="1050">
+                <a:solidFill>
+                  <a:schemeClr val="dk1"/>
+                </a:solidFill>
+                <a:highlight>
+                  <a:srgbClr val="FFFFFF"/>
+                </a:highlight>
+                <a:latin typeface="Courier New"/>
+                <a:ea typeface="Courier New"/>
+                <a:cs typeface="Courier New"/>
+                <a:sym typeface="Courier New"/>
+              </a:rPr>
+              <a:t> </a:t>
+            </a:r>
+            <a:r>
+              <a:rPr lang="ru" sz="1050">
+                <a:solidFill>
+                  <a:srgbClr val="A31515"/>
+                </a:solidFill>
+                <a:highlight>
+                  <a:srgbClr val="FFFFFF"/>
+                </a:highlight>
+                <a:latin typeface="Courier New"/>
+                <a:ea typeface="Courier New"/>
+                <a:cs typeface="Courier New"/>
+                <a:sym typeface="Courier New"/>
+              </a:rPr>
+              <a:t>'DLONGT1205P2300000'</a:t>
+            </a:r>
+            <a:r>
+              <a:rPr lang="ru" sz="1050">
+                <a:solidFill>
+                  <a:schemeClr val="dk1"/>
+                </a:solidFill>
+                <a:highlight>
+                  <a:srgbClr val="FFFFFF"/>
+                </a:highlight>
+                <a:latin typeface="Courier New"/>
+                <a:ea typeface="Courier New"/>
+                <a:cs typeface="Courier New"/>
+                <a:sym typeface="Courier New"/>
+              </a:rPr>
+              <a:t>:</a:t>
+            </a:r>
+            <a:r>
+              <a:rPr lang="ru" sz="1050">
+                <a:solidFill>
+                  <a:srgbClr val="A31515"/>
+                </a:solidFill>
+                <a:highlight>
+                  <a:srgbClr val="FFFFFF"/>
+                </a:highlight>
+                <a:latin typeface="Courier New"/>
+                <a:ea typeface="Courier New"/>
+                <a:cs typeface="Courier New"/>
+                <a:sym typeface="Courier New"/>
+              </a:rPr>
+              <a:t>'Средняя скорость изменения давления на выходе в Нед, МПа/час'</a:t>
+            </a:r>
+            <a:r>
+              <a:rPr lang="ru" sz="1050">
+                <a:solidFill>
+                  <a:schemeClr val="dk1"/>
+                </a:solidFill>
+                <a:highlight>
+                  <a:srgbClr val="FFFFFF"/>
+                </a:highlight>
+                <a:latin typeface="Courier New"/>
+                <a:ea typeface="Courier New"/>
+                <a:cs typeface="Courier New"/>
+                <a:sym typeface="Courier New"/>
+              </a:rPr>
+              <a:t>,</a:t>
+            </a:r>
+            <a:endParaRPr sz="1050">
+              <a:solidFill>
+                <a:schemeClr val="dk1"/>
+              </a:solidFill>
+              <a:highlight>
+                <a:srgbClr val="FFFFFF"/>
+              </a:highlight>
+              <a:latin typeface="Courier New"/>
+              <a:ea typeface="Courier New"/>
+              <a:cs typeface="Courier New"/>
+              <a:sym typeface="Courier New"/>
+            </a:endParaRPr>
+          </a:p>
+          <a:p>
+            <a:pPr indent="0" lvl="0" marL="0" rtl="0" algn="l">
+              <a:lnSpc>
+                <a:spcPct val="135714"/>
+              </a:lnSpc>
+              <a:spcBef>
+                <a:spcPts val="0"/>
+              </a:spcBef>
+              <a:spcAft>
+                <a:spcPts val="0"/>
+              </a:spcAft>
+              <a:buNone/>
+            </a:pPr>
+            <a:r>
+              <a:rPr lang="ru" sz="1050">
+                <a:solidFill>
+                  <a:schemeClr val="dk1"/>
+                </a:solidFill>
+                <a:highlight>
+                  <a:srgbClr val="FFFFFF"/>
+                </a:highlight>
+                <a:latin typeface="Courier New"/>
+                <a:ea typeface="Courier New"/>
+                <a:cs typeface="Courier New"/>
+                <a:sym typeface="Courier New"/>
+              </a:rPr>
+              <a:t> </a:t>
+            </a:r>
+            <a:r>
+              <a:rPr lang="ru" sz="1050">
+                <a:solidFill>
+                  <a:srgbClr val="A31515"/>
+                </a:solidFill>
+                <a:highlight>
+                  <a:srgbClr val="FFFFFF"/>
+                </a:highlight>
+                <a:latin typeface="Courier New"/>
+                <a:ea typeface="Courier New"/>
+                <a:cs typeface="Courier New"/>
+                <a:sym typeface="Courier New"/>
+              </a:rPr>
+              <a:t>'T1138P2600012'</a:t>
+            </a:r>
+            <a:r>
+              <a:rPr lang="ru" sz="1050">
+                <a:solidFill>
+                  <a:schemeClr val="dk1"/>
+                </a:solidFill>
+                <a:highlight>
+                  <a:srgbClr val="FFFFFF"/>
+                </a:highlight>
+                <a:latin typeface="Courier New"/>
+                <a:ea typeface="Courier New"/>
+                <a:cs typeface="Courier New"/>
+                <a:sym typeface="Courier New"/>
+              </a:rPr>
+              <a:t>:</a:t>
+            </a:r>
+            <a:r>
+              <a:rPr lang="ru" sz="1050">
+                <a:solidFill>
+                  <a:srgbClr val="A31515"/>
+                </a:solidFill>
+                <a:highlight>
+                  <a:srgbClr val="FFFFFF"/>
+                </a:highlight>
+                <a:latin typeface="Courier New"/>
+                <a:ea typeface="Courier New"/>
+                <a:cs typeface="Courier New"/>
+                <a:sym typeface="Courier New"/>
+              </a:rPr>
+              <a:t>'Ток фазы A двигателя, А'</a:t>
+            </a:r>
+            <a:r>
+              <a:rPr lang="ru" sz="1050">
+                <a:solidFill>
+                  <a:schemeClr val="dk1"/>
+                </a:solidFill>
+                <a:highlight>
+                  <a:srgbClr val="FFFFFF"/>
+                </a:highlight>
+                <a:latin typeface="Courier New"/>
+                <a:ea typeface="Courier New"/>
+                <a:cs typeface="Courier New"/>
+                <a:sym typeface="Courier New"/>
+              </a:rPr>
+              <a:t>,</a:t>
+            </a:r>
+            <a:endParaRPr sz="1050">
+              <a:solidFill>
+                <a:schemeClr val="dk1"/>
+              </a:solidFill>
+              <a:highlight>
+                <a:srgbClr val="FFFFFF"/>
+              </a:highlight>
+              <a:latin typeface="Courier New"/>
+              <a:ea typeface="Courier New"/>
+              <a:cs typeface="Courier New"/>
+              <a:sym typeface="Courier New"/>
+            </a:endParaRPr>
+          </a:p>
+          <a:p>
+            <a:pPr indent="0" lvl="0" marL="0" rtl="0" algn="l">
+              <a:lnSpc>
+                <a:spcPct val="135714"/>
+              </a:lnSpc>
               <a:spcBef>
                 <a:spcPts val="0"/>
               </a:spcBef>
@@ -1200,7 +1493,18 @@
             <a:r>
               <a:t/>
             </a:r>
-            <a:endParaRPr/>
+            <a:endParaRPr sz="1050">
+              <a:solidFill>
+                <a:schemeClr val="dk1"/>
+              </a:solidFill>
+              <a:highlight>
+                <a:srgbClr val="FFFFFF"/>
+              </a:highlight>
+              <a:latin typeface="Courier New"/>
+              <a:ea typeface="Courier New"/>
+              <a:cs typeface="Courier New"/>
+              <a:sym typeface="Courier New"/>
+            </a:endParaRPr>
           </a:p>
         </p:txBody>
       </p:sp>
@@ -1217,7 +1521,7 @@
   <p:cSld>
     <p:spTree>
       <p:nvGrpSpPr>
-        <p:cNvPr id="176" name="Shape 176"/>
+        <p:cNvPr id="179" name="Shape 179"/>
         <p:cNvGrpSpPr/>
         <p:nvPr/>
       </p:nvGrpSpPr>
@@ -1231,7 +1535,7 @@
       </p:grpSpPr>
       <p:sp>
         <p:nvSpPr>
-          <p:cNvPr id="177" name="Google Shape;177;g10538ac236f_0_68:notes"/>
+          <p:cNvPr id="180" name="Google Shape;180;g1080f2036a6_0_8:notes"/>
           <p:cNvSpPr/>
           <p:nvPr>
             <p:ph idx="2" type="sldImg"/>
@@ -1266,7 +1570,7 @@
       </p:sp>
       <p:sp>
         <p:nvSpPr>
-          <p:cNvPr id="178" name="Google Shape;178;g10538ac236f_0_68:notes"/>
+          <p:cNvPr id="181" name="Google Shape;181;g1080f2036a6_0_8:notes"/>
           <p:cNvSpPr txBox="1"/>
           <p:nvPr>
             <p:ph idx="1" type="body"/>
@@ -1288,6 +1592,164 @@
           <a:lstStyle/>
           <a:p>
             <a:pPr indent="0" lvl="0" marL="0" rtl="0" algn="l">
+              <a:lnSpc>
+                <a:spcPct val="135714"/>
+              </a:lnSpc>
+              <a:spcBef>
+                <a:spcPts val="0"/>
+              </a:spcBef>
+              <a:spcAft>
+                <a:spcPts val="0"/>
+              </a:spcAft>
+              <a:buNone/>
+            </a:pPr>
+            <a:r>
+              <a:rPr lang="ru" sz="1050">
+                <a:solidFill>
+                  <a:srgbClr val="A31515"/>
+                </a:solidFill>
+                <a:highlight>
+                  <a:srgbClr val="FFFFFF"/>
+                </a:highlight>
+                <a:latin typeface="Courier New"/>
+                <a:ea typeface="Courier New"/>
+                <a:cs typeface="Courier New"/>
+                <a:sym typeface="Courier New"/>
+              </a:rPr>
+              <a:t>T1138P600050 - Коэффициент мощности (cos fi)</a:t>
+            </a:r>
+            <a:endParaRPr sz="1050">
+              <a:solidFill>
+                <a:srgbClr val="A31515"/>
+              </a:solidFill>
+              <a:highlight>
+                <a:srgbClr val="FFFFFF"/>
+              </a:highlight>
+              <a:latin typeface="Courier New"/>
+              <a:ea typeface="Courier New"/>
+              <a:cs typeface="Courier New"/>
+              <a:sym typeface="Courier New"/>
+            </a:endParaRPr>
+          </a:p>
+          <a:p>
+            <a:pPr indent="0" lvl="0" marL="0" rtl="0" algn="l">
+              <a:lnSpc>
+                <a:spcPct val="135714"/>
+              </a:lnSpc>
+              <a:spcBef>
+                <a:spcPts val="0"/>
+              </a:spcBef>
+              <a:spcAft>
+                <a:spcPts val="0"/>
+              </a:spcAft>
+              <a:buNone/>
+            </a:pPr>
+            <a:r>
+              <a:rPr lang="ru" sz="1050">
+                <a:solidFill>
+                  <a:srgbClr val="A31515"/>
+                </a:solidFill>
+                <a:highlight>
+                  <a:srgbClr val="FFFFFF"/>
+                </a:highlight>
+                <a:latin typeface="Courier New"/>
+                <a:ea typeface="Courier New"/>
+                <a:cs typeface="Courier New"/>
+                <a:sym typeface="Courier New"/>
+              </a:rPr>
+              <a:t>T1138P6000096 - время работы насоса</a:t>
+            </a:r>
+            <a:endParaRPr sz="1050">
+              <a:solidFill>
+                <a:srgbClr val="A31515"/>
+              </a:solidFill>
+              <a:highlight>
+                <a:srgbClr val="FFFFFF"/>
+              </a:highlight>
+              <a:latin typeface="Courier New"/>
+              <a:ea typeface="Courier New"/>
+              <a:cs typeface="Courier New"/>
+              <a:sym typeface="Courier New"/>
+            </a:endParaRPr>
+          </a:p>
+          <a:p>
+            <a:pPr indent="0" lvl="0" marL="0" rtl="0" algn="l">
+              <a:lnSpc>
+                <a:spcPct val="135714"/>
+              </a:lnSpc>
+              <a:spcBef>
+                <a:spcPts val="0"/>
+              </a:spcBef>
+              <a:spcAft>
+                <a:spcPts val="0"/>
+              </a:spcAft>
+              <a:buClr>
+                <a:schemeClr val="dk1"/>
+              </a:buClr>
+              <a:buSzPts val="1100"/>
+              <a:buFont typeface="Arial"/>
+              <a:buNone/>
+            </a:pPr>
+            <a:r>
+              <a:rPr lang="ru" sz="1050">
+                <a:solidFill>
+                  <a:srgbClr val="A31515"/>
+                </a:solidFill>
+                <a:highlight>
+                  <a:srgbClr val="FFFFFF"/>
+                </a:highlight>
+                <a:latin typeface="Courier New"/>
+                <a:ea typeface="Courier New"/>
+                <a:cs typeface="Courier New"/>
+                <a:sym typeface="Courier New"/>
+              </a:rPr>
+              <a:t>T1138P6000096'</a:t>
+            </a:r>
+            <a:r>
+              <a:rPr lang="ru" sz="1050">
+                <a:solidFill>
+                  <a:schemeClr val="dk1"/>
+                </a:solidFill>
+                <a:highlight>
+                  <a:srgbClr val="FFFFFF"/>
+                </a:highlight>
+                <a:latin typeface="Courier New"/>
+                <a:ea typeface="Courier New"/>
+                <a:cs typeface="Courier New"/>
+                <a:sym typeface="Courier New"/>
+              </a:rPr>
+              <a:t>: </a:t>
+            </a:r>
+            <a:r>
+              <a:rPr lang="ru" sz="1050">
+                <a:solidFill>
+                  <a:srgbClr val="A31515"/>
+                </a:solidFill>
+                <a:highlight>
+                  <a:srgbClr val="FFFFFF"/>
+                </a:highlight>
+                <a:latin typeface="Courier New"/>
+                <a:ea typeface="Courier New"/>
+                <a:cs typeface="Courier New"/>
+                <a:sym typeface="Courier New"/>
+              </a:rPr>
+              <a:t>'время работы насоса</a:t>
+            </a:r>
+            <a:endParaRPr sz="1050">
+              <a:solidFill>
+                <a:srgbClr val="A31515"/>
+              </a:solidFill>
+              <a:highlight>
+                <a:srgbClr val="FFFFFF"/>
+              </a:highlight>
+              <a:latin typeface="Courier New"/>
+              <a:ea typeface="Courier New"/>
+              <a:cs typeface="Courier New"/>
+              <a:sym typeface="Courier New"/>
+            </a:endParaRPr>
+          </a:p>
+          <a:p>
+            <a:pPr indent="0" lvl="0" marL="0" rtl="0" algn="l">
               <a:spcBef>
                 <a:spcPts val="0"/>
               </a:spcBef>
@@ -1316,7 +1778,7 @@
   <p:cSld>
     <p:spTree>
       <p:nvGrpSpPr>
-        <p:cNvPr id="181" name="Shape 181"/>
+        <p:cNvPr id="186" name="Shape 186"/>
         <p:cNvGrpSpPr/>
         <p:nvPr/>
       </p:nvGrpSpPr>
@@ -1330,7 +1792,7 @@
       </p:grpSpPr>
       <p:sp>
         <p:nvSpPr>
-          <p:cNvPr id="182" name="Google Shape;182;g10538ac236f_0_2:notes"/>
+          <p:cNvPr id="187" name="Google Shape;187;g107682104ce_0_0:notes"/>
           <p:cNvSpPr/>
           <p:nvPr>
             <p:ph idx="2" type="sldImg"/>
@@ -1365,7 +1827,7 @@
       </p:sp>
       <p:sp>
         <p:nvSpPr>
-          <p:cNvPr id="183" name="Google Shape;183;g10538ac236f_0_2:notes"/>
+          <p:cNvPr id="188" name="Google Shape;188;g107682104ce_0_0:notes"/>
           <p:cNvSpPr txBox="1"/>
           <p:nvPr>
             <p:ph idx="1" type="body"/>
@@ -1415,7 +1877,7 @@
   <p:cSld>
     <p:spTree>
       <p:nvGrpSpPr>
-        <p:cNvPr id="190" name="Shape 190"/>
+        <p:cNvPr id="192" name="Shape 192"/>
         <p:cNvGrpSpPr/>
         <p:nvPr/>
       </p:nvGrpSpPr>
@@ -1429,7 +1891,7 @@
       </p:grpSpPr>
       <p:sp>
         <p:nvSpPr>
-          <p:cNvPr id="191" name="Google Shape;191;g10538ac236f_0_98:notes"/>
+          <p:cNvPr id="193" name="Google Shape;193;g107682104ce_0_11:notes"/>
           <p:cNvSpPr/>
           <p:nvPr>
             <p:ph idx="2" type="sldImg"/>
@@ -1464,7 +1926,7 @@
       </p:sp>
       <p:sp>
         <p:nvSpPr>
-          <p:cNvPr id="192" name="Google Shape;192;g10538ac236f_0_98:notes"/>
+          <p:cNvPr id="194" name="Google Shape;194;g107682104ce_0_11:notes"/>
           <p:cNvSpPr txBox="1"/>
           <p:nvPr>
             <p:ph idx="1" type="body"/>
@@ -1528,7 +1990,7 @@
       </p:grpSpPr>
       <p:sp>
         <p:nvSpPr>
-          <p:cNvPr id="199" name="Google Shape;199;g105e06faf48_0_433:notes"/>
+          <p:cNvPr id="199" name="Google Shape;199;g107682104ce_0_17:notes"/>
           <p:cNvSpPr/>
           <p:nvPr>
             <p:ph idx="2" type="sldImg"/>
@@ -1563,7 +2025,7 @@
       </p:sp>
       <p:sp>
         <p:nvSpPr>
-          <p:cNvPr id="200" name="Google Shape;200;g105e06faf48_0_433:notes"/>
+          <p:cNvPr id="200" name="Google Shape;200;g107682104ce_0_17:notes"/>
           <p:cNvSpPr txBox="1"/>
           <p:nvPr>
             <p:ph idx="1" type="body"/>
@@ -1613,7 +2075,7 @@
   <p:cSld>
     <p:spTree>
       <p:nvGrpSpPr>
-        <p:cNvPr id="203" name="Shape 203"/>
+        <p:cNvPr id="204" name="Shape 204"/>
         <p:cNvGrpSpPr/>
         <p:nvPr/>
       </p:nvGrpSpPr>
@@ -1627,7 +2089,7 @@
       </p:grpSpPr>
       <p:sp>
         <p:nvSpPr>
-          <p:cNvPr id="204" name="Google Shape;204;g105e06faf48_0_443:notes"/>
+          <p:cNvPr id="205" name="Google Shape;205;g107682104ce_0_22:notes"/>
           <p:cNvSpPr/>
           <p:nvPr>
             <p:ph idx="2" type="sldImg"/>
@@ -1662,7 +2124,7 @@
       </p:sp>
       <p:sp>
         <p:nvSpPr>
-          <p:cNvPr id="205" name="Google Shape;205;g105e06faf48_0_443:notes"/>
+          <p:cNvPr id="206" name="Google Shape;206;g107682104ce_0_22:notes"/>
           <p:cNvSpPr txBox="1"/>
           <p:nvPr>
             <p:ph idx="1" type="body"/>
@@ -1712,7 +2174,7 @@
   <p:cSld>
     <p:spTree>
       <p:nvGrpSpPr>
-        <p:cNvPr id="208" name="Shape 208"/>
+        <p:cNvPr id="210" name="Shape 210"/>
         <p:cNvGrpSpPr/>
         <p:nvPr/>
       </p:nvGrpSpPr>
@@ -1726,7 +2188,7 @@
       </p:grpSpPr>
       <p:sp>
         <p:nvSpPr>
-          <p:cNvPr id="209" name="Google Shape;209;g107682104ce_0_5:notes"/>
+          <p:cNvPr id="211" name="Google Shape;211;g107682104ce_0_27:notes"/>
           <p:cNvSpPr/>
           <p:nvPr>
             <p:ph idx="2" type="sldImg"/>
@@ -1761,7 +2223,7 @@
       </p:sp>
       <p:sp>
         <p:nvSpPr>
-          <p:cNvPr id="210" name="Google Shape;210;g107682104ce_0_5:notes"/>
+          <p:cNvPr id="212" name="Google Shape;212;g107682104ce_0_27:notes"/>
           <p:cNvSpPr txBox="1"/>
           <p:nvPr>
             <p:ph idx="1" type="body"/>
@@ -1910,7 +2372,7 @@
   <p:cSld>
     <p:spTree>
       <p:nvGrpSpPr>
-        <p:cNvPr id="214" name="Shape 214"/>
+        <p:cNvPr id="216" name="Shape 216"/>
         <p:cNvGrpSpPr/>
         <p:nvPr/>
       </p:nvGrpSpPr>
@@ -1924,7 +2386,7 @@
       </p:grpSpPr>
       <p:sp>
         <p:nvSpPr>
-          <p:cNvPr id="215" name="Google Shape;215;g107682104ce_0_11:notes"/>
+          <p:cNvPr id="217" name="Google Shape;217;g10538ac236f_0_68:notes"/>
           <p:cNvSpPr/>
           <p:nvPr>
             <p:ph idx="2" type="sldImg"/>
@@ -1959,7 +2421,7 @@
       </p:sp>
       <p:sp>
         <p:nvSpPr>
-          <p:cNvPr id="216" name="Google Shape;216;g107682104ce_0_11:notes"/>
+          <p:cNvPr id="218" name="Google Shape;218;g10538ac236f_0_68:notes"/>
           <p:cNvSpPr txBox="1"/>
           <p:nvPr>
             <p:ph idx="1" type="body"/>
@@ -2009,7 +2471,7 @@
   <p:cSld>
     <p:spTree>
       <p:nvGrpSpPr>
-        <p:cNvPr id="220" name="Shape 220"/>
+        <p:cNvPr id="221" name="Shape 221"/>
         <p:cNvGrpSpPr/>
         <p:nvPr/>
       </p:nvGrpSpPr>
@@ -2023,7 +2485,7 @@
       </p:grpSpPr>
       <p:sp>
         <p:nvSpPr>
-          <p:cNvPr id="221" name="Google Shape;221;g107682104ce_0_17:notes"/>
+          <p:cNvPr id="222" name="Google Shape;222;g10538ac236f_0_2:notes"/>
           <p:cNvSpPr/>
           <p:nvPr>
             <p:ph idx="2" type="sldImg"/>
@@ -2058,7 +2520,7 @@
       </p:sp>
       <p:sp>
         <p:nvSpPr>
-          <p:cNvPr id="222" name="Google Shape;222;g107682104ce_0_17:notes"/>
+          <p:cNvPr id="223" name="Google Shape;223;g10538ac236f_0_2:notes"/>
           <p:cNvSpPr txBox="1"/>
           <p:nvPr>
             <p:ph idx="1" type="body"/>
@@ -2108,7 +2570,7 @@
   <p:cSld>
     <p:spTree>
       <p:nvGrpSpPr>
-        <p:cNvPr id="226" name="Shape 226"/>
+        <p:cNvPr id="230" name="Shape 230"/>
         <p:cNvGrpSpPr/>
         <p:nvPr/>
       </p:nvGrpSpPr>
@@ -2122,7 +2584,7 @@
       </p:grpSpPr>
       <p:sp>
         <p:nvSpPr>
-          <p:cNvPr id="227" name="Google Shape;227;g107682104ce_0_22:notes"/>
+          <p:cNvPr id="231" name="Google Shape;231;g10538ac236f_0_98:notes"/>
           <p:cNvSpPr/>
           <p:nvPr>
             <p:ph idx="2" type="sldImg"/>
@@ -2157,7 +2619,7 @@
       </p:sp>
       <p:sp>
         <p:nvSpPr>
-          <p:cNvPr id="228" name="Google Shape;228;g107682104ce_0_22:notes"/>
+          <p:cNvPr id="232" name="Google Shape;232;g10538ac236f_0_98:notes"/>
           <p:cNvSpPr txBox="1"/>
           <p:nvPr>
             <p:ph idx="1" type="body"/>
@@ -2207,7 +2669,7 @@
   <p:cSld>
     <p:spTree>
       <p:nvGrpSpPr>
-        <p:cNvPr id="232" name="Shape 232"/>
+        <p:cNvPr id="238" name="Shape 238"/>
         <p:cNvGrpSpPr/>
         <p:nvPr/>
       </p:nvGrpSpPr>
@@ -2221,7 +2683,7 @@
       </p:grpSpPr>
       <p:sp>
         <p:nvSpPr>
-          <p:cNvPr id="233" name="Google Shape;233;g107682104ce_0_27:notes"/>
+          <p:cNvPr id="239" name="Google Shape;239;g105e06faf48_0_433:notes"/>
           <p:cNvSpPr/>
           <p:nvPr>
             <p:ph idx="2" type="sldImg"/>
@@ -2256,7 +2718,205 @@
       </p:sp>
       <p:sp>
         <p:nvSpPr>
-          <p:cNvPr id="234" name="Google Shape;234;g107682104ce_0_27:notes"/>
+          <p:cNvPr id="240" name="Google Shape;240;g105e06faf48_0_433:notes"/>
+          <p:cNvSpPr txBox="1"/>
+          <p:nvPr>
+            <p:ph idx="1" type="body"/>
+          </p:nvPr>
+        </p:nvSpPr>
+        <p:spPr>
+          <a:xfrm>
+            <a:off x="685800" y="4343400"/>
+            <a:ext cx="5486400" cy="4114800"/>
+          </a:xfrm>
+          <a:prstGeom prst="rect">
+            <a:avLst/>
+          </a:prstGeom>
+        </p:spPr>
+        <p:txBody>
+          <a:bodyPr anchorCtr="0" anchor="t" bIns="91425" lIns="91425" spcFirstLastPara="1" rIns="91425" wrap="square" tIns="91425">
+            <a:noAutofit/>
+          </a:bodyPr>
+          <a:lstStyle/>
+          <a:p>
+            <a:pPr indent="0" lvl="0" marL="0" rtl="0" algn="l">
+              <a:spcBef>
+                <a:spcPts val="0"/>
+              </a:spcBef>
+              <a:spcAft>
+                <a:spcPts val="0"/>
+              </a:spcAft>
+              <a:buNone/>
+            </a:pPr>
+            <a:r>
+              <a:t/>
+            </a:r>
+            <a:endParaRPr/>
+          </a:p>
+        </p:txBody>
+      </p:sp>
+    </p:spTree>
+  </p:cSld>
+  <p:clrMapOvr>
+    <a:masterClrMapping/>
+  </p:clrMapOvr>
+</p:notes>
+</file>
+
+<file path=ppt/notesSlides/notesSlide24.xml><?xml version="1.0" encoding="utf-8"?>
+<p:notes xmlns:a="http://schemas.openxmlformats.org/drawingml/2006/main" xmlns:r="http://schemas.openxmlformats.org/officeDocument/2006/relationships" xmlns:mc="http://schemas.openxmlformats.org/markup-compatibility/2006" xmlns:mv="urn:schemas-microsoft-com:mac:vml" xmlns:p="http://schemas.openxmlformats.org/presentationml/2006/main" xmlns:c="http://schemas.openxmlformats.org/drawingml/2006/chart" xmlns:dgm="http://schemas.openxmlformats.org/drawingml/2006/diagram" xmlns:o="urn:schemas-microsoft-com:office:office" xmlns:v="urn:schemas-microsoft-com:vml" xmlns:pvml="urn:schemas-microsoft-com:office:powerpoint" xmlns:com="http://schemas.openxmlformats.org/drawingml/2006/compatibility" xmlns:p14="http://schemas.microsoft.com/office/powerpoint/2010/main" xmlns:p15="http://schemas.microsoft.com/office/powerpoint/2012/main" xmlns:ahyp="http://schemas.microsoft.com/office/drawing/2018/hyperlinkcolor" showMasterPhAnim="0" showMasterSp="0">
+  <p:cSld>
+    <p:spTree>
+      <p:nvGrpSpPr>
+        <p:cNvPr id="243" name="Shape 243"/>
+        <p:cNvGrpSpPr/>
+        <p:nvPr/>
+      </p:nvGrpSpPr>
+      <p:grpSpPr>
+        <a:xfrm>
+          <a:off x="0" y="0"/>
+          <a:ext cx="0" cy="0"/>
+          <a:chOff x="0" y="0"/>
+          <a:chExt cx="0" cy="0"/>
+        </a:xfrm>
+      </p:grpSpPr>
+      <p:sp>
+        <p:nvSpPr>
+          <p:cNvPr id="244" name="Google Shape;244;g105e06faf48_0_443:notes"/>
+          <p:cNvSpPr/>
+          <p:nvPr>
+            <p:ph idx="2" type="sldImg"/>
+          </p:nvPr>
+        </p:nvSpPr>
+        <p:spPr>
+          <a:xfrm>
+            <a:off x="381300" y="685800"/>
+            <a:ext cx="6096000" cy="3429000"/>
+          </a:xfrm>
+          <a:custGeom>
+            <a:rect b="b" l="l" r="r" t="t"/>
+            <a:pathLst>
+              <a:path extrusionOk="0" h="120000" w="120000">
+                <a:moveTo>
+                  <a:pt x="0" y="0"/>
+                </a:moveTo>
+                <a:lnTo>
+                  <a:pt x="120000" y="0"/>
+                </a:lnTo>
+                <a:lnTo>
+                  <a:pt x="120000" y="120000"/>
+                </a:lnTo>
+                <a:lnTo>
+                  <a:pt x="0" y="120000"/>
+                </a:lnTo>
+                <a:close/>
+              </a:path>
+            </a:pathLst>
+          </a:custGeom>
+        </p:spPr>
+      </p:sp>
+      <p:sp>
+        <p:nvSpPr>
+          <p:cNvPr id="245" name="Google Shape;245;g105e06faf48_0_443:notes"/>
+          <p:cNvSpPr txBox="1"/>
+          <p:nvPr>
+            <p:ph idx="1" type="body"/>
+          </p:nvPr>
+        </p:nvSpPr>
+        <p:spPr>
+          <a:xfrm>
+            <a:off x="685800" y="4343400"/>
+            <a:ext cx="5486400" cy="4114800"/>
+          </a:xfrm>
+          <a:prstGeom prst="rect">
+            <a:avLst/>
+          </a:prstGeom>
+        </p:spPr>
+        <p:txBody>
+          <a:bodyPr anchorCtr="0" anchor="t" bIns="91425" lIns="91425" spcFirstLastPara="1" rIns="91425" wrap="square" tIns="91425">
+            <a:noAutofit/>
+          </a:bodyPr>
+          <a:lstStyle/>
+          <a:p>
+            <a:pPr indent="0" lvl="0" marL="0" rtl="0" algn="l">
+              <a:spcBef>
+                <a:spcPts val="0"/>
+              </a:spcBef>
+              <a:spcAft>
+                <a:spcPts val="0"/>
+              </a:spcAft>
+              <a:buNone/>
+            </a:pPr>
+            <a:r>
+              <a:t/>
+            </a:r>
+            <a:endParaRPr/>
+          </a:p>
+        </p:txBody>
+      </p:sp>
+    </p:spTree>
+  </p:cSld>
+  <p:clrMapOvr>
+    <a:masterClrMapping/>
+  </p:clrMapOvr>
+</p:notes>
+</file>
+
+<file path=ppt/notesSlides/notesSlide25.xml><?xml version="1.0" encoding="utf-8"?>
+<p:notes xmlns:a="http://schemas.openxmlformats.org/drawingml/2006/main" xmlns:r="http://schemas.openxmlformats.org/officeDocument/2006/relationships" xmlns:mc="http://schemas.openxmlformats.org/markup-compatibility/2006" xmlns:mv="urn:schemas-microsoft-com:mac:vml" xmlns:p="http://schemas.openxmlformats.org/presentationml/2006/main" xmlns:c="http://schemas.openxmlformats.org/drawingml/2006/chart" xmlns:dgm="http://schemas.openxmlformats.org/drawingml/2006/diagram" xmlns:o="urn:schemas-microsoft-com:office:office" xmlns:v="urn:schemas-microsoft-com:vml" xmlns:pvml="urn:schemas-microsoft-com:office:powerpoint" xmlns:com="http://schemas.openxmlformats.org/drawingml/2006/compatibility" xmlns:p14="http://schemas.microsoft.com/office/powerpoint/2010/main" xmlns:p15="http://schemas.microsoft.com/office/powerpoint/2012/main" xmlns:ahyp="http://schemas.microsoft.com/office/drawing/2018/hyperlinkcolor" showMasterPhAnim="0" showMasterSp="0">
+  <p:cSld>
+    <p:spTree>
+      <p:nvGrpSpPr>
+        <p:cNvPr id="248" name="Shape 248"/>
+        <p:cNvGrpSpPr/>
+        <p:nvPr/>
+      </p:nvGrpSpPr>
+      <p:grpSpPr>
+        <a:xfrm>
+          <a:off x="0" y="0"/>
+          <a:ext cx="0" cy="0"/>
+          <a:chOff x="0" y="0"/>
+          <a:chExt cx="0" cy="0"/>
+        </a:xfrm>
+      </p:grpSpPr>
+      <p:sp>
+        <p:nvSpPr>
+          <p:cNvPr id="249" name="Google Shape;249;g107682104ce_0_5:notes"/>
+          <p:cNvSpPr/>
+          <p:nvPr>
+            <p:ph idx="2" type="sldImg"/>
+          </p:nvPr>
+        </p:nvSpPr>
+        <p:spPr>
+          <a:xfrm>
+            <a:off x="381300" y="685800"/>
+            <a:ext cx="6096000" cy="3429000"/>
+          </a:xfrm>
+          <a:custGeom>
+            <a:rect b="b" l="l" r="r" t="t"/>
+            <a:pathLst>
+              <a:path extrusionOk="0" h="120000" w="120000">
+                <a:moveTo>
+                  <a:pt x="0" y="0"/>
+                </a:moveTo>
+                <a:lnTo>
+                  <a:pt x="120000" y="0"/>
+                </a:lnTo>
+                <a:lnTo>
+                  <a:pt x="120000" y="120000"/>
+                </a:lnTo>
+                <a:lnTo>
+                  <a:pt x="0" y="120000"/>
+                </a:lnTo>
+                <a:close/>
+              </a:path>
+            </a:pathLst>
+          </a:custGeom>
+        </p:spPr>
+      </p:sp>
+      <p:sp>
+        <p:nvSpPr>
+          <p:cNvPr id="250" name="Google Shape;250;g107682104ce_0_5:notes"/>
           <p:cNvSpPr txBox="1"/>
           <p:nvPr>
             <p:ph idx="1" type="body"/>
@@ -9881,7 +10541,7 @@
             <a:tbl>
               <a:tblPr>
                 <a:noFill/>
-                <a:tableStyleId>{E2022370-55D6-4EA3-B7EB-1ED9F828969C}</a:tableStyleId>
+                <a:tableStyleId>{916C11BE-BDDF-41B8-80B0-23A772D19409}</a:tableStyleId>
               </a:tblPr>
               <a:tblGrid>
                 <a:gridCol w="1339250"/>
@@ -11266,6 +11926,463 @@
             </a:pPr>
             <a:r>
               <a:rPr lang="ru"/>
+              <a:t>Результаты анализа TFT - 1</a:t>
+            </a:r>
+            <a:endParaRPr/>
+          </a:p>
+        </p:txBody>
+      </p:sp>
+      <p:pic>
+        <p:nvPicPr>
+          <p:cNvPr id="175" name="Google Shape;175;p25"/>
+          <p:cNvPicPr preferRelativeResize="0"/>
+          <p:nvPr/>
+        </p:nvPicPr>
+        <p:blipFill>
+          <a:blip r:embed="rId3">
+            <a:alphaModFix/>
+          </a:blip>
+          <a:stretch>
+            <a:fillRect/>
+          </a:stretch>
+        </p:blipFill>
+        <p:spPr>
+          <a:xfrm>
+            <a:off x="311700" y="1219675"/>
+            <a:ext cx="2850356" cy="1964435"/>
+          </a:xfrm>
+          <a:prstGeom prst="rect">
+            <a:avLst/>
+          </a:prstGeom>
+          <a:noFill/>
+          <a:ln>
+            <a:noFill/>
+          </a:ln>
+        </p:spPr>
+      </p:pic>
+      <p:pic>
+        <p:nvPicPr>
+          <p:cNvPr id="176" name="Google Shape;176;p25"/>
+          <p:cNvPicPr preferRelativeResize="0"/>
+          <p:nvPr/>
+        </p:nvPicPr>
+        <p:blipFill>
+          <a:blip r:embed="rId4">
+            <a:alphaModFix/>
+          </a:blip>
+          <a:stretch>
+            <a:fillRect/>
+          </a:stretch>
+        </p:blipFill>
+        <p:spPr>
+          <a:xfrm>
+            <a:off x="4572000" y="1170200"/>
+            <a:ext cx="4212000" cy="3600000"/>
+          </a:xfrm>
+          <a:prstGeom prst="rect">
+            <a:avLst/>
+          </a:prstGeom>
+          <a:noFill/>
+          <a:ln>
+            <a:noFill/>
+          </a:ln>
+        </p:spPr>
+      </p:pic>
+      <p:sp>
+        <p:nvSpPr>
+          <p:cNvPr id="177" name="Google Shape;177;p25"/>
+          <p:cNvSpPr txBox="1"/>
+          <p:nvPr/>
+        </p:nvSpPr>
+        <p:spPr>
+          <a:xfrm>
+            <a:off x="2665075" y="1519300"/>
+            <a:ext cx="2850300" cy="516000"/>
+          </a:xfrm>
+          <a:prstGeom prst="rect">
+            <a:avLst/>
+          </a:prstGeom>
+          <a:noFill/>
+          <a:ln>
+            <a:noFill/>
+          </a:ln>
+        </p:spPr>
+        <p:txBody>
+          <a:bodyPr anchorCtr="0" anchor="t" bIns="0" lIns="0" spcFirstLastPara="1" rIns="0" wrap="square" tIns="0">
+            <a:noAutofit/>
+          </a:bodyPr>
+          <a:lstStyle/>
+          <a:p>
+            <a:pPr indent="0" lvl="0" marL="0" rtl="0" algn="r">
+              <a:lnSpc>
+                <a:spcPct val="150000"/>
+              </a:lnSpc>
+              <a:spcBef>
+                <a:spcPts val="0"/>
+              </a:spcBef>
+              <a:spcAft>
+                <a:spcPts val="0"/>
+              </a:spcAft>
+              <a:buNone/>
+            </a:pPr>
+            <a:r>
+              <a:rPr lang="ru" sz="750">
+                <a:solidFill>
+                  <a:srgbClr val="A31515"/>
+                </a:solidFill>
+                <a:highlight>
+                  <a:srgbClr val="FFFFFF"/>
+                </a:highlight>
+                <a:latin typeface="Courier New"/>
+                <a:ea typeface="Courier New"/>
+                <a:cs typeface="Courier New"/>
+                <a:sym typeface="Courier New"/>
+              </a:rPr>
+              <a:t>В</a:t>
+            </a:r>
+            <a:r>
+              <a:rPr lang="ru" sz="750">
+                <a:solidFill>
+                  <a:srgbClr val="A31515"/>
+                </a:solidFill>
+                <a:highlight>
+                  <a:srgbClr val="FFFFFF"/>
+                </a:highlight>
+                <a:latin typeface="Courier New"/>
+                <a:ea typeface="Courier New"/>
+                <a:cs typeface="Courier New"/>
+                <a:sym typeface="Courier New"/>
+              </a:rPr>
+              <a:t>ремя простоя насоса с прошлого выключения</a:t>
+            </a:r>
+            <a:endParaRPr sz="750">
+              <a:solidFill>
+                <a:srgbClr val="A31515"/>
+              </a:solidFill>
+              <a:highlight>
+                <a:srgbClr val="FFFFFF"/>
+              </a:highlight>
+              <a:latin typeface="Courier New"/>
+              <a:ea typeface="Courier New"/>
+              <a:cs typeface="Courier New"/>
+              <a:sym typeface="Courier New"/>
+            </a:endParaRPr>
+          </a:p>
+          <a:p>
+            <a:pPr indent="0" lvl="0" marL="0" rtl="0" algn="r">
+              <a:lnSpc>
+                <a:spcPct val="150000"/>
+              </a:lnSpc>
+              <a:spcBef>
+                <a:spcPts val="0"/>
+              </a:spcBef>
+              <a:spcAft>
+                <a:spcPts val="0"/>
+              </a:spcAft>
+              <a:buNone/>
+            </a:pPr>
+            <a:r>
+              <a:rPr lang="ru" sz="750">
+                <a:solidFill>
+                  <a:srgbClr val="A31515"/>
+                </a:solidFill>
+                <a:highlight>
+                  <a:srgbClr val="FFFFFF"/>
+                </a:highlight>
+                <a:latin typeface="Courier New"/>
+                <a:ea typeface="Courier New"/>
+                <a:cs typeface="Courier New"/>
+                <a:sym typeface="Courier New"/>
+              </a:rPr>
+              <a:t>Средняя скорость изменения давления Нед</a:t>
+            </a:r>
+            <a:endParaRPr sz="750">
+              <a:solidFill>
+                <a:srgbClr val="A31515"/>
+              </a:solidFill>
+              <a:highlight>
+                <a:srgbClr val="FFFFFF"/>
+              </a:highlight>
+              <a:latin typeface="Courier New"/>
+              <a:ea typeface="Courier New"/>
+              <a:cs typeface="Courier New"/>
+              <a:sym typeface="Courier New"/>
+            </a:endParaRPr>
+          </a:p>
+          <a:p>
+            <a:pPr indent="0" lvl="0" marL="0" rtl="0" algn="r">
+              <a:lnSpc>
+                <a:spcPct val="150000"/>
+              </a:lnSpc>
+              <a:spcBef>
+                <a:spcPts val="0"/>
+              </a:spcBef>
+              <a:spcAft>
+                <a:spcPts val="0"/>
+              </a:spcAft>
+              <a:buNone/>
+            </a:pPr>
+            <a:r>
+              <a:rPr lang="ru" sz="750">
+                <a:solidFill>
+                  <a:srgbClr val="A31515"/>
+                </a:solidFill>
+                <a:highlight>
+                  <a:srgbClr val="FFFFFF"/>
+                </a:highlight>
+                <a:latin typeface="Courier New"/>
+                <a:ea typeface="Courier New"/>
+                <a:cs typeface="Courier New"/>
+                <a:sym typeface="Courier New"/>
+              </a:rPr>
+              <a:t>Ток фазы A двигателя, А</a:t>
+            </a:r>
+            <a:endParaRPr sz="750">
+              <a:solidFill>
+                <a:srgbClr val="A31515"/>
+              </a:solidFill>
+              <a:highlight>
+                <a:srgbClr val="FFFFFF"/>
+              </a:highlight>
+              <a:latin typeface="Courier New"/>
+              <a:ea typeface="Courier New"/>
+              <a:cs typeface="Courier New"/>
+              <a:sym typeface="Courier New"/>
+            </a:endParaRPr>
+          </a:p>
+        </p:txBody>
+      </p:sp>
+      <p:sp>
+        <p:nvSpPr>
+          <p:cNvPr id="178" name="Google Shape;178;p25"/>
+          <p:cNvSpPr txBox="1"/>
+          <p:nvPr/>
+        </p:nvSpPr>
+        <p:spPr>
+          <a:xfrm>
+            <a:off x="310925" y="3208175"/>
+            <a:ext cx="2939700" cy="615600"/>
+          </a:xfrm>
+          <a:prstGeom prst="rect">
+            <a:avLst/>
+          </a:prstGeom>
+          <a:noFill/>
+          <a:ln>
+            <a:noFill/>
+          </a:ln>
+        </p:spPr>
+        <p:txBody>
+          <a:bodyPr anchorCtr="0" anchor="t" bIns="91425" lIns="91425" spcFirstLastPara="1" rIns="91425" wrap="square" tIns="91425">
+            <a:spAutoFit/>
+          </a:bodyPr>
+          <a:lstStyle/>
+          <a:p>
+            <a:pPr indent="0" lvl="0" marL="0" rtl="0" algn="l">
+              <a:spcBef>
+                <a:spcPts val="0"/>
+              </a:spcBef>
+              <a:spcAft>
+                <a:spcPts val="0"/>
+              </a:spcAft>
+              <a:buNone/>
+            </a:pPr>
+            <a:r>
+              <a:rPr lang="ru">
+                <a:latin typeface="Roboto"/>
+                <a:ea typeface="Roboto"/>
+                <a:cs typeface="Roboto"/>
+                <a:sym typeface="Roboto"/>
+              </a:rPr>
+              <a:t>Средний уровень активации внимания по времени</a:t>
+            </a:r>
+            <a:endParaRPr>
+              <a:latin typeface="Roboto"/>
+              <a:ea typeface="Roboto"/>
+              <a:cs typeface="Roboto"/>
+              <a:sym typeface="Roboto"/>
+            </a:endParaRPr>
+          </a:p>
+        </p:txBody>
+      </p:sp>
+    </p:spTree>
+  </p:cSld>
+  <p:clrMapOvr>
+    <a:masterClrMapping/>
+  </p:clrMapOvr>
+</p:sld>
+</file>
+
+<file path=ppt/slides/slide14.xml><?xml version="1.0" encoding="utf-8"?>
+<p:sld xmlns:a="http://schemas.openxmlformats.org/drawingml/2006/main" xmlns:r="http://schemas.openxmlformats.org/officeDocument/2006/relationships" xmlns:mc="http://schemas.openxmlformats.org/markup-compatibility/2006" xmlns:mv="urn:schemas-microsoft-com:mac:vml" xmlns:p="http://schemas.openxmlformats.org/presentationml/2006/main" xmlns:c="http://schemas.openxmlformats.org/drawingml/2006/chart" xmlns:dgm="http://schemas.openxmlformats.org/drawingml/2006/diagram" xmlns:o="urn:schemas-microsoft-com:office:office" xmlns:v="urn:schemas-microsoft-com:vml" xmlns:pvml="urn:schemas-microsoft-com:office:powerpoint" xmlns:com="http://schemas.openxmlformats.org/drawingml/2006/compatibility" xmlns:p14="http://schemas.microsoft.com/office/powerpoint/2010/main" xmlns:p15="http://schemas.microsoft.com/office/powerpoint/2012/main" xmlns:ahyp="http://schemas.microsoft.com/office/drawing/2018/hyperlinkcolor">
+  <p:cSld>
+    <p:spTree>
+      <p:nvGrpSpPr>
+        <p:cNvPr id="182" name="Shape 182"/>
+        <p:cNvGrpSpPr/>
+        <p:nvPr/>
+      </p:nvGrpSpPr>
+      <p:grpSpPr>
+        <a:xfrm>
+          <a:off x="0" y="0"/>
+          <a:ext cx="0" cy="0"/>
+          <a:chOff x="0" y="0"/>
+          <a:chExt cx="0" cy="0"/>
+        </a:xfrm>
+      </p:grpSpPr>
+      <p:sp>
+        <p:nvSpPr>
+          <p:cNvPr id="183" name="Google Shape;183;p26"/>
+          <p:cNvSpPr txBox="1"/>
+          <p:nvPr>
+            <p:ph type="title"/>
+          </p:nvPr>
+        </p:nvSpPr>
+        <p:spPr>
+          <a:xfrm>
+            <a:off x="311700" y="410000"/>
+            <a:ext cx="8520600" cy="607800"/>
+          </a:xfrm>
+          <a:prstGeom prst="rect">
+            <a:avLst/>
+          </a:prstGeom>
+        </p:spPr>
+        <p:txBody>
+          <a:bodyPr anchorCtr="0" anchor="t" bIns="91425" lIns="91425" spcFirstLastPara="1" rIns="91425" wrap="square" tIns="91425">
+            <a:normAutofit fontScale="90000"/>
+          </a:bodyPr>
+          <a:lstStyle/>
+          <a:p>
+            <a:pPr indent="0" lvl="0" marL="0" rtl="0" algn="l">
+              <a:spcBef>
+                <a:spcPts val="0"/>
+              </a:spcBef>
+              <a:spcAft>
+                <a:spcPts val="0"/>
+              </a:spcAft>
+              <a:buNone/>
+            </a:pPr>
+            <a:r>
+              <a:rPr lang="ru"/>
+              <a:t>Результаты анализа TFT - 2</a:t>
+            </a:r>
+            <a:endParaRPr/>
+          </a:p>
+        </p:txBody>
+      </p:sp>
+      <p:pic>
+        <p:nvPicPr>
+          <p:cNvPr id="184" name="Google Shape;184;p26"/>
+          <p:cNvPicPr preferRelativeResize="0"/>
+          <p:nvPr/>
+        </p:nvPicPr>
+        <p:blipFill rotWithShape="1">
+          <a:blip r:embed="rId3">
+            <a:alphaModFix/>
+          </a:blip>
+          <a:srcRect b="39" l="0" r="0" t="29"/>
+          <a:stretch/>
+        </p:blipFill>
+        <p:spPr>
+          <a:xfrm>
+            <a:off x="4572000" y="1170200"/>
+            <a:ext cx="4214138" cy="3600000"/>
+          </a:xfrm>
+          <a:prstGeom prst="rect">
+            <a:avLst/>
+          </a:prstGeom>
+          <a:noFill/>
+          <a:ln>
+            <a:noFill/>
+          </a:ln>
+        </p:spPr>
+      </p:pic>
+      <p:pic>
+        <p:nvPicPr>
+          <p:cNvPr id="185" name="Google Shape;185;p26"/>
+          <p:cNvPicPr preferRelativeResize="0"/>
+          <p:nvPr/>
+        </p:nvPicPr>
+        <p:blipFill>
+          <a:blip r:embed="rId4">
+            <a:alphaModFix/>
+          </a:blip>
+          <a:stretch>
+            <a:fillRect/>
+          </a:stretch>
+        </p:blipFill>
+        <p:spPr>
+          <a:xfrm>
+            <a:off x="311700" y="1170200"/>
+            <a:ext cx="4032000" cy="3600000"/>
+          </a:xfrm>
+          <a:prstGeom prst="rect">
+            <a:avLst/>
+          </a:prstGeom>
+          <a:noFill/>
+          <a:ln>
+            <a:noFill/>
+          </a:ln>
+        </p:spPr>
+      </p:pic>
+    </p:spTree>
+  </p:cSld>
+  <p:clrMapOvr>
+    <a:masterClrMapping/>
+  </p:clrMapOvr>
+</p:sld>
+</file>
+
+<file path=ppt/slides/slide15.xml><?xml version="1.0" encoding="utf-8"?>
+<p:sld xmlns:a="http://schemas.openxmlformats.org/drawingml/2006/main" xmlns:r="http://schemas.openxmlformats.org/officeDocument/2006/relationships" xmlns:mc="http://schemas.openxmlformats.org/markup-compatibility/2006" xmlns:mv="urn:schemas-microsoft-com:mac:vml" xmlns:p="http://schemas.openxmlformats.org/presentationml/2006/main" xmlns:c="http://schemas.openxmlformats.org/drawingml/2006/chart" xmlns:dgm="http://schemas.openxmlformats.org/drawingml/2006/diagram" xmlns:o="urn:schemas-microsoft-com:office:office" xmlns:v="urn:schemas-microsoft-com:vml" xmlns:pvml="urn:schemas-microsoft-com:office:powerpoint" xmlns:com="http://schemas.openxmlformats.org/drawingml/2006/compatibility" xmlns:p14="http://schemas.microsoft.com/office/powerpoint/2010/main" xmlns:p15="http://schemas.microsoft.com/office/powerpoint/2012/main" xmlns:ahyp="http://schemas.microsoft.com/office/drawing/2018/hyperlinkcolor">
+  <p:cSld>
+    <p:spTree>
+      <p:nvGrpSpPr>
+        <p:cNvPr id="189" name="Shape 189"/>
+        <p:cNvGrpSpPr/>
+        <p:nvPr/>
+      </p:nvGrpSpPr>
+      <p:grpSpPr>
+        <a:xfrm>
+          <a:off x="0" y="0"/>
+          <a:ext cx="0" cy="0"/>
+          <a:chOff x="0" y="0"/>
+          <a:chExt cx="0" cy="0"/>
+        </a:xfrm>
+      </p:grpSpPr>
+      <p:sp>
+        <p:nvSpPr>
+          <p:cNvPr id="190" name="Google Shape;190;p27"/>
+          <p:cNvSpPr txBox="1"/>
+          <p:nvPr>
+            <p:ph type="title"/>
+          </p:nvPr>
+        </p:nvSpPr>
+        <p:spPr>
+          <a:xfrm>
+            <a:off x="311700" y="410000"/>
+            <a:ext cx="8520600" cy="607800"/>
+          </a:xfrm>
+          <a:prstGeom prst="rect">
+            <a:avLst/>
+          </a:prstGeom>
+        </p:spPr>
+        <p:txBody>
+          <a:bodyPr anchorCtr="0" anchor="t" bIns="91425" lIns="91425" spcFirstLastPara="1" rIns="91425" wrap="square" tIns="91425">
+            <a:normAutofit fontScale="90000"/>
+          </a:bodyPr>
+          <a:lstStyle/>
+          <a:p>
+            <a:pPr indent="0" lvl="0" marL="0" rtl="0" algn="l">
+              <a:spcBef>
+                <a:spcPts val="0"/>
+              </a:spcBef>
+              <a:spcAft>
+                <a:spcPts val="0"/>
+              </a:spcAft>
+              <a:buNone/>
+            </a:pPr>
+            <a:r>
+              <a:rPr lang="ru"/>
               <a:t>Результаты</a:t>
             </a:r>
             <a:endParaRPr/>
@@ -11274,7 +12391,7 @@
       </p:sp>
       <p:sp>
         <p:nvSpPr>
-          <p:cNvPr id="175" name="Google Shape;175;p25"/>
+          <p:cNvPr id="191" name="Google Shape;191;p27"/>
           <p:cNvSpPr txBox="1"/>
           <p:nvPr>
             <p:ph idx="1" type="body"/>
@@ -11349,7 +12466,11 @@
             </a:pPr>
             <a:r>
               <a:rPr lang="ru"/>
-              <a:t>Для моделей трансформеров, ряды с более точными прогнозами — близки к финансовым данным, а менее точными — ряды из микроэкономики</a:t>
+              <a:t>Вывод </a:t>
+            </a:r>
+            <a:r>
+              <a:rPr lang="ru"/>
+              <a:t>attention для моделей трансформеров позволяет гибко анализировать и интерпретировать результаты модели</a:t>
             </a:r>
             <a:endParaRPr/>
           </a:p>
@@ -11363,12 +12484,12 @@
 </p:sld>
 </file>
 
-<file path=ppt/slides/slide14.xml><?xml version="1.0" encoding="utf-8"?>
+<file path=ppt/slides/slide16.xml><?xml version="1.0" encoding="utf-8"?>
 <p:sld xmlns:a="http://schemas.openxmlformats.org/drawingml/2006/main" xmlns:r="http://schemas.openxmlformats.org/officeDocument/2006/relationships" xmlns:mc="http://schemas.openxmlformats.org/markup-compatibility/2006" xmlns:mv="urn:schemas-microsoft-com:mac:vml" xmlns:p="http://schemas.openxmlformats.org/presentationml/2006/main" xmlns:c="http://schemas.openxmlformats.org/drawingml/2006/chart" xmlns:dgm="http://schemas.openxmlformats.org/drawingml/2006/diagram" xmlns:o="urn:schemas-microsoft-com:office:office" xmlns:v="urn:schemas-microsoft-com:vml" xmlns:pvml="urn:schemas-microsoft-com:office:powerpoint" xmlns:com="http://schemas.openxmlformats.org/drawingml/2006/compatibility" xmlns:p14="http://schemas.microsoft.com/office/powerpoint/2010/main" xmlns:p15="http://schemas.microsoft.com/office/powerpoint/2012/main" xmlns:ahyp="http://schemas.microsoft.com/office/drawing/2018/hyperlinkcolor">
   <p:cSld>
     <p:spTree>
       <p:nvGrpSpPr>
-        <p:cNvPr id="179" name="Shape 179"/>
+        <p:cNvPr id="195" name="Shape 195"/>
         <p:cNvGrpSpPr/>
         <p:nvPr/>
       </p:nvGrpSpPr>
@@ -11382,7 +12503,445 @@
       </p:grpSpPr>
       <p:sp>
         <p:nvSpPr>
-          <p:cNvPr id="180" name="Google Shape;180;p26"/>
+          <p:cNvPr id="196" name="Google Shape;196;p28"/>
+          <p:cNvSpPr txBox="1"/>
+          <p:nvPr>
+            <p:ph type="title"/>
+          </p:nvPr>
+        </p:nvSpPr>
+        <p:spPr>
+          <a:xfrm>
+            <a:off x="311700" y="410000"/>
+            <a:ext cx="8520600" cy="607800"/>
+          </a:xfrm>
+          <a:prstGeom prst="rect">
+            <a:avLst/>
+          </a:prstGeom>
+        </p:spPr>
+        <p:txBody>
+          <a:bodyPr anchorCtr="0" anchor="t" bIns="91425" lIns="91425" spcFirstLastPara="1" rIns="91425" wrap="square" tIns="91425">
+            <a:normAutofit fontScale="90000"/>
+          </a:bodyPr>
+          <a:lstStyle/>
+          <a:p>
+            <a:pPr indent="0" lvl="0" marL="0" rtl="0" algn="l">
+              <a:spcBef>
+                <a:spcPts val="0"/>
+              </a:spcBef>
+              <a:spcAft>
+                <a:spcPts val="0"/>
+              </a:spcAft>
+              <a:buNone/>
+            </a:pPr>
+            <a:r>
+              <a:rPr lang="ru"/>
+              <a:t>Пример прогноза - TCN</a:t>
+            </a:r>
+            <a:endParaRPr/>
+          </a:p>
+        </p:txBody>
+      </p:sp>
+      <p:pic>
+        <p:nvPicPr>
+          <p:cNvPr id="197" name="Google Shape;197;p28"/>
+          <p:cNvPicPr preferRelativeResize="0"/>
+          <p:nvPr/>
+        </p:nvPicPr>
+        <p:blipFill>
+          <a:blip r:embed="rId3">
+            <a:alphaModFix/>
+          </a:blip>
+          <a:stretch>
+            <a:fillRect/>
+          </a:stretch>
+        </p:blipFill>
+        <p:spPr>
+          <a:xfrm>
+            <a:off x="311700" y="1229875"/>
+            <a:ext cx="5489150" cy="3659426"/>
+          </a:xfrm>
+          <a:prstGeom prst="rect">
+            <a:avLst/>
+          </a:prstGeom>
+          <a:noFill/>
+          <a:ln>
+            <a:noFill/>
+          </a:ln>
+        </p:spPr>
+      </p:pic>
+    </p:spTree>
+  </p:cSld>
+  <p:clrMapOvr>
+    <a:masterClrMapping/>
+  </p:clrMapOvr>
+</p:sld>
+</file>
+
+<file path=ppt/slides/slide17.xml><?xml version="1.0" encoding="utf-8"?>
+<p:sld xmlns:a="http://schemas.openxmlformats.org/drawingml/2006/main" xmlns:r="http://schemas.openxmlformats.org/officeDocument/2006/relationships" xmlns:mc="http://schemas.openxmlformats.org/markup-compatibility/2006" xmlns:mv="urn:schemas-microsoft-com:mac:vml" xmlns:p="http://schemas.openxmlformats.org/presentationml/2006/main" xmlns:c="http://schemas.openxmlformats.org/drawingml/2006/chart" xmlns:dgm="http://schemas.openxmlformats.org/drawingml/2006/diagram" xmlns:o="urn:schemas-microsoft-com:office:office" xmlns:v="urn:schemas-microsoft-com:vml" xmlns:pvml="urn:schemas-microsoft-com:office:powerpoint" xmlns:com="http://schemas.openxmlformats.org/drawingml/2006/compatibility" xmlns:p14="http://schemas.microsoft.com/office/powerpoint/2010/main" xmlns:p15="http://schemas.microsoft.com/office/powerpoint/2012/main" xmlns:ahyp="http://schemas.microsoft.com/office/drawing/2018/hyperlinkcolor">
+  <p:cSld>
+    <p:spTree>
+      <p:nvGrpSpPr>
+        <p:cNvPr id="201" name="Shape 201"/>
+        <p:cNvGrpSpPr/>
+        <p:nvPr/>
+      </p:nvGrpSpPr>
+      <p:grpSpPr>
+        <a:xfrm>
+          <a:off x="0" y="0"/>
+          <a:ext cx="0" cy="0"/>
+          <a:chOff x="0" y="0"/>
+          <a:chExt cx="0" cy="0"/>
+        </a:xfrm>
+      </p:grpSpPr>
+      <p:sp>
+        <p:nvSpPr>
+          <p:cNvPr id="202" name="Google Shape;202;p29"/>
+          <p:cNvSpPr txBox="1"/>
+          <p:nvPr>
+            <p:ph type="title"/>
+          </p:nvPr>
+        </p:nvSpPr>
+        <p:spPr>
+          <a:xfrm>
+            <a:off x="311700" y="410000"/>
+            <a:ext cx="8520600" cy="607800"/>
+          </a:xfrm>
+          <a:prstGeom prst="rect">
+            <a:avLst/>
+          </a:prstGeom>
+        </p:spPr>
+        <p:txBody>
+          <a:bodyPr anchorCtr="0" anchor="t" bIns="91425" lIns="91425" spcFirstLastPara="1" rIns="91425" wrap="square" tIns="91425">
+            <a:normAutofit fontScale="90000"/>
+          </a:bodyPr>
+          <a:lstStyle/>
+          <a:p>
+            <a:pPr indent="0" lvl="0" marL="0" rtl="0" algn="l">
+              <a:spcBef>
+                <a:spcPts val="0"/>
+              </a:spcBef>
+              <a:spcAft>
+                <a:spcPts val="0"/>
+              </a:spcAft>
+              <a:buNone/>
+            </a:pPr>
+            <a:r>
+              <a:rPr lang="ru"/>
+              <a:t>Пример прогноза - Transformer</a:t>
+            </a:r>
+            <a:endParaRPr/>
+          </a:p>
+        </p:txBody>
+      </p:sp>
+      <p:pic>
+        <p:nvPicPr>
+          <p:cNvPr id="203" name="Google Shape;203;p29"/>
+          <p:cNvPicPr preferRelativeResize="0"/>
+          <p:nvPr/>
+        </p:nvPicPr>
+        <p:blipFill rotWithShape="1">
+          <a:blip r:embed="rId3">
+            <a:alphaModFix/>
+          </a:blip>
+          <a:srcRect b="0" l="0" r="0" t="0"/>
+          <a:stretch/>
+        </p:blipFill>
+        <p:spPr>
+          <a:xfrm>
+            <a:off x="311700" y="1229875"/>
+            <a:ext cx="5489150" cy="3659426"/>
+          </a:xfrm>
+          <a:prstGeom prst="rect">
+            <a:avLst/>
+          </a:prstGeom>
+          <a:noFill/>
+          <a:ln>
+            <a:noFill/>
+          </a:ln>
+        </p:spPr>
+      </p:pic>
+    </p:spTree>
+  </p:cSld>
+  <p:clrMapOvr>
+    <a:masterClrMapping/>
+  </p:clrMapOvr>
+</p:sld>
+</file>
+
+<file path=ppt/slides/slide18.xml><?xml version="1.0" encoding="utf-8"?>
+<p:sld xmlns:a="http://schemas.openxmlformats.org/drawingml/2006/main" xmlns:r="http://schemas.openxmlformats.org/officeDocument/2006/relationships" xmlns:mc="http://schemas.openxmlformats.org/markup-compatibility/2006" xmlns:mv="urn:schemas-microsoft-com:mac:vml" xmlns:p="http://schemas.openxmlformats.org/presentationml/2006/main" xmlns:c="http://schemas.openxmlformats.org/drawingml/2006/chart" xmlns:dgm="http://schemas.openxmlformats.org/drawingml/2006/diagram" xmlns:o="urn:schemas-microsoft-com:office:office" xmlns:v="urn:schemas-microsoft-com:vml" xmlns:pvml="urn:schemas-microsoft-com:office:powerpoint" xmlns:com="http://schemas.openxmlformats.org/drawingml/2006/compatibility" xmlns:p14="http://schemas.microsoft.com/office/powerpoint/2010/main" xmlns:p15="http://schemas.microsoft.com/office/powerpoint/2012/main" xmlns:ahyp="http://schemas.microsoft.com/office/drawing/2018/hyperlinkcolor">
+  <p:cSld>
+    <p:spTree>
+      <p:nvGrpSpPr>
+        <p:cNvPr id="207" name="Shape 207"/>
+        <p:cNvGrpSpPr/>
+        <p:nvPr/>
+      </p:nvGrpSpPr>
+      <p:grpSpPr>
+        <a:xfrm>
+          <a:off x="0" y="0"/>
+          <a:ext cx="0" cy="0"/>
+          <a:chOff x="0" y="0"/>
+          <a:chExt cx="0" cy="0"/>
+        </a:xfrm>
+      </p:grpSpPr>
+      <p:sp>
+        <p:nvSpPr>
+          <p:cNvPr id="208" name="Google Shape;208;p30"/>
+          <p:cNvSpPr txBox="1"/>
+          <p:nvPr>
+            <p:ph type="title"/>
+          </p:nvPr>
+        </p:nvSpPr>
+        <p:spPr>
+          <a:xfrm>
+            <a:off x="311700" y="410000"/>
+            <a:ext cx="8520600" cy="607800"/>
+          </a:xfrm>
+          <a:prstGeom prst="rect">
+            <a:avLst/>
+          </a:prstGeom>
+        </p:spPr>
+        <p:txBody>
+          <a:bodyPr anchorCtr="0" anchor="t" bIns="91425" lIns="91425" spcFirstLastPara="1" rIns="91425" wrap="square" tIns="91425">
+            <a:normAutofit fontScale="90000"/>
+          </a:bodyPr>
+          <a:lstStyle/>
+          <a:p>
+            <a:pPr indent="0" lvl="0" marL="0" rtl="0" algn="l">
+              <a:spcBef>
+                <a:spcPts val="0"/>
+              </a:spcBef>
+              <a:spcAft>
+                <a:spcPts val="0"/>
+              </a:spcAft>
+              <a:buNone/>
+            </a:pPr>
+            <a:r>
+              <a:rPr lang="ru"/>
+              <a:t>Пример прогноза - N-Beats</a:t>
+            </a:r>
+            <a:endParaRPr/>
+          </a:p>
+        </p:txBody>
+      </p:sp>
+      <p:pic>
+        <p:nvPicPr>
+          <p:cNvPr id="209" name="Google Shape;209;p30"/>
+          <p:cNvPicPr preferRelativeResize="0"/>
+          <p:nvPr/>
+        </p:nvPicPr>
+        <p:blipFill rotWithShape="1">
+          <a:blip r:embed="rId3">
+            <a:alphaModFix/>
+          </a:blip>
+          <a:srcRect b="0" l="0" r="0" t="0"/>
+          <a:stretch/>
+        </p:blipFill>
+        <p:spPr>
+          <a:xfrm>
+            <a:off x="311700" y="1229875"/>
+            <a:ext cx="5489150" cy="3659426"/>
+          </a:xfrm>
+          <a:prstGeom prst="rect">
+            <a:avLst/>
+          </a:prstGeom>
+          <a:noFill/>
+          <a:ln>
+            <a:noFill/>
+          </a:ln>
+        </p:spPr>
+      </p:pic>
+    </p:spTree>
+  </p:cSld>
+  <p:clrMapOvr>
+    <a:masterClrMapping/>
+  </p:clrMapOvr>
+</p:sld>
+</file>
+
+<file path=ppt/slides/slide19.xml><?xml version="1.0" encoding="utf-8"?>
+<p:sld xmlns:a="http://schemas.openxmlformats.org/drawingml/2006/main" xmlns:r="http://schemas.openxmlformats.org/officeDocument/2006/relationships" xmlns:mc="http://schemas.openxmlformats.org/markup-compatibility/2006" xmlns:mv="urn:schemas-microsoft-com:mac:vml" xmlns:p="http://schemas.openxmlformats.org/presentationml/2006/main" xmlns:c="http://schemas.openxmlformats.org/drawingml/2006/chart" xmlns:dgm="http://schemas.openxmlformats.org/drawingml/2006/diagram" xmlns:o="urn:schemas-microsoft-com:office:office" xmlns:v="urn:schemas-microsoft-com:vml" xmlns:pvml="urn:schemas-microsoft-com:office:powerpoint" xmlns:com="http://schemas.openxmlformats.org/drawingml/2006/compatibility" xmlns:p14="http://schemas.microsoft.com/office/powerpoint/2010/main" xmlns:p15="http://schemas.microsoft.com/office/powerpoint/2012/main" xmlns:ahyp="http://schemas.microsoft.com/office/drawing/2018/hyperlinkcolor">
+  <p:cSld>
+    <p:spTree>
+      <p:nvGrpSpPr>
+        <p:cNvPr id="213" name="Shape 213"/>
+        <p:cNvGrpSpPr/>
+        <p:nvPr/>
+      </p:nvGrpSpPr>
+      <p:grpSpPr>
+        <a:xfrm>
+          <a:off x="0" y="0"/>
+          <a:ext cx="0" cy="0"/>
+          <a:chOff x="0" y="0"/>
+          <a:chExt cx="0" cy="0"/>
+        </a:xfrm>
+      </p:grpSpPr>
+      <p:sp>
+        <p:nvSpPr>
+          <p:cNvPr id="214" name="Google Shape;214;p31"/>
+          <p:cNvSpPr txBox="1"/>
+          <p:nvPr>
+            <p:ph type="title"/>
+          </p:nvPr>
+        </p:nvSpPr>
+        <p:spPr>
+          <a:xfrm>
+            <a:off x="311700" y="410000"/>
+            <a:ext cx="8520600" cy="607800"/>
+          </a:xfrm>
+          <a:prstGeom prst="rect">
+            <a:avLst/>
+          </a:prstGeom>
+        </p:spPr>
+        <p:txBody>
+          <a:bodyPr anchorCtr="0" anchor="t" bIns="91425" lIns="91425" spcFirstLastPara="1" rIns="91425" wrap="square" tIns="91425">
+            <a:normAutofit fontScale="90000"/>
+          </a:bodyPr>
+          <a:lstStyle/>
+          <a:p>
+            <a:pPr indent="0" lvl="0" marL="0" rtl="0" algn="l">
+              <a:spcBef>
+                <a:spcPts val="0"/>
+              </a:spcBef>
+              <a:spcAft>
+                <a:spcPts val="0"/>
+              </a:spcAft>
+              <a:buNone/>
+            </a:pPr>
+            <a:r>
+              <a:rPr lang="ru"/>
+              <a:t>Пример прогноза - Time Fusion Transformers</a:t>
+            </a:r>
+            <a:endParaRPr/>
+          </a:p>
+        </p:txBody>
+      </p:sp>
+      <p:pic>
+        <p:nvPicPr>
+          <p:cNvPr id="215" name="Google Shape;215;p31"/>
+          <p:cNvPicPr preferRelativeResize="0"/>
+          <p:nvPr/>
+        </p:nvPicPr>
+        <p:blipFill rotWithShape="1">
+          <a:blip r:embed="rId3">
+            <a:alphaModFix/>
+          </a:blip>
+          <a:srcRect b="0" l="0" r="0" t="0"/>
+          <a:stretch/>
+        </p:blipFill>
+        <p:spPr>
+          <a:xfrm>
+            <a:off x="311700" y="1229875"/>
+            <a:ext cx="5489150" cy="3659426"/>
+          </a:xfrm>
+          <a:prstGeom prst="rect">
+            <a:avLst/>
+          </a:prstGeom>
+          <a:noFill/>
+          <a:ln>
+            <a:noFill/>
+          </a:ln>
+        </p:spPr>
+      </p:pic>
+    </p:spTree>
+  </p:cSld>
+  <p:clrMapOvr>
+    <a:masterClrMapping/>
+  </p:clrMapOvr>
+</p:sld>
+</file>
+
+<file path=ppt/slides/slide2.xml><?xml version="1.0" encoding="utf-8"?>
+<p:sld xmlns:a="http://schemas.openxmlformats.org/drawingml/2006/main" xmlns:r="http://schemas.openxmlformats.org/officeDocument/2006/relationships" xmlns:mc="http://schemas.openxmlformats.org/markup-compatibility/2006" xmlns:mv="urn:schemas-microsoft-com:mac:vml" xmlns:p="http://schemas.openxmlformats.org/presentationml/2006/main" xmlns:c="http://schemas.openxmlformats.org/drawingml/2006/chart" xmlns:dgm="http://schemas.openxmlformats.org/drawingml/2006/diagram" xmlns:o="urn:schemas-microsoft-com:office:office" xmlns:v="urn:schemas-microsoft-com:vml" xmlns:pvml="urn:schemas-microsoft-com:office:powerpoint" xmlns:com="http://schemas.openxmlformats.org/drawingml/2006/compatibility" xmlns:p14="http://schemas.microsoft.com/office/powerpoint/2010/main" xmlns:p15="http://schemas.microsoft.com/office/powerpoint/2012/main" xmlns:ahyp="http://schemas.microsoft.com/office/drawing/2018/hyperlinkcolor">
+  <p:cSld>
+    <p:spTree>
+      <p:nvGrpSpPr>
+        <p:cNvPr id="90" name="Shape 90"/>
+        <p:cNvGrpSpPr/>
+        <p:nvPr/>
+      </p:nvGrpSpPr>
+      <p:grpSpPr>
+        <a:xfrm>
+          <a:off x="0" y="0"/>
+          <a:ext cx="0" cy="0"/>
+          <a:chOff x="0" y="0"/>
+          <a:chExt cx="0" cy="0"/>
+        </a:xfrm>
+      </p:grpSpPr>
+      <p:sp>
+        <p:nvSpPr>
+          <p:cNvPr id="91" name="Google Shape;91;p14"/>
+          <p:cNvSpPr txBox="1"/>
+          <p:nvPr>
+            <p:ph type="title"/>
+          </p:nvPr>
+        </p:nvSpPr>
+        <p:spPr>
+          <a:xfrm>
+            <a:off x="490250" y="526350"/>
+            <a:ext cx="6663300" cy="4090800"/>
+          </a:xfrm>
+          <a:prstGeom prst="rect">
+            <a:avLst/>
+          </a:prstGeom>
+        </p:spPr>
+        <p:txBody>
+          <a:bodyPr anchorCtr="0" anchor="ctr" bIns="91425" lIns="91425" spcFirstLastPara="1" rIns="91425" wrap="square" tIns="91425">
+            <a:normAutofit/>
+          </a:bodyPr>
+          <a:lstStyle/>
+          <a:p>
+            <a:pPr indent="0" lvl="0" marL="0" rtl="0" algn="l">
+              <a:spcBef>
+                <a:spcPts val="0"/>
+              </a:spcBef>
+              <a:spcAft>
+                <a:spcPts val="0"/>
+              </a:spcAft>
+              <a:buNone/>
+            </a:pPr>
+            <a:r>
+              <a:rPr lang="ru" sz="4200"/>
+              <a:t>Построить прогноз производительности нефтяного центробежного насоса с </a:t>
+            </a:r>
+            <a:r>
+              <a:rPr lang="ru" sz="4200"/>
+              <a:t>SOTA алгоритмами и сравнить их качество.</a:t>
+            </a:r>
+            <a:endParaRPr/>
+          </a:p>
+        </p:txBody>
+      </p:sp>
+    </p:spTree>
+  </p:cSld>
+  <p:clrMapOvr>
+    <a:masterClrMapping/>
+  </p:clrMapOvr>
+</p:sld>
+</file>
+
+<file path=ppt/slides/slide20.xml><?xml version="1.0" encoding="utf-8"?>
+<p:sld xmlns:a="http://schemas.openxmlformats.org/drawingml/2006/main" xmlns:r="http://schemas.openxmlformats.org/officeDocument/2006/relationships" xmlns:mc="http://schemas.openxmlformats.org/markup-compatibility/2006" xmlns:mv="urn:schemas-microsoft-com:mac:vml" xmlns:p="http://schemas.openxmlformats.org/presentationml/2006/main" xmlns:c="http://schemas.openxmlformats.org/drawingml/2006/chart" xmlns:dgm="http://schemas.openxmlformats.org/drawingml/2006/diagram" xmlns:o="urn:schemas-microsoft-com:office:office" xmlns:v="urn:schemas-microsoft-com:vml" xmlns:pvml="urn:schemas-microsoft-com:office:powerpoint" xmlns:com="http://schemas.openxmlformats.org/drawingml/2006/compatibility" xmlns:p14="http://schemas.microsoft.com/office/powerpoint/2010/main" xmlns:p15="http://schemas.microsoft.com/office/powerpoint/2012/main" xmlns:ahyp="http://schemas.microsoft.com/office/drawing/2018/hyperlinkcolor">
+  <p:cSld>
+    <p:spTree>
+      <p:nvGrpSpPr>
+        <p:cNvPr id="219" name="Shape 219"/>
+        <p:cNvGrpSpPr/>
+        <p:nvPr/>
+      </p:nvGrpSpPr>
+      <p:grpSpPr>
+        <a:xfrm>
+          <a:off x="0" y="0"/>
+          <a:ext cx="0" cy="0"/>
+          <a:chOff x="0" y="0"/>
+          <a:chExt cx="0" cy="0"/>
+        </a:xfrm>
+      </p:grpSpPr>
+      <p:sp>
+        <p:nvSpPr>
+          <p:cNvPr id="220" name="Google Shape;220;p32"/>
           <p:cNvSpPr txBox="1"/>
           <p:nvPr>
             <p:ph type="title"/>
@@ -11428,12 +12987,12 @@
 </p:sld>
 </file>
 
-<file path=ppt/slides/slide15.xml><?xml version="1.0" encoding="utf-8"?>
+<file path=ppt/slides/slide21.xml><?xml version="1.0" encoding="utf-8"?>
 <p:sld xmlns:a="http://schemas.openxmlformats.org/drawingml/2006/main" xmlns:r="http://schemas.openxmlformats.org/officeDocument/2006/relationships" xmlns:mc="http://schemas.openxmlformats.org/markup-compatibility/2006" xmlns:mv="urn:schemas-microsoft-com:mac:vml" xmlns:p="http://schemas.openxmlformats.org/presentationml/2006/main" xmlns:c="http://schemas.openxmlformats.org/drawingml/2006/chart" xmlns:dgm="http://schemas.openxmlformats.org/drawingml/2006/diagram" xmlns:o="urn:schemas-microsoft-com:office:office" xmlns:v="urn:schemas-microsoft-com:vml" xmlns:pvml="urn:schemas-microsoft-com:office:powerpoint" xmlns:com="http://schemas.openxmlformats.org/drawingml/2006/compatibility" xmlns:p14="http://schemas.microsoft.com/office/powerpoint/2010/main" xmlns:p15="http://schemas.microsoft.com/office/powerpoint/2012/main" xmlns:ahyp="http://schemas.microsoft.com/office/drawing/2018/hyperlinkcolor">
   <p:cSld>
     <p:spTree>
       <p:nvGrpSpPr>
-        <p:cNvPr id="184" name="Shape 184"/>
+        <p:cNvPr id="224" name="Shape 224"/>
         <p:cNvGrpSpPr/>
         <p:nvPr/>
       </p:nvGrpSpPr>
@@ -11447,7 +13006,7 @@
       </p:grpSpPr>
       <p:sp>
         <p:nvSpPr>
-          <p:cNvPr id="185" name="Google Shape;185;p27"/>
+          <p:cNvPr id="225" name="Google Shape;225;p33"/>
           <p:cNvSpPr txBox="1"/>
           <p:nvPr>
             <p:ph type="title"/>
@@ -11487,7 +13046,7 @@
       </p:sp>
       <p:sp>
         <p:nvSpPr>
-          <p:cNvPr id="186" name="Google Shape;186;p27"/>
+          <p:cNvPr id="226" name="Google Shape;226;p33"/>
           <p:cNvSpPr txBox="1"/>
           <p:nvPr>
             <p:ph idx="1" type="body"/>
@@ -11560,7 +13119,7 @@
       </p:sp>
       <p:pic>
         <p:nvPicPr>
-          <p:cNvPr id="187" name="Google Shape;187;p27"/>
+          <p:cNvPr id="227" name="Google Shape;227;p33"/>
           <p:cNvPicPr preferRelativeResize="0"/>
           <p:nvPr/>
         </p:nvPicPr>
@@ -11588,7 +13147,7 @@
       </p:pic>
       <p:graphicFrame>
         <p:nvGraphicFramePr>
-          <p:cNvPr id="188" name="Google Shape;188;p27"/>
+          <p:cNvPr id="228" name="Google Shape;228;p33"/>
           <p:cNvGraphicFramePr/>
           <p:nvPr/>
         </p:nvGraphicFramePr>
@@ -11601,7 +13160,7 @@
             <a:tbl>
               <a:tblPr>
                 <a:noFill/>
-                <a:tableStyleId>{714B78C0-0A7A-475E-99C5-15C07117AE73}</a:tableStyleId>
+                <a:tableStyleId>{CCFC997F-C227-41A0-B9B7-EC77BE5A711D}</a:tableStyleId>
               </a:tblPr>
               <a:tblGrid>
                 <a:gridCol w="2165775"/>
@@ -12577,7 +14136,7 @@
       </p:graphicFrame>
       <p:sp>
         <p:nvSpPr>
-          <p:cNvPr id="189" name="Google Shape;189;p27"/>
+          <p:cNvPr id="229" name="Google Shape;229;p33"/>
           <p:cNvSpPr txBox="1"/>
           <p:nvPr/>
         </p:nvSpPr>
@@ -12635,12 +14194,12 @@
 </p:sld>
 </file>
 
-<file path=ppt/slides/slide16.xml><?xml version="1.0" encoding="utf-8"?>
+<file path=ppt/slides/slide22.xml><?xml version="1.0" encoding="utf-8"?>
 <p:sld xmlns:a="http://schemas.openxmlformats.org/drawingml/2006/main" xmlns:r="http://schemas.openxmlformats.org/officeDocument/2006/relationships" xmlns:mc="http://schemas.openxmlformats.org/markup-compatibility/2006" xmlns:mv="urn:schemas-microsoft-com:mac:vml" xmlns:p="http://schemas.openxmlformats.org/presentationml/2006/main" xmlns:c="http://schemas.openxmlformats.org/drawingml/2006/chart" xmlns:dgm="http://schemas.openxmlformats.org/drawingml/2006/diagram" xmlns:o="urn:schemas-microsoft-com:office:office" xmlns:v="urn:schemas-microsoft-com:vml" xmlns:pvml="urn:schemas-microsoft-com:office:powerpoint" xmlns:com="http://schemas.openxmlformats.org/drawingml/2006/compatibility" xmlns:p14="http://schemas.microsoft.com/office/powerpoint/2010/main" xmlns:p15="http://schemas.microsoft.com/office/powerpoint/2012/main" xmlns:ahyp="http://schemas.microsoft.com/office/drawing/2018/hyperlinkcolor">
   <p:cSld>
     <p:spTree>
       <p:nvGrpSpPr>
-        <p:cNvPr id="193" name="Shape 193"/>
+        <p:cNvPr id="233" name="Shape 233"/>
         <p:cNvGrpSpPr/>
         <p:nvPr/>
       </p:nvGrpSpPr>
@@ -12654,7 +14213,7 @@
       </p:grpSpPr>
       <p:sp>
         <p:nvSpPr>
-          <p:cNvPr id="194" name="Google Shape;194;p28"/>
+          <p:cNvPr id="234" name="Google Shape;234;p34"/>
           <p:cNvSpPr txBox="1"/>
           <p:nvPr>
             <p:ph type="title"/>
@@ -12694,7 +14253,7 @@
       </p:sp>
       <p:pic>
         <p:nvPicPr>
-          <p:cNvPr id="195" name="Google Shape;195;p28"/>
+          <p:cNvPr id="235" name="Google Shape;235;p34"/>
           <p:cNvPicPr preferRelativeResize="0"/>
           <p:nvPr/>
         </p:nvPicPr>
@@ -12722,7 +14281,7 @@
       </p:pic>
       <p:pic>
         <p:nvPicPr>
-          <p:cNvPr id="196" name="Google Shape;196;p28"/>
+          <p:cNvPr id="236" name="Google Shape;236;p34"/>
           <p:cNvPicPr preferRelativeResize="0"/>
           <p:nvPr/>
         </p:nvPicPr>
@@ -12750,7 +14309,7 @@
       </p:pic>
       <p:pic>
         <p:nvPicPr>
-          <p:cNvPr id="197" name="Google Shape;197;p28"/>
+          <p:cNvPr id="237" name="Google Shape;237;p34"/>
           <p:cNvPicPr preferRelativeResize="0"/>
           <p:nvPr/>
         </p:nvPicPr>
@@ -12784,12 +14343,12 @@
 </p:sld>
 </file>
 
-<file path=ppt/slides/slide17.xml><?xml version="1.0" encoding="utf-8"?>
+<file path=ppt/slides/slide23.xml><?xml version="1.0" encoding="utf-8"?>
 <p:sld xmlns:a="http://schemas.openxmlformats.org/drawingml/2006/main" xmlns:r="http://schemas.openxmlformats.org/officeDocument/2006/relationships" xmlns:mc="http://schemas.openxmlformats.org/markup-compatibility/2006" xmlns:mv="urn:schemas-microsoft-com:mac:vml" xmlns:p="http://schemas.openxmlformats.org/presentationml/2006/main" xmlns:c="http://schemas.openxmlformats.org/drawingml/2006/chart" xmlns:dgm="http://schemas.openxmlformats.org/drawingml/2006/diagram" xmlns:o="urn:schemas-microsoft-com:office:office" xmlns:v="urn:schemas-microsoft-com:vml" xmlns:pvml="urn:schemas-microsoft-com:office:powerpoint" xmlns:com="http://schemas.openxmlformats.org/drawingml/2006/compatibility" xmlns:p14="http://schemas.microsoft.com/office/powerpoint/2010/main" xmlns:p15="http://schemas.microsoft.com/office/powerpoint/2012/main" xmlns:ahyp="http://schemas.microsoft.com/office/drawing/2018/hyperlinkcolor">
   <p:cSld>
     <p:spTree>
       <p:nvGrpSpPr>
-        <p:cNvPr id="201" name="Shape 201"/>
+        <p:cNvPr id="241" name="Shape 241"/>
         <p:cNvGrpSpPr/>
         <p:nvPr/>
       </p:nvGrpSpPr>
@@ -12803,7 +14362,7 @@
       </p:grpSpPr>
       <p:sp>
         <p:nvSpPr>
-          <p:cNvPr id="202" name="Google Shape;202;p29"/>
+          <p:cNvPr id="242" name="Google Shape;242;p35"/>
           <p:cNvSpPr txBox="1"/>
           <p:nvPr>
             <p:ph type="title"/>
@@ -12849,12 +14408,12 @@
 </p:sld>
 </file>
 
-<file path=ppt/slides/slide18.xml><?xml version="1.0" encoding="utf-8"?>
+<file path=ppt/slides/slide24.xml><?xml version="1.0" encoding="utf-8"?>
 <p:sld xmlns:a="http://schemas.openxmlformats.org/drawingml/2006/main" xmlns:r="http://schemas.openxmlformats.org/officeDocument/2006/relationships" xmlns:mc="http://schemas.openxmlformats.org/markup-compatibility/2006" xmlns:mv="urn:schemas-microsoft-com:mac:vml" xmlns:p="http://schemas.openxmlformats.org/presentationml/2006/main" xmlns:c="http://schemas.openxmlformats.org/drawingml/2006/chart" xmlns:dgm="http://schemas.openxmlformats.org/drawingml/2006/diagram" xmlns:o="urn:schemas-microsoft-com:office:office" xmlns:v="urn:schemas-microsoft-com:vml" xmlns:pvml="urn:schemas-microsoft-com:office:powerpoint" xmlns:com="http://schemas.openxmlformats.org/drawingml/2006/compatibility" xmlns:p14="http://schemas.microsoft.com/office/powerpoint/2010/main" xmlns:p15="http://schemas.microsoft.com/office/powerpoint/2012/main" xmlns:ahyp="http://schemas.microsoft.com/office/drawing/2018/hyperlinkcolor">
   <p:cSld>
     <p:spTree>
       <p:nvGrpSpPr>
-        <p:cNvPr id="206" name="Shape 206"/>
+        <p:cNvPr id="246" name="Shape 246"/>
         <p:cNvGrpSpPr/>
         <p:nvPr/>
       </p:nvGrpSpPr>
@@ -12868,7 +14427,7 @@
       </p:grpSpPr>
       <p:sp>
         <p:nvSpPr>
-          <p:cNvPr id="207" name="Google Shape;207;p30"/>
+          <p:cNvPr id="247" name="Google Shape;247;p36"/>
           <p:cNvSpPr txBox="1"/>
           <p:nvPr>
             <p:ph idx="1" type="body"/>
@@ -12914,12 +14473,12 @@
 </p:sld>
 </file>
 
-<file path=ppt/slides/slide19.xml><?xml version="1.0" encoding="utf-8"?>
+<file path=ppt/slides/slide25.xml><?xml version="1.0" encoding="utf-8"?>
 <p:sld xmlns:a="http://schemas.openxmlformats.org/drawingml/2006/main" xmlns:r="http://schemas.openxmlformats.org/officeDocument/2006/relationships" xmlns:mc="http://schemas.openxmlformats.org/markup-compatibility/2006" xmlns:mv="urn:schemas-microsoft-com:mac:vml" xmlns:p="http://schemas.openxmlformats.org/presentationml/2006/main" xmlns:c="http://schemas.openxmlformats.org/drawingml/2006/chart" xmlns:dgm="http://schemas.openxmlformats.org/drawingml/2006/diagram" xmlns:o="urn:schemas-microsoft-com:office:office" xmlns:v="urn:schemas-microsoft-com:vml" xmlns:pvml="urn:schemas-microsoft-com:office:powerpoint" xmlns:com="http://schemas.openxmlformats.org/drawingml/2006/compatibility" xmlns:p14="http://schemas.microsoft.com/office/powerpoint/2010/main" xmlns:p15="http://schemas.microsoft.com/office/powerpoint/2012/main" xmlns:ahyp="http://schemas.microsoft.com/office/drawing/2018/hyperlinkcolor">
   <p:cSld>
     <p:spTree>
       <p:nvGrpSpPr>
-        <p:cNvPr id="211" name="Shape 211"/>
+        <p:cNvPr id="251" name="Shape 251"/>
         <p:cNvGrpSpPr/>
         <p:nvPr/>
       </p:nvGrpSpPr>
@@ -12933,7 +14492,7 @@
       </p:grpSpPr>
       <p:sp>
         <p:nvSpPr>
-          <p:cNvPr id="212" name="Google Shape;212;p31"/>
+          <p:cNvPr id="252" name="Google Shape;252;p37"/>
           <p:cNvSpPr txBox="1"/>
           <p:nvPr>
             <p:ph type="title"/>
@@ -12973,7 +14532,7 @@
       </p:sp>
       <p:pic>
         <p:nvPicPr>
-          <p:cNvPr id="213" name="Google Shape;213;p31"/>
+          <p:cNvPr id="253" name="Google Shape;253;p37"/>
           <p:cNvPicPr preferRelativeResize="0"/>
           <p:nvPr/>
         </p:nvPicPr>
@@ -12989,444 +14548,6 @@
           <a:xfrm>
             <a:off x="311700" y="924375"/>
             <a:ext cx="6876326" cy="3997047"/>
-          </a:xfrm>
-          <a:prstGeom prst="rect">
-            <a:avLst/>
-          </a:prstGeom>
-          <a:noFill/>
-          <a:ln>
-            <a:noFill/>
-          </a:ln>
-        </p:spPr>
-      </p:pic>
-    </p:spTree>
-  </p:cSld>
-  <p:clrMapOvr>
-    <a:masterClrMapping/>
-  </p:clrMapOvr>
-</p:sld>
-</file>
-
-<file path=ppt/slides/slide2.xml><?xml version="1.0" encoding="utf-8"?>
-<p:sld xmlns:a="http://schemas.openxmlformats.org/drawingml/2006/main" xmlns:r="http://schemas.openxmlformats.org/officeDocument/2006/relationships" xmlns:mc="http://schemas.openxmlformats.org/markup-compatibility/2006" xmlns:mv="urn:schemas-microsoft-com:mac:vml" xmlns:p="http://schemas.openxmlformats.org/presentationml/2006/main" xmlns:c="http://schemas.openxmlformats.org/drawingml/2006/chart" xmlns:dgm="http://schemas.openxmlformats.org/drawingml/2006/diagram" xmlns:o="urn:schemas-microsoft-com:office:office" xmlns:v="urn:schemas-microsoft-com:vml" xmlns:pvml="urn:schemas-microsoft-com:office:powerpoint" xmlns:com="http://schemas.openxmlformats.org/drawingml/2006/compatibility" xmlns:p14="http://schemas.microsoft.com/office/powerpoint/2010/main" xmlns:p15="http://schemas.microsoft.com/office/powerpoint/2012/main" xmlns:ahyp="http://schemas.microsoft.com/office/drawing/2018/hyperlinkcolor">
-  <p:cSld>
-    <p:spTree>
-      <p:nvGrpSpPr>
-        <p:cNvPr id="90" name="Shape 90"/>
-        <p:cNvGrpSpPr/>
-        <p:nvPr/>
-      </p:nvGrpSpPr>
-      <p:grpSpPr>
-        <a:xfrm>
-          <a:off x="0" y="0"/>
-          <a:ext cx="0" cy="0"/>
-          <a:chOff x="0" y="0"/>
-          <a:chExt cx="0" cy="0"/>
-        </a:xfrm>
-      </p:grpSpPr>
-      <p:sp>
-        <p:nvSpPr>
-          <p:cNvPr id="91" name="Google Shape;91;p14"/>
-          <p:cNvSpPr txBox="1"/>
-          <p:nvPr>
-            <p:ph type="title"/>
-          </p:nvPr>
-        </p:nvSpPr>
-        <p:spPr>
-          <a:xfrm>
-            <a:off x="490250" y="526350"/>
-            <a:ext cx="6663300" cy="4090800"/>
-          </a:xfrm>
-          <a:prstGeom prst="rect">
-            <a:avLst/>
-          </a:prstGeom>
-        </p:spPr>
-        <p:txBody>
-          <a:bodyPr anchorCtr="0" anchor="ctr" bIns="91425" lIns="91425" spcFirstLastPara="1" rIns="91425" wrap="square" tIns="91425">
-            <a:normAutofit/>
-          </a:bodyPr>
-          <a:lstStyle/>
-          <a:p>
-            <a:pPr indent="0" lvl="0" marL="0" rtl="0" algn="l">
-              <a:spcBef>
-                <a:spcPts val="0"/>
-              </a:spcBef>
-              <a:spcAft>
-                <a:spcPts val="0"/>
-              </a:spcAft>
-              <a:buNone/>
-            </a:pPr>
-            <a:r>
-              <a:rPr lang="ru" sz="4200"/>
-              <a:t>Построить прогноз производительности нефтяного центробежного насоса с </a:t>
-            </a:r>
-            <a:r>
-              <a:rPr lang="ru" sz="4200"/>
-              <a:t>SOTA алгоритмами и сравнить их качество.</a:t>
-            </a:r>
-            <a:endParaRPr/>
-          </a:p>
-        </p:txBody>
-      </p:sp>
-    </p:spTree>
-  </p:cSld>
-  <p:clrMapOvr>
-    <a:masterClrMapping/>
-  </p:clrMapOvr>
-</p:sld>
-</file>
-
-<file path=ppt/slides/slide20.xml><?xml version="1.0" encoding="utf-8"?>
-<p:sld xmlns:a="http://schemas.openxmlformats.org/drawingml/2006/main" xmlns:r="http://schemas.openxmlformats.org/officeDocument/2006/relationships" xmlns:mc="http://schemas.openxmlformats.org/markup-compatibility/2006" xmlns:mv="urn:schemas-microsoft-com:mac:vml" xmlns:p="http://schemas.openxmlformats.org/presentationml/2006/main" xmlns:c="http://schemas.openxmlformats.org/drawingml/2006/chart" xmlns:dgm="http://schemas.openxmlformats.org/drawingml/2006/diagram" xmlns:o="urn:schemas-microsoft-com:office:office" xmlns:v="urn:schemas-microsoft-com:vml" xmlns:pvml="urn:schemas-microsoft-com:office:powerpoint" xmlns:com="http://schemas.openxmlformats.org/drawingml/2006/compatibility" xmlns:p14="http://schemas.microsoft.com/office/powerpoint/2010/main" xmlns:p15="http://schemas.microsoft.com/office/powerpoint/2012/main" xmlns:ahyp="http://schemas.microsoft.com/office/drawing/2018/hyperlinkcolor">
-  <p:cSld>
-    <p:spTree>
-      <p:nvGrpSpPr>
-        <p:cNvPr id="217" name="Shape 217"/>
-        <p:cNvGrpSpPr/>
-        <p:nvPr/>
-      </p:nvGrpSpPr>
-      <p:grpSpPr>
-        <a:xfrm>
-          <a:off x="0" y="0"/>
-          <a:ext cx="0" cy="0"/>
-          <a:chOff x="0" y="0"/>
-          <a:chExt cx="0" cy="0"/>
-        </a:xfrm>
-      </p:grpSpPr>
-      <p:sp>
-        <p:nvSpPr>
-          <p:cNvPr id="218" name="Google Shape;218;p32"/>
-          <p:cNvSpPr txBox="1"/>
-          <p:nvPr>
-            <p:ph type="title"/>
-          </p:nvPr>
-        </p:nvSpPr>
-        <p:spPr>
-          <a:xfrm>
-            <a:off x="311700" y="410000"/>
-            <a:ext cx="8520600" cy="607800"/>
-          </a:xfrm>
-          <a:prstGeom prst="rect">
-            <a:avLst/>
-          </a:prstGeom>
-        </p:spPr>
-        <p:txBody>
-          <a:bodyPr anchorCtr="0" anchor="t" bIns="91425" lIns="91425" spcFirstLastPara="1" rIns="91425" wrap="square" tIns="91425">
-            <a:normAutofit fontScale="90000"/>
-          </a:bodyPr>
-          <a:lstStyle/>
-          <a:p>
-            <a:pPr indent="0" lvl="0" marL="0" rtl="0" algn="l">
-              <a:spcBef>
-                <a:spcPts val="0"/>
-              </a:spcBef>
-              <a:spcAft>
-                <a:spcPts val="0"/>
-              </a:spcAft>
-              <a:buNone/>
-            </a:pPr>
-            <a:r>
-              <a:rPr lang="ru"/>
-              <a:t>Пример прогноза - TCN</a:t>
-            </a:r>
-            <a:endParaRPr/>
-          </a:p>
-        </p:txBody>
-      </p:sp>
-      <p:pic>
-        <p:nvPicPr>
-          <p:cNvPr id="219" name="Google Shape;219;p32"/>
-          <p:cNvPicPr preferRelativeResize="0"/>
-          <p:nvPr/>
-        </p:nvPicPr>
-        <p:blipFill>
-          <a:blip r:embed="rId3">
-            <a:alphaModFix/>
-          </a:blip>
-          <a:stretch>
-            <a:fillRect/>
-          </a:stretch>
-        </p:blipFill>
-        <p:spPr>
-          <a:xfrm>
-            <a:off x="311700" y="1229875"/>
-            <a:ext cx="5489150" cy="3659426"/>
-          </a:xfrm>
-          <a:prstGeom prst="rect">
-            <a:avLst/>
-          </a:prstGeom>
-          <a:noFill/>
-          <a:ln>
-            <a:noFill/>
-          </a:ln>
-        </p:spPr>
-      </p:pic>
-    </p:spTree>
-  </p:cSld>
-  <p:clrMapOvr>
-    <a:masterClrMapping/>
-  </p:clrMapOvr>
-</p:sld>
-</file>
-
-<file path=ppt/slides/slide21.xml><?xml version="1.0" encoding="utf-8"?>
-<p:sld xmlns:a="http://schemas.openxmlformats.org/drawingml/2006/main" xmlns:r="http://schemas.openxmlformats.org/officeDocument/2006/relationships" xmlns:mc="http://schemas.openxmlformats.org/markup-compatibility/2006" xmlns:mv="urn:schemas-microsoft-com:mac:vml" xmlns:p="http://schemas.openxmlformats.org/presentationml/2006/main" xmlns:c="http://schemas.openxmlformats.org/drawingml/2006/chart" xmlns:dgm="http://schemas.openxmlformats.org/drawingml/2006/diagram" xmlns:o="urn:schemas-microsoft-com:office:office" xmlns:v="urn:schemas-microsoft-com:vml" xmlns:pvml="urn:schemas-microsoft-com:office:powerpoint" xmlns:com="http://schemas.openxmlformats.org/drawingml/2006/compatibility" xmlns:p14="http://schemas.microsoft.com/office/powerpoint/2010/main" xmlns:p15="http://schemas.microsoft.com/office/powerpoint/2012/main" xmlns:ahyp="http://schemas.microsoft.com/office/drawing/2018/hyperlinkcolor">
-  <p:cSld>
-    <p:spTree>
-      <p:nvGrpSpPr>
-        <p:cNvPr id="223" name="Shape 223"/>
-        <p:cNvGrpSpPr/>
-        <p:nvPr/>
-      </p:nvGrpSpPr>
-      <p:grpSpPr>
-        <a:xfrm>
-          <a:off x="0" y="0"/>
-          <a:ext cx="0" cy="0"/>
-          <a:chOff x="0" y="0"/>
-          <a:chExt cx="0" cy="0"/>
-        </a:xfrm>
-      </p:grpSpPr>
-      <p:sp>
-        <p:nvSpPr>
-          <p:cNvPr id="224" name="Google Shape;224;p33"/>
-          <p:cNvSpPr txBox="1"/>
-          <p:nvPr>
-            <p:ph type="title"/>
-          </p:nvPr>
-        </p:nvSpPr>
-        <p:spPr>
-          <a:xfrm>
-            <a:off x="311700" y="410000"/>
-            <a:ext cx="8520600" cy="607800"/>
-          </a:xfrm>
-          <a:prstGeom prst="rect">
-            <a:avLst/>
-          </a:prstGeom>
-        </p:spPr>
-        <p:txBody>
-          <a:bodyPr anchorCtr="0" anchor="t" bIns="91425" lIns="91425" spcFirstLastPara="1" rIns="91425" wrap="square" tIns="91425">
-            <a:normAutofit fontScale="90000"/>
-          </a:bodyPr>
-          <a:lstStyle/>
-          <a:p>
-            <a:pPr indent="0" lvl="0" marL="0" rtl="0" algn="l">
-              <a:spcBef>
-                <a:spcPts val="0"/>
-              </a:spcBef>
-              <a:spcAft>
-                <a:spcPts val="0"/>
-              </a:spcAft>
-              <a:buNone/>
-            </a:pPr>
-            <a:r>
-              <a:rPr lang="ru"/>
-              <a:t>Пример прогноза - Transformer</a:t>
-            </a:r>
-            <a:endParaRPr/>
-          </a:p>
-        </p:txBody>
-      </p:sp>
-      <p:pic>
-        <p:nvPicPr>
-          <p:cNvPr id="225" name="Google Shape;225;p33"/>
-          <p:cNvPicPr preferRelativeResize="0"/>
-          <p:nvPr/>
-        </p:nvPicPr>
-        <p:blipFill rotWithShape="1">
-          <a:blip r:embed="rId3">
-            <a:alphaModFix/>
-          </a:blip>
-          <a:srcRect b="0" l="0" r="0" t="0"/>
-          <a:stretch/>
-        </p:blipFill>
-        <p:spPr>
-          <a:xfrm>
-            <a:off x="311700" y="1229875"/>
-            <a:ext cx="5489150" cy="3659426"/>
-          </a:xfrm>
-          <a:prstGeom prst="rect">
-            <a:avLst/>
-          </a:prstGeom>
-          <a:noFill/>
-          <a:ln>
-            <a:noFill/>
-          </a:ln>
-        </p:spPr>
-      </p:pic>
-    </p:spTree>
-  </p:cSld>
-  <p:clrMapOvr>
-    <a:masterClrMapping/>
-  </p:clrMapOvr>
-</p:sld>
-</file>
-
-<file path=ppt/slides/slide22.xml><?xml version="1.0" encoding="utf-8"?>
-<p:sld xmlns:a="http://schemas.openxmlformats.org/drawingml/2006/main" xmlns:r="http://schemas.openxmlformats.org/officeDocument/2006/relationships" xmlns:mc="http://schemas.openxmlformats.org/markup-compatibility/2006" xmlns:mv="urn:schemas-microsoft-com:mac:vml" xmlns:p="http://schemas.openxmlformats.org/presentationml/2006/main" xmlns:c="http://schemas.openxmlformats.org/drawingml/2006/chart" xmlns:dgm="http://schemas.openxmlformats.org/drawingml/2006/diagram" xmlns:o="urn:schemas-microsoft-com:office:office" xmlns:v="urn:schemas-microsoft-com:vml" xmlns:pvml="urn:schemas-microsoft-com:office:powerpoint" xmlns:com="http://schemas.openxmlformats.org/drawingml/2006/compatibility" xmlns:p14="http://schemas.microsoft.com/office/powerpoint/2010/main" xmlns:p15="http://schemas.microsoft.com/office/powerpoint/2012/main" xmlns:ahyp="http://schemas.microsoft.com/office/drawing/2018/hyperlinkcolor">
-  <p:cSld>
-    <p:spTree>
-      <p:nvGrpSpPr>
-        <p:cNvPr id="229" name="Shape 229"/>
-        <p:cNvGrpSpPr/>
-        <p:nvPr/>
-      </p:nvGrpSpPr>
-      <p:grpSpPr>
-        <a:xfrm>
-          <a:off x="0" y="0"/>
-          <a:ext cx="0" cy="0"/>
-          <a:chOff x="0" y="0"/>
-          <a:chExt cx="0" cy="0"/>
-        </a:xfrm>
-      </p:grpSpPr>
-      <p:sp>
-        <p:nvSpPr>
-          <p:cNvPr id="230" name="Google Shape;230;p34"/>
-          <p:cNvSpPr txBox="1"/>
-          <p:nvPr>
-            <p:ph type="title"/>
-          </p:nvPr>
-        </p:nvSpPr>
-        <p:spPr>
-          <a:xfrm>
-            <a:off x="311700" y="410000"/>
-            <a:ext cx="8520600" cy="607800"/>
-          </a:xfrm>
-          <a:prstGeom prst="rect">
-            <a:avLst/>
-          </a:prstGeom>
-        </p:spPr>
-        <p:txBody>
-          <a:bodyPr anchorCtr="0" anchor="t" bIns="91425" lIns="91425" spcFirstLastPara="1" rIns="91425" wrap="square" tIns="91425">
-            <a:normAutofit fontScale="90000"/>
-          </a:bodyPr>
-          <a:lstStyle/>
-          <a:p>
-            <a:pPr indent="0" lvl="0" marL="0" rtl="0" algn="l">
-              <a:spcBef>
-                <a:spcPts val="0"/>
-              </a:spcBef>
-              <a:spcAft>
-                <a:spcPts val="0"/>
-              </a:spcAft>
-              <a:buNone/>
-            </a:pPr>
-            <a:r>
-              <a:rPr lang="ru"/>
-              <a:t>Пример прогноза - N-Beats</a:t>
-            </a:r>
-            <a:endParaRPr/>
-          </a:p>
-        </p:txBody>
-      </p:sp>
-      <p:pic>
-        <p:nvPicPr>
-          <p:cNvPr id="231" name="Google Shape;231;p34"/>
-          <p:cNvPicPr preferRelativeResize="0"/>
-          <p:nvPr/>
-        </p:nvPicPr>
-        <p:blipFill rotWithShape="1">
-          <a:blip r:embed="rId3">
-            <a:alphaModFix/>
-          </a:blip>
-          <a:srcRect b="0" l="0" r="0" t="0"/>
-          <a:stretch/>
-        </p:blipFill>
-        <p:spPr>
-          <a:xfrm>
-            <a:off x="311700" y="1229875"/>
-            <a:ext cx="5489150" cy="3659426"/>
-          </a:xfrm>
-          <a:prstGeom prst="rect">
-            <a:avLst/>
-          </a:prstGeom>
-          <a:noFill/>
-          <a:ln>
-            <a:noFill/>
-          </a:ln>
-        </p:spPr>
-      </p:pic>
-    </p:spTree>
-  </p:cSld>
-  <p:clrMapOvr>
-    <a:masterClrMapping/>
-  </p:clrMapOvr>
-</p:sld>
-</file>
-
-<file path=ppt/slides/slide23.xml><?xml version="1.0" encoding="utf-8"?>
-<p:sld xmlns:a="http://schemas.openxmlformats.org/drawingml/2006/main" xmlns:r="http://schemas.openxmlformats.org/officeDocument/2006/relationships" xmlns:mc="http://schemas.openxmlformats.org/markup-compatibility/2006" xmlns:mv="urn:schemas-microsoft-com:mac:vml" xmlns:p="http://schemas.openxmlformats.org/presentationml/2006/main" xmlns:c="http://schemas.openxmlformats.org/drawingml/2006/chart" xmlns:dgm="http://schemas.openxmlformats.org/drawingml/2006/diagram" xmlns:o="urn:schemas-microsoft-com:office:office" xmlns:v="urn:schemas-microsoft-com:vml" xmlns:pvml="urn:schemas-microsoft-com:office:powerpoint" xmlns:com="http://schemas.openxmlformats.org/drawingml/2006/compatibility" xmlns:p14="http://schemas.microsoft.com/office/powerpoint/2010/main" xmlns:p15="http://schemas.microsoft.com/office/powerpoint/2012/main" xmlns:ahyp="http://schemas.microsoft.com/office/drawing/2018/hyperlinkcolor">
-  <p:cSld>
-    <p:spTree>
-      <p:nvGrpSpPr>
-        <p:cNvPr id="235" name="Shape 235"/>
-        <p:cNvGrpSpPr/>
-        <p:nvPr/>
-      </p:nvGrpSpPr>
-      <p:grpSpPr>
-        <a:xfrm>
-          <a:off x="0" y="0"/>
-          <a:ext cx="0" cy="0"/>
-          <a:chOff x="0" y="0"/>
-          <a:chExt cx="0" cy="0"/>
-        </a:xfrm>
-      </p:grpSpPr>
-      <p:sp>
-        <p:nvSpPr>
-          <p:cNvPr id="236" name="Google Shape;236;p35"/>
-          <p:cNvSpPr txBox="1"/>
-          <p:nvPr>
-            <p:ph type="title"/>
-          </p:nvPr>
-        </p:nvSpPr>
-        <p:spPr>
-          <a:xfrm>
-            <a:off x="311700" y="410000"/>
-            <a:ext cx="8520600" cy="607800"/>
-          </a:xfrm>
-          <a:prstGeom prst="rect">
-            <a:avLst/>
-          </a:prstGeom>
-        </p:spPr>
-        <p:txBody>
-          <a:bodyPr anchorCtr="0" anchor="t" bIns="91425" lIns="91425" spcFirstLastPara="1" rIns="91425" wrap="square" tIns="91425">
-            <a:normAutofit fontScale="90000"/>
-          </a:bodyPr>
-          <a:lstStyle/>
-          <a:p>
-            <a:pPr indent="0" lvl="0" marL="0" rtl="0" algn="l">
-              <a:spcBef>
-                <a:spcPts val="0"/>
-              </a:spcBef>
-              <a:spcAft>
-                <a:spcPts val="0"/>
-              </a:spcAft>
-              <a:buNone/>
-            </a:pPr>
-            <a:r>
-              <a:rPr lang="ru"/>
-              <a:t>Пример прогноза - Time Fusion Transformers</a:t>
-            </a:r>
-            <a:endParaRPr/>
-          </a:p>
-        </p:txBody>
-      </p:sp>
-      <p:pic>
-        <p:nvPicPr>
-          <p:cNvPr id="237" name="Google Shape;237;p35"/>
-          <p:cNvPicPr preferRelativeResize="0"/>
-          <p:nvPr/>
-        </p:nvPicPr>
-        <p:blipFill rotWithShape="1">
-          <a:blip r:embed="rId3">
-            <a:alphaModFix/>
-          </a:blip>
-          <a:srcRect b="0" l="0" r="0" t="0"/>
-          <a:stretch/>
-        </p:blipFill>
-        <p:spPr>
-          <a:xfrm>
-            <a:off x="311700" y="1229875"/>
-            <a:ext cx="5489150" cy="3659426"/>
           </a:xfrm>
           <a:prstGeom prst="rect">
             <a:avLst/>
@@ -15287,6 +16408,285 @@
 </file>
 
 <file path=ppt/theme/theme1.xml><?xml version="1.0" encoding="utf-8"?>
+<a:theme xmlns:a="http://schemas.openxmlformats.org/drawingml/2006/main" xmlns:r="http://schemas.openxmlformats.org/officeDocument/2006/relationships">
+  <a:themeElements>
+    <a:clrScheme name="Default">
+      <a:dk1>
+        <a:srgbClr val="000000"/>
+      </a:dk1>
+      <a:lt1>
+        <a:srgbClr val="FFFFFF"/>
+      </a:lt1>
+      <a:dk2>
+        <a:srgbClr val="158158"/>
+      </a:dk2>
+      <a:lt2>
+        <a:srgbClr val="F3F3F3"/>
+      </a:lt2>
+      <a:accent1>
+        <a:srgbClr val="058DC7"/>
+      </a:accent1>
+      <a:accent2>
+        <a:srgbClr val="50B432"/>
+      </a:accent2>
+      <a:accent3>
+        <a:srgbClr val="ED561B"/>
+      </a:accent3>
+      <a:accent4>
+        <a:srgbClr val="EDEF00"/>
+      </a:accent4>
+      <a:accent5>
+        <a:srgbClr val="24CBE5"/>
+      </a:accent5>
+      <a:accent6>
+        <a:srgbClr val="64E572"/>
+      </a:accent6>
+      <a:hlink>
+        <a:srgbClr val="2200CC"/>
+      </a:hlink>
+      <a:folHlink>
+        <a:srgbClr val="551A8B"/>
+      </a:folHlink>
+    </a:clrScheme>
+    <a:fontScheme name="Office">
+      <a:majorFont>
+        <a:latin typeface="Arial"/>
+        <a:ea typeface=""/>
+        <a:cs typeface=""/>
+        <a:font script="Jpan" typeface="ＭＳ Ｐゴシック"/>
+        <a:font script="Hang" typeface="맑은 고딕"/>
+        <a:font script="Hans" typeface="宋体"/>
+        <a:font script="Hant" typeface="新細明體"/>
+        <a:font script="Arab" typeface="Times New Roman"/>
+        <a:font script="Hebr" typeface="Times New Roman"/>
+        <a:font script="Thai" typeface="Angsana New"/>
+        <a:font script="Ethi" typeface="Nyala"/>
+        <a:font script="Beng" typeface="Vrinda"/>
+        <a:font script="Gujr" typeface="Shruti"/>
+        <a:font script="Khmr" typeface="MoolBoran"/>
+        <a:font script="Knda" typeface="Tunga"/>
+        <a:font script="Guru" typeface="Raavi"/>
+        <a:font script="Cans" typeface="Euphemia"/>
+        <a:font script="Cher" typeface="Plantagenet Cherokee"/>
+        <a:font script="Yiii" typeface="Microsoft Yi Baiti"/>
+        <a:font script="Tibt" typeface="Microsoft Himalaya"/>
+        <a:font script="Thaa" typeface="MV Boli"/>
+        <a:font script="Deva" typeface="Mangal"/>
+        <a:font script="Telu" typeface="Gautami"/>
+        <a:font script="Taml" typeface="Latha"/>
+        <a:font script="Syrc" typeface="Estrangelo Edessa"/>
+        <a:font script="Orya" typeface="Kalinga"/>
+        <a:font script="Mlym" typeface="Kartika"/>
+        <a:font script="Laoo" typeface="DokChampa"/>
+        <a:font script="Sinh" typeface="Iskoola Pota"/>
+        <a:font script="Mong" typeface="Mongolian Baiti"/>
+        <a:font script="Viet" typeface="Times New Roman"/>
+        <a:font script="Uigh" typeface="Microsoft Uighur"/>
+        <a:font script="Geor" typeface="Sylfaen"/>
+      </a:majorFont>
+      <a:minorFont>
+        <a:latin typeface="Arial"/>
+        <a:ea typeface=""/>
+        <a:cs typeface=""/>
+        <a:font script="Jpan" typeface="ＭＳ Ｐゴシック"/>
+        <a:font script="Hang" typeface="맑은 고딕"/>
+        <a:font script="Hans" typeface="宋体"/>
+        <a:font script="Hant" typeface="新細明體"/>
+        <a:font script="Arab" typeface="Arial"/>
+        <a:font script="Hebr" typeface="Arial"/>
+        <a:font script="Thai" typeface="Cordia New"/>
+        <a:font script="Ethi" typeface="Nyala"/>
+        <a:font script="Beng" typeface="Vrinda"/>
+        <a:font script="Gujr" typeface="Shruti"/>
+        <a:font script="Khmr" typeface="DaunPenh"/>
+        <a:font script="Knda" typeface="Tunga"/>
+        <a:font script="Guru" typeface="Raavi"/>
+        <a:font script="Cans" typeface="Euphemia"/>
+        <a:font script="Cher" typeface="Plantagenet Cherokee"/>
+        <a:font script="Yiii" typeface="Microsoft Yi Baiti"/>
+        <a:font script="Tibt" typeface="Microsoft Himalaya"/>
+        <a:font script="Thaa" typeface="MV Boli"/>
+        <a:font script="Deva" typeface="Mangal"/>
+        <a:font script="Telu" typeface="Gautami"/>
+        <a:font script="Taml" typeface="Latha"/>
+        <a:font script="Syrc" typeface="Estrangelo Edessa"/>
+        <a:font script="Orya" typeface="Kalinga"/>
+        <a:font script="Mlym" typeface="Kartika"/>
+        <a:font script="Laoo" typeface="DokChampa"/>
+        <a:font script="Sinh" typeface="Iskoola Pota"/>
+        <a:font script="Mong" typeface="Mongolian Baiti"/>
+        <a:font script="Viet" typeface="Arial"/>
+        <a:font script="Uigh" typeface="Microsoft Uighur"/>
+        <a:font script="Geor" typeface="Sylfaen"/>
+      </a:minorFont>
+    </a:fontScheme>
+    <a:fmtScheme name="Office">
+      <a:fillStyleLst>
+        <a:solidFill>
+          <a:schemeClr val="phClr"/>
+        </a:solidFill>
+        <a:gradFill rotWithShape="1">
+          <a:gsLst>
+            <a:gs pos="0">
+              <a:schemeClr val="phClr">
+                <a:tint val="50000"/>
+                <a:satMod val="300000"/>
+              </a:schemeClr>
+            </a:gs>
+            <a:gs pos="35000">
+              <a:schemeClr val="phClr">
+                <a:tint val="37000"/>
+                <a:satMod val="300000"/>
+              </a:schemeClr>
+            </a:gs>
+            <a:gs pos="100000">
+              <a:schemeClr val="phClr">
+                <a:tint val="15000"/>
+                <a:satMod val="350000"/>
+              </a:schemeClr>
+            </a:gs>
+          </a:gsLst>
+          <a:lin ang="16200000" scaled="1"/>
+        </a:gradFill>
+        <a:gradFill rotWithShape="1">
+          <a:gsLst>
+            <a:gs pos="0">
+              <a:schemeClr val="phClr">
+                <a:tint val="100000"/>
+                <a:shade val="100000"/>
+                <a:satMod val="130000"/>
+              </a:schemeClr>
+            </a:gs>
+            <a:gs pos="100000">
+              <a:schemeClr val="phClr">
+                <a:tint val="50000"/>
+                <a:shade val="100000"/>
+                <a:satMod val="350000"/>
+              </a:schemeClr>
+            </a:gs>
+          </a:gsLst>
+          <a:lin ang="16200000" scaled="0"/>
+        </a:gradFill>
+      </a:fillStyleLst>
+      <a:lnStyleLst>
+        <a:ln w="9525" cap="flat" cmpd="sng" algn="ctr">
+          <a:solidFill>
+            <a:schemeClr val="phClr">
+              <a:shade val="95000"/>
+              <a:satMod val="105000"/>
+            </a:schemeClr>
+          </a:solidFill>
+          <a:prstDash val="solid"/>
+        </a:ln>
+        <a:ln w="25400" cap="flat" cmpd="sng" algn="ctr">
+          <a:solidFill>
+            <a:schemeClr val="phClr"/>
+          </a:solidFill>
+          <a:prstDash val="solid"/>
+        </a:ln>
+        <a:ln w="38100" cap="flat" cmpd="sng" algn="ctr">
+          <a:solidFill>
+            <a:schemeClr val="phClr"/>
+          </a:solidFill>
+          <a:prstDash val="solid"/>
+        </a:ln>
+      </a:lnStyleLst>
+      <a:effectStyleLst>
+        <a:effectStyle>
+          <a:effectLst>
+            <a:outerShdw blurRad="40000" dist="20000" dir="5400000" rotWithShape="0">
+              <a:srgbClr val="000000">
+                <a:alpha val="38000"/>
+              </a:srgbClr>
+            </a:outerShdw>
+          </a:effectLst>
+        </a:effectStyle>
+        <a:effectStyle>
+          <a:effectLst>
+            <a:outerShdw blurRad="40000" dist="23000" dir="5400000" rotWithShape="0">
+              <a:srgbClr val="000000">
+                <a:alpha val="35000"/>
+              </a:srgbClr>
+            </a:outerShdw>
+          </a:effectLst>
+        </a:effectStyle>
+        <a:effectStyle>
+          <a:effectLst>
+            <a:outerShdw blurRad="40000" dist="23000" dir="5400000" rotWithShape="0">
+              <a:srgbClr val="000000">
+                <a:alpha val="35000"/>
+              </a:srgbClr>
+            </a:outerShdw>
+          </a:effectLst>
+          <a:scene3d>
+            <a:camera prst="orthographicFront">
+              <a:rot lat="0" lon="0" rev="0"/>
+            </a:camera>
+            <a:lightRig rig="threePt" dir="t">
+              <a:rot lat="0" lon="0" rev="1200000"/>
+            </a:lightRig>
+          </a:scene3d>
+          <a:sp3d>
+            <a:bevelT w="63500" h="25400"/>
+          </a:sp3d>
+        </a:effectStyle>
+      </a:effectStyleLst>
+      <a:bgFillStyleLst>
+        <a:solidFill>
+          <a:schemeClr val="phClr"/>
+        </a:solidFill>
+        <a:gradFill rotWithShape="1">
+          <a:gsLst>
+            <a:gs pos="0">
+              <a:schemeClr val="phClr">
+                <a:tint val="40000"/>
+                <a:satMod val="350000"/>
+              </a:schemeClr>
+            </a:gs>
+            <a:gs pos="40000">
+              <a:schemeClr val="phClr">
+                <a:tint val="45000"/>
+                <a:shade val="99000"/>
+                <a:satMod val="350000"/>
+              </a:schemeClr>
+            </a:gs>
+            <a:gs pos="100000">
+              <a:schemeClr val="phClr">
+                <a:shade val="20000"/>
+                <a:satMod val="255000"/>
+              </a:schemeClr>
+            </a:gs>
+          </a:gsLst>
+          <a:path path="circle">
+            <a:fillToRect l="50000" t="-80000" r="50000" b="180000"/>
+          </a:path>
+        </a:gradFill>
+        <a:gradFill rotWithShape="1">
+          <a:gsLst>
+            <a:gs pos="0">
+              <a:schemeClr val="phClr">
+                <a:tint val="80000"/>
+                <a:satMod val="300000"/>
+              </a:schemeClr>
+            </a:gs>
+            <a:gs pos="100000">
+              <a:schemeClr val="phClr">
+                <a:shade val="30000"/>
+                <a:satMod val="200000"/>
+              </a:schemeClr>
+            </a:gs>
+          </a:gsLst>
+          <a:path path="circle">
+            <a:fillToRect l="50000" t="50000" r="50000" b="50000"/>
+          </a:path>
+        </a:gradFill>
+      </a:bgFillStyleLst>
+    </a:fmtScheme>
+  </a:themeElements>
+</a:theme>
+</file>
+
+<file path=ppt/theme/theme2.xml><?xml version="1.0" encoding="utf-8"?>
 <a:theme xmlns:a="http://schemas.openxmlformats.org/drawingml/2006/main" xmlns:r="http://schemas.openxmlformats.org/officeDocument/2006/relationships" name="Geometric">
   <a:themeElements>
     <a:clrScheme name="Geometric">
@@ -15563,283 +16963,4 @@
     </a:fmtScheme>
   </a:themeElements>
 </a:theme>
-</file>
-
-<file path=ppt/theme/theme2.xml><?xml version="1.0" encoding="utf-8"?>
-<a:theme xmlns:a="http://schemas.openxmlformats.org/drawingml/2006/main" xmlns:r="http://schemas.openxmlformats.org/officeDocument/2006/relationships">
-  <a:themeElements>
-    <a:clrScheme name="Default">
-      <a:dk1>
-        <a:srgbClr val="000000"/>
-      </a:dk1>
-      <a:lt1>
-        <a:srgbClr val="FFFFFF"/>
-      </a:lt1>
-      <a:dk2>
-        <a:srgbClr val="158158"/>
-      </a:dk2>
-      <a:lt2>
-        <a:srgbClr val="F3F3F3"/>
-      </a:lt2>
-      <a:accent1>
-        <a:srgbClr val="058DC7"/>
-      </a:accent1>
-      <a:accent2>
-        <a:srgbClr val="50B432"/>
-      </a:accent2>
-      <a:accent3>
-        <a:srgbClr val="ED561B"/>
-      </a:accent3>
-      <a:accent4>
-        <a:srgbClr val="EDEF00"/>
-      </a:accent4>
-      <a:accent5>
-        <a:srgbClr val="24CBE5"/>
-      </a:accent5>
-      <a:accent6>
-        <a:srgbClr val="64E572"/>
-      </a:accent6>
-      <a:hlink>
-        <a:srgbClr val="2200CC"/>
-      </a:hlink>
-      <a:folHlink>
-        <a:srgbClr val="551A8B"/>
-      </a:folHlink>
-    </a:clrScheme>
-    <a:fontScheme name="Office">
-      <a:majorFont>
-        <a:latin typeface="Arial"/>
-        <a:ea typeface=""/>
-        <a:cs typeface=""/>
-        <a:font script="Jpan" typeface="ＭＳ Ｐゴシック"/>
-        <a:font script="Hang" typeface="맑은 고딕"/>
-        <a:font script="Hans" typeface="宋体"/>
-        <a:font script="Hant" typeface="新細明體"/>
-        <a:font script="Arab" typeface="Times New Roman"/>
-        <a:font script="Hebr" typeface="Times New Roman"/>
-        <a:font script="Thai" typeface="Angsana New"/>
-        <a:font script="Ethi" typeface="Nyala"/>
-        <a:font script="Beng" typeface="Vrinda"/>
-        <a:font script="Gujr" typeface="Shruti"/>
-        <a:font script="Khmr" typeface="MoolBoran"/>
-        <a:font script="Knda" typeface="Tunga"/>
-        <a:font script="Guru" typeface="Raavi"/>
-        <a:font script="Cans" typeface="Euphemia"/>
-        <a:font script="Cher" typeface="Plantagenet Cherokee"/>
-        <a:font script="Yiii" typeface="Microsoft Yi Baiti"/>
-        <a:font script="Tibt" typeface="Microsoft Himalaya"/>
-        <a:font script="Thaa" typeface="MV Boli"/>
-        <a:font script="Deva" typeface="Mangal"/>
-        <a:font script="Telu" typeface="Gautami"/>
-        <a:font script="Taml" typeface="Latha"/>
-        <a:font script="Syrc" typeface="Estrangelo Edessa"/>
-        <a:font script="Orya" typeface="Kalinga"/>
-        <a:font script="Mlym" typeface="Kartika"/>
-        <a:font script="Laoo" typeface="DokChampa"/>
-        <a:font script="Sinh" typeface="Iskoola Pota"/>
-        <a:font script="Mong" typeface="Mongolian Baiti"/>
-        <a:font script="Viet" typeface="Times New Roman"/>
-        <a:font script="Uigh" typeface="Microsoft Uighur"/>
-        <a:font script="Geor" typeface="Sylfaen"/>
-      </a:majorFont>
-      <a:minorFont>
-        <a:latin typeface="Arial"/>
-        <a:ea typeface=""/>
-        <a:cs typeface=""/>
-        <a:font script="Jpan" typeface="ＭＳ Ｐゴシック"/>
-        <a:font script="Hang" typeface="맑은 고딕"/>
-        <a:font script="Hans" typeface="宋体"/>
-        <a:font script="Hant" typeface="新細明體"/>
-        <a:font script="Arab" typeface="Arial"/>
-        <a:font script="Hebr" typeface="Arial"/>
-        <a:font script="Thai" typeface="Cordia New"/>
-        <a:font script="Ethi" typeface="Nyala"/>
-        <a:font script="Beng" typeface="Vrinda"/>
-        <a:font script="Gujr" typeface="Shruti"/>
-        <a:font script="Khmr" typeface="DaunPenh"/>
-        <a:font script="Knda" typeface="Tunga"/>
-        <a:font script="Guru" typeface="Raavi"/>
-        <a:font script="Cans" typeface="Euphemia"/>
-        <a:font script="Cher" typeface="Plantagenet Cherokee"/>
-        <a:font script="Yiii" typeface="Microsoft Yi Baiti"/>
-        <a:font script="Tibt" typeface="Microsoft Himalaya"/>
-        <a:font script="Thaa" typeface="MV Boli"/>
-        <a:font script="Deva" typeface="Mangal"/>
-        <a:font script="Telu" typeface="Gautami"/>
-        <a:font script="Taml" typeface="Latha"/>
-        <a:font script="Syrc" typeface="Estrangelo Edessa"/>
-        <a:font script="Orya" typeface="Kalinga"/>
-        <a:font script="Mlym" typeface="Kartika"/>
-        <a:font script="Laoo" typeface="DokChampa"/>
-        <a:font script="Sinh" typeface="Iskoola Pota"/>
-        <a:font script="Mong" typeface="Mongolian Baiti"/>
-        <a:font script="Viet" typeface="Arial"/>
-        <a:font script="Uigh" typeface="Microsoft Uighur"/>
-        <a:font script="Geor" typeface="Sylfaen"/>
-      </a:minorFont>
-    </a:fontScheme>
-    <a:fmtScheme name="Office">
-      <a:fillStyleLst>
-        <a:solidFill>
-          <a:schemeClr val="phClr"/>
-        </a:solidFill>
-        <a:gradFill rotWithShape="1">
-          <a:gsLst>
-            <a:gs pos="0">
-              <a:schemeClr val="phClr">
-                <a:tint val="50000"/>
-                <a:satMod val="300000"/>
-              </a:schemeClr>
-            </a:gs>
-            <a:gs pos="35000">
-              <a:schemeClr val="phClr">
-                <a:tint val="37000"/>
-                <a:satMod val="300000"/>
-              </a:schemeClr>
-            </a:gs>
-            <a:gs pos="100000">
-              <a:schemeClr val="phClr">
-                <a:tint val="15000"/>
-                <a:satMod val="350000"/>
-              </a:schemeClr>
-            </a:gs>
-          </a:gsLst>
-          <a:lin ang="16200000" scaled="1"/>
-        </a:gradFill>
-        <a:gradFill rotWithShape="1">
-          <a:gsLst>
-            <a:gs pos="0">
-              <a:schemeClr val="phClr">
-                <a:tint val="100000"/>
-                <a:shade val="100000"/>
-                <a:satMod val="130000"/>
-              </a:schemeClr>
-            </a:gs>
-            <a:gs pos="100000">
-              <a:schemeClr val="phClr">
-                <a:tint val="50000"/>
-                <a:shade val="100000"/>
-                <a:satMod val="350000"/>
-              </a:schemeClr>
-            </a:gs>
-          </a:gsLst>
-          <a:lin ang="16200000" scaled="0"/>
-        </a:gradFill>
-      </a:fillStyleLst>
-      <a:lnStyleLst>
-        <a:ln w="9525" cap="flat" cmpd="sng" algn="ctr">
-          <a:solidFill>
-            <a:schemeClr val="phClr">
-              <a:shade val="95000"/>
-              <a:satMod val="105000"/>
-            </a:schemeClr>
-          </a:solidFill>
-          <a:prstDash val="solid"/>
-        </a:ln>
-        <a:ln w="25400" cap="flat" cmpd="sng" algn="ctr">
-          <a:solidFill>
-            <a:schemeClr val="phClr"/>
-          </a:solidFill>
-          <a:prstDash val="solid"/>
-        </a:ln>
-        <a:ln w="38100" cap="flat" cmpd="sng" algn="ctr">
-          <a:solidFill>
-            <a:schemeClr val="phClr"/>
-          </a:solidFill>
-          <a:prstDash val="solid"/>
-        </a:ln>
-      </a:lnStyleLst>
-      <a:effectStyleLst>
-        <a:effectStyle>
-          <a:effectLst>
-            <a:outerShdw blurRad="40000" dist="20000" dir="5400000" rotWithShape="0">
-              <a:srgbClr val="000000">
-                <a:alpha val="38000"/>
-              </a:srgbClr>
-            </a:outerShdw>
-          </a:effectLst>
-        </a:effectStyle>
-        <a:effectStyle>
-          <a:effectLst>
-            <a:outerShdw blurRad="40000" dist="23000" dir="5400000" rotWithShape="0">
-              <a:srgbClr val="000000">
-                <a:alpha val="35000"/>
-              </a:srgbClr>
-            </a:outerShdw>
-          </a:effectLst>
-        </a:effectStyle>
-        <a:effectStyle>
-          <a:effectLst>
-            <a:outerShdw blurRad="40000" dist="23000" dir="5400000" rotWithShape="0">
-              <a:srgbClr val="000000">
-                <a:alpha val="35000"/>
-              </a:srgbClr>
-            </a:outerShdw>
-          </a:effectLst>
-          <a:scene3d>
-            <a:camera prst="orthographicFront">
-              <a:rot lat="0" lon="0" rev="0"/>
-            </a:camera>
-            <a:lightRig rig="threePt" dir="t">
-              <a:rot lat="0" lon="0" rev="1200000"/>
-            </a:lightRig>
-          </a:scene3d>
-          <a:sp3d>
-            <a:bevelT w="63500" h="25400"/>
-          </a:sp3d>
-        </a:effectStyle>
-      </a:effectStyleLst>
-      <a:bgFillStyleLst>
-        <a:solidFill>
-          <a:schemeClr val="phClr"/>
-        </a:solidFill>
-        <a:gradFill rotWithShape="1">
-          <a:gsLst>
-            <a:gs pos="0">
-              <a:schemeClr val="phClr">
-                <a:tint val="40000"/>
-                <a:satMod val="350000"/>
-              </a:schemeClr>
-            </a:gs>
-            <a:gs pos="40000">
-              <a:schemeClr val="phClr">
-                <a:tint val="45000"/>
-                <a:shade val="99000"/>
-                <a:satMod val="350000"/>
-              </a:schemeClr>
-            </a:gs>
-            <a:gs pos="100000">
-              <a:schemeClr val="phClr">
-                <a:shade val="20000"/>
-                <a:satMod val="255000"/>
-              </a:schemeClr>
-            </a:gs>
-          </a:gsLst>
-          <a:path path="circle">
-            <a:fillToRect l="50000" t="-80000" r="50000" b="180000"/>
-          </a:path>
-        </a:gradFill>
-        <a:gradFill rotWithShape="1">
-          <a:gsLst>
-            <a:gs pos="0">
-              <a:schemeClr val="phClr">
-                <a:tint val="80000"/>
-                <a:satMod val="300000"/>
-              </a:schemeClr>
-            </a:gs>
-            <a:gs pos="100000">
-              <a:schemeClr val="phClr">
-                <a:shade val="30000"/>
-                <a:satMod val="200000"/>
-              </a:schemeClr>
-            </a:gs>
-          </a:gsLst>
-          <a:path path="circle">
-            <a:fillToRect l="50000" t="50000" r="50000" b="50000"/>
-          </a:path>
-        </a:gradFill>
-      </a:bgFillStyleLst>
-    </a:fmtScheme>
-  </a:themeElements>
-</a:theme>
 </file>
--- a/text/Презентация.pptx
+++ b/text/Презентация.pptx
@@ -1675,7 +1675,7 @@
           <a:p>
             <a:pPr indent="0" lvl="0" marL="0" rtl="0" algn="l">
               <a:lnSpc>
-                <a:spcPct val="135714"/>
+                <a:spcPct val="150000"/>
               </a:lnSpc>
               <a:spcBef>
                 <a:spcPts val="0"/>
@@ -1691,9 +1691,9 @@
               <a:buNone/>
             </a:pPr>
             <a:r>
-              <a:rPr lang="ru" sz="1050">
+              <a:rPr lang="ru" sz="900">
                 <a:solidFill>
-                  <a:srgbClr val="A31515"/>
+                  <a:schemeClr val="dk1"/>
                 </a:solidFill>
                 <a:highlight>
                   <a:srgbClr val="FFFFFF"/>
@@ -1703,7 +1703,7 @@
                 <a:cs typeface="Courier New"/>
                 <a:sym typeface="Courier New"/>
               </a:rPr>
-              <a:t>T1138P6000096'</a:t>
+              <a:t>T1013P500399</a:t>
             </a:r>
             <a:r>
               <a:rPr lang="ru" sz="1050">
@@ -1733,7 +1733,7 @@
                 <a:cs typeface="Courier New"/>
                 <a:sym typeface="Courier New"/>
               </a:rPr>
-              <a:t>'время работы насоса</a:t>
+              <a:t>объем наработки за сутки</a:t>
             </a:r>
             <a:endParaRPr sz="1050">
               <a:solidFill>
@@ -2386,7 +2386,7 @@
       </p:grpSpPr>
       <p:sp>
         <p:nvSpPr>
-          <p:cNvPr id="217" name="Google Shape;217;g10538ac236f_0_68:notes"/>
+          <p:cNvPr id="217" name="Google Shape;217;g105e06faf48_0_433:notes"/>
           <p:cNvSpPr/>
           <p:nvPr>
             <p:ph idx="2" type="sldImg"/>
@@ -2421,7 +2421,7 @@
       </p:sp>
       <p:sp>
         <p:nvSpPr>
-          <p:cNvPr id="218" name="Google Shape;218;g10538ac236f_0_68:notes"/>
+          <p:cNvPr id="218" name="Google Shape;218;g105e06faf48_0_433:notes"/>
           <p:cNvSpPr txBox="1"/>
           <p:nvPr>
             <p:ph idx="1" type="body"/>
@@ -2485,7 +2485,7 @@
       </p:grpSpPr>
       <p:sp>
         <p:nvSpPr>
-          <p:cNvPr id="222" name="Google Shape;222;g10538ac236f_0_2:notes"/>
+          <p:cNvPr id="222" name="Google Shape;222;g105e06faf48_0_443:notes"/>
           <p:cNvSpPr/>
           <p:nvPr>
             <p:ph idx="2" type="sldImg"/>
@@ -2520,7 +2520,7 @@
       </p:sp>
       <p:sp>
         <p:nvSpPr>
-          <p:cNvPr id="223" name="Google Shape;223;g10538ac236f_0_2:notes"/>
+          <p:cNvPr id="223" name="Google Shape;223;g105e06faf48_0_443:notes"/>
           <p:cNvSpPr txBox="1"/>
           <p:nvPr>
             <p:ph idx="1" type="body"/>
@@ -2570,7 +2570,7 @@
   <p:cSld>
     <p:spTree>
       <p:nvGrpSpPr>
-        <p:cNvPr id="230" name="Shape 230"/>
+        <p:cNvPr id="226" name="Shape 226"/>
         <p:cNvGrpSpPr/>
         <p:nvPr/>
       </p:nvGrpSpPr>
@@ -2584,7 +2584,7 @@
       </p:grpSpPr>
       <p:sp>
         <p:nvSpPr>
-          <p:cNvPr id="231" name="Google Shape;231;g10538ac236f_0_98:notes"/>
+          <p:cNvPr id="227" name="Google Shape;227;g10538ac236f_0_68:notes"/>
           <p:cNvSpPr/>
           <p:nvPr>
             <p:ph idx="2" type="sldImg"/>
@@ -2619,7 +2619,7 @@
       </p:sp>
       <p:sp>
         <p:nvSpPr>
-          <p:cNvPr id="232" name="Google Shape;232;g10538ac236f_0_98:notes"/>
+          <p:cNvPr id="228" name="Google Shape;228;g10538ac236f_0_68:notes"/>
           <p:cNvSpPr txBox="1"/>
           <p:nvPr>
             <p:ph idx="1" type="body"/>
@@ -2669,7 +2669,7 @@
   <p:cSld>
     <p:spTree>
       <p:nvGrpSpPr>
-        <p:cNvPr id="238" name="Shape 238"/>
+        <p:cNvPr id="231" name="Shape 231"/>
         <p:cNvGrpSpPr/>
         <p:nvPr/>
       </p:nvGrpSpPr>
@@ -2683,7 +2683,7 @@
       </p:grpSpPr>
       <p:sp>
         <p:nvSpPr>
-          <p:cNvPr id="239" name="Google Shape;239;g105e06faf48_0_433:notes"/>
+          <p:cNvPr id="232" name="Google Shape;232;g10538ac236f_0_2:notes"/>
           <p:cNvSpPr/>
           <p:nvPr>
             <p:ph idx="2" type="sldImg"/>
@@ -2718,7 +2718,7 @@
       </p:sp>
       <p:sp>
         <p:nvSpPr>
-          <p:cNvPr id="240" name="Google Shape;240;g105e06faf48_0_433:notes"/>
+          <p:cNvPr id="233" name="Google Shape;233;g10538ac236f_0_2:notes"/>
           <p:cNvSpPr txBox="1"/>
           <p:nvPr>
             <p:ph idx="1" type="body"/>
@@ -2768,7 +2768,7 @@
   <p:cSld>
     <p:spTree>
       <p:nvGrpSpPr>
-        <p:cNvPr id="243" name="Shape 243"/>
+        <p:cNvPr id="240" name="Shape 240"/>
         <p:cNvGrpSpPr/>
         <p:nvPr/>
       </p:nvGrpSpPr>
@@ -2782,7 +2782,7 @@
       </p:grpSpPr>
       <p:sp>
         <p:nvSpPr>
-          <p:cNvPr id="244" name="Google Shape;244;g105e06faf48_0_443:notes"/>
+          <p:cNvPr id="241" name="Google Shape;241;g10538ac236f_0_98:notes"/>
           <p:cNvSpPr/>
           <p:nvPr>
             <p:ph idx="2" type="sldImg"/>
@@ -2817,7 +2817,7 @@
       </p:sp>
       <p:sp>
         <p:nvSpPr>
-          <p:cNvPr id="245" name="Google Shape;245;g105e06faf48_0_443:notes"/>
+          <p:cNvPr id="242" name="Google Shape;242;g10538ac236f_0_98:notes"/>
           <p:cNvSpPr txBox="1"/>
           <p:nvPr>
             <p:ph idx="1" type="body"/>
@@ -10541,7 +10541,7 @@
             <a:tbl>
               <a:tblPr>
                 <a:noFill/>
-                <a:tableStyleId>{916C11BE-BDDF-41B8-80B0-23A772D19409}</a:tableStyleId>
+                <a:tableStyleId>{C6F7D22D-ED77-4CA1-A00D-6DF9D2BBC2DF}</a:tableStyleId>
               </a:tblPr>
               <a:tblGrid>
                 <a:gridCol w="1339250"/>
@@ -12209,6 +12209,89 @@
   <p:clrMapOvr>
     <a:masterClrMapping/>
   </p:clrMapOvr>
+  <p:timing>
+    <p:tnLst>
+      <p:par>
+        <p:cTn dur="indefinite" nodeType="tmRoot" restart="never">
+          <p:childTnLst>
+            <p:seq concurrent="1" nextAc="seek">
+              <p:cTn dur="indefinite" id="2" nodeType="mainSeq">
+                <p:childTnLst>
+                  <p:par>
+                    <p:cTn fill="hold">
+                      <p:stCondLst>
+                        <p:cond delay="indefinite"/>
+                      </p:stCondLst>
+                      <p:childTnLst>
+                        <p:par>
+                          <p:cTn fill="hold">
+                            <p:stCondLst>
+                              <p:cond delay="0"/>
+                            </p:stCondLst>
+                            <p:childTnLst>
+                              <p:par>
+                                <p:cTn fill="hold" nodeType="clickEffect" presetClass="entr" presetID="10" presetSubtype="0">
+                                  <p:stCondLst>
+                                    <p:cond delay="0"/>
+                                  </p:stCondLst>
+                                  <p:childTnLst>
+                                    <p:set>
+                                      <p:cBhvr>
+                                        <p:cTn dur="1" fill="hold">
+                                          <p:stCondLst>
+                                            <p:cond delay="0"/>
+                                          </p:stCondLst>
+                                        </p:cTn>
+                                        <p:tgtEl>
+                                          <p:spTgt spid="177"/>
+                                        </p:tgtEl>
+                                        <p:attrNameLst>
+                                          <p:attrName>style.visibility</p:attrName>
+                                        </p:attrNameLst>
+                                      </p:cBhvr>
+                                      <p:to>
+                                        <p:strVal val="visible"/>
+                                      </p:to>
+                                    </p:set>
+                                    <p:animEffect filter="fade" transition="in">
+                                      <p:cBhvr>
+                                        <p:cTn dur="400"/>
+                                        <p:tgtEl>
+                                          <p:spTgt spid="177"/>
+                                        </p:tgtEl>
+                                      </p:cBhvr>
+                                    </p:animEffect>
+                                  </p:childTnLst>
+                                </p:cTn>
+                              </p:par>
+                            </p:childTnLst>
+                          </p:cTn>
+                        </p:par>
+                      </p:childTnLst>
+                    </p:cTn>
+                  </p:par>
+                </p:childTnLst>
+              </p:cTn>
+              <p:prevCondLst>
+                <p:cond evt="onPrev">
+                  <p:tgtEl>
+                    <p:sldTgt/>
+                  </p:tgtEl>
+                </p:cond>
+              </p:prevCondLst>
+              <p:nextCondLst>
+                <p:cond evt="onNext">
+                  <p:tgtEl>
+                    <p:sldTgt/>
+                  </p:tgtEl>
+                </p:cond>
+              </p:nextCondLst>
+            </p:seq>
+          </p:childTnLst>
+        </p:cTn>
+      </p:par>
+    </p:tnLst>
+  </p:timing>
 </p:sld>
 </file>
 
@@ -12466,11 +12549,11 @@
             </a:pPr>
             <a:r>
               <a:rPr lang="ru"/>
-              <a:t>Вывод </a:t>
+              <a:t>Возможность вывода attention</a:t>
             </a:r>
             <a:r>
               <a:rPr lang="ru"/>
-              <a:t>attention для моделей трансформеров позволяет гибко анализировать и интерпретировать результаты модели</a:t>
+              <a:t> для моделей трансформеров позволяет гибко анализировать и интерпретировать результаты модели</a:t>
             </a:r>
             <a:endParaRPr/>
           </a:p>
@@ -12973,7 +13056,7 @@
             </a:pPr>
             <a:r>
               <a:rPr lang="ru"/>
-              <a:t>Дополнительный анализ</a:t>
+              <a:t>Спасибо за внимание</a:t>
             </a:r>
             <a:endParaRPr/>
           </a:p>
@@ -13009,6 +13092,136 @@
           <p:cNvPr id="225" name="Google Shape;225;p33"/>
           <p:cNvSpPr txBox="1"/>
           <p:nvPr>
+            <p:ph idx="1" type="body"/>
+          </p:nvPr>
+        </p:nvSpPr>
+        <p:spPr>
+          <a:xfrm>
+            <a:off x="319500" y="4230575"/>
+            <a:ext cx="5998800" cy="598800"/>
+          </a:xfrm>
+          <a:prstGeom prst="rect">
+            <a:avLst/>
+          </a:prstGeom>
+        </p:spPr>
+        <p:txBody>
+          <a:bodyPr anchorCtr="0" anchor="ctr" bIns="91425" lIns="91425" spcFirstLastPara="1" rIns="91425" wrap="square" tIns="91425">
+            <a:normAutofit/>
+          </a:bodyPr>
+          <a:lstStyle/>
+          <a:p>
+            <a:pPr indent="0" lvl="0" marL="0" rtl="0" algn="l">
+              <a:spcBef>
+                <a:spcPts val="0"/>
+              </a:spcBef>
+              <a:spcAft>
+                <a:spcPts val="0"/>
+              </a:spcAft>
+              <a:buNone/>
+            </a:pPr>
+            <a:r>
+              <a:rPr lang="ru"/>
+              <a:t>Кирилл Сетдеков, Москва, 2021</a:t>
+            </a:r>
+            <a:endParaRPr/>
+          </a:p>
+        </p:txBody>
+      </p:sp>
+    </p:spTree>
+  </p:cSld>
+  <p:clrMapOvr>
+    <a:masterClrMapping/>
+  </p:clrMapOvr>
+</p:sld>
+</file>
+
+<file path=ppt/slides/slide22.xml><?xml version="1.0" encoding="utf-8"?>
+<p:sld xmlns:a="http://schemas.openxmlformats.org/drawingml/2006/main" xmlns:r="http://schemas.openxmlformats.org/officeDocument/2006/relationships" xmlns:mc="http://schemas.openxmlformats.org/markup-compatibility/2006" xmlns:mv="urn:schemas-microsoft-com:mac:vml" xmlns:p="http://schemas.openxmlformats.org/presentationml/2006/main" xmlns:c="http://schemas.openxmlformats.org/drawingml/2006/chart" xmlns:dgm="http://schemas.openxmlformats.org/drawingml/2006/diagram" xmlns:o="urn:schemas-microsoft-com:office:office" xmlns:v="urn:schemas-microsoft-com:vml" xmlns:pvml="urn:schemas-microsoft-com:office:powerpoint" xmlns:com="http://schemas.openxmlformats.org/drawingml/2006/compatibility" xmlns:p14="http://schemas.microsoft.com/office/powerpoint/2010/main" xmlns:p15="http://schemas.microsoft.com/office/powerpoint/2012/main" xmlns:ahyp="http://schemas.microsoft.com/office/drawing/2018/hyperlinkcolor">
+  <p:cSld>
+    <p:spTree>
+      <p:nvGrpSpPr>
+        <p:cNvPr id="229" name="Shape 229"/>
+        <p:cNvGrpSpPr/>
+        <p:nvPr/>
+      </p:nvGrpSpPr>
+      <p:grpSpPr>
+        <a:xfrm>
+          <a:off x="0" y="0"/>
+          <a:ext cx="0" cy="0"/>
+          <a:chOff x="0" y="0"/>
+          <a:chExt cx="0" cy="0"/>
+        </a:xfrm>
+      </p:grpSpPr>
+      <p:sp>
+        <p:nvSpPr>
+          <p:cNvPr id="230" name="Google Shape;230;p34"/>
+          <p:cNvSpPr txBox="1"/>
+          <p:nvPr>
+            <p:ph type="title"/>
+          </p:nvPr>
+        </p:nvSpPr>
+        <p:spPr>
+          <a:xfrm>
+            <a:off x="598100" y="2152347"/>
+            <a:ext cx="8222100" cy="838800"/>
+          </a:xfrm>
+          <a:prstGeom prst="rect">
+            <a:avLst/>
+          </a:prstGeom>
+        </p:spPr>
+        <p:txBody>
+          <a:bodyPr anchorCtr="0" anchor="ctr" bIns="91425" lIns="91425" spcFirstLastPara="1" rIns="91425" wrap="square" tIns="91425">
+            <a:normAutofit/>
+          </a:bodyPr>
+          <a:lstStyle/>
+          <a:p>
+            <a:pPr indent="0" lvl="0" marL="0" rtl="0" algn="l">
+              <a:spcBef>
+                <a:spcPts val="0"/>
+              </a:spcBef>
+              <a:spcAft>
+                <a:spcPts val="0"/>
+              </a:spcAft>
+              <a:buNone/>
+            </a:pPr>
+            <a:r>
+              <a:rPr lang="ru"/>
+              <a:t>Приложения</a:t>
+            </a:r>
+            <a:endParaRPr/>
+          </a:p>
+        </p:txBody>
+      </p:sp>
+    </p:spTree>
+  </p:cSld>
+  <p:clrMapOvr>
+    <a:masterClrMapping/>
+  </p:clrMapOvr>
+</p:sld>
+</file>
+
+<file path=ppt/slides/slide23.xml><?xml version="1.0" encoding="utf-8"?>
+<p:sld xmlns:a="http://schemas.openxmlformats.org/drawingml/2006/main" xmlns:r="http://schemas.openxmlformats.org/officeDocument/2006/relationships" xmlns:mc="http://schemas.openxmlformats.org/markup-compatibility/2006" xmlns:mv="urn:schemas-microsoft-com:mac:vml" xmlns:p="http://schemas.openxmlformats.org/presentationml/2006/main" xmlns:c="http://schemas.openxmlformats.org/drawingml/2006/chart" xmlns:dgm="http://schemas.openxmlformats.org/drawingml/2006/diagram" xmlns:o="urn:schemas-microsoft-com:office:office" xmlns:v="urn:schemas-microsoft-com:vml" xmlns:pvml="urn:schemas-microsoft-com:office:powerpoint" xmlns:com="http://schemas.openxmlformats.org/drawingml/2006/compatibility" xmlns:p14="http://schemas.microsoft.com/office/powerpoint/2010/main" xmlns:p15="http://schemas.microsoft.com/office/powerpoint/2012/main" xmlns:ahyp="http://schemas.microsoft.com/office/drawing/2018/hyperlinkcolor">
+  <p:cSld>
+    <p:spTree>
+      <p:nvGrpSpPr>
+        <p:cNvPr id="234" name="Shape 234"/>
+        <p:cNvGrpSpPr/>
+        <p:nvPr/>
+      </p:nvGrpSpPr>
+      <p:grpSpPr>
+        <a:xfrm>
+          <a:off x="0" y="0"/>
+          <a:ext cx="0" cy="0"/>
+          <a:chOff x="0" y="0"/>
+          <a:chExt cx="0" cy="0"/>
+        </a:xfrm>
+      </p:grpSpPr>
+      <p:sp>
+        <p:nvSpPr>
+          <p:cNvPr id="235" name="Google Shape;235;p35"/>
+          <p:cNvSpPr txBox="1"/>
+          <p:nvPr>
             <p:ph type="title"/>
           </p:nvPr>
         </p:nvSpPr>
@@ -13046,7 +13259,7 @@
       </p:sp>
       <p:sp>
         <p:nvSpPr>
-          <p:cNvPr id="226" name="Google Shape;226;p33"/>
+          <p:cNvPr id="236" name="Google Shape;236;p35"/>
           <p:cNvSpPr txBox="1"/>
           <p:nvPr>
             <p:ph idx="1" type="body"/>
@@ -13119,7 +13332,7 @@
       </p:sp>
       <p:pic>
         <p:nvPicPr>
-          <p:cNvPr id="227" name="Google Shape;227;p33"/>
+          <p:cNvPr id="237" name="Google Shape;237;p35"/>
           <p:cNvPicPr preferRelativeResize="0"/>
           <p:nvPr/>
         </p:nvPicPr>
@@ -13147,7 +13360,7 @@
       </p:pic>
       <p:graphicFrame>
         <p:nvGraphicFramePr>
-          <p:cNvPr id="228" name="Google Shape;228;p33"/>
+          <p:cNvPr id="238" name="Google Shape;238;p35"/>
           <p:cNvGraphicFramePr/>
           <p:nvPr/>
         </p:nvGraphicFramePr>
@@ -13160,7 +13373,7 @@
             <a:tbl>
               <a:tblPr>
                 <a:noFill/>
-                <a:tableStyleId>{CCFC997F-C227-41A0-B9B7-EC77BE5A711D}</a:tableStyleId>
+                <a:tableStyleId>{70579F44-EBC7-430D-B157-F0156DC9EC5D}</a:tableStyleId>
               </a:tblPr>
               <a:tblGrid>
                 <a:gridCol w="2165775"/>
@@ -14136,7 +14349,7 @@
       </p:graphicFrame>
       <p:sp>
         <p:nvSpPr>
-          <p:cNvPr id="229" name="Google Shape;229;p33"/>
+          <p:cNvPr id="239" name="Google Shape;239;p35"/>
           <p:cNvSpPr txBox="1"/>
           <p:nvPr/>
         </p:nvSpPr>
@@ -14194,12 +14407,12 @@
 </p:sld>
 </file>
 
-<file path=ppt/slides/slide22.xml><?xml version="1.0" encoding="utf-8"?>
+<file path=ppt/slides/slide24.xml><?xml version="1.0" encoding="utf-8"?>
 <p:sld xmlns:a="http://schemas.openxmlformats.org/drawingml/2006/main" xmlns:r="http://schemas.openxmlformats.org/officeDocument/2006/relationships" xmlns:mc="http://schemas.openxmlformats.org/markup-compatibility/2006" xmlns:mv="urn:schemas-microsoft-com:mac:vml" xmlns:p="http://schemas.openxmlformats.org/presentationml/2006/main" xmlns:c="http://schemas.openxmlformats.org/drawingml/2006/chart" xmlns:dgm="http://schemas.openxmlformats.org/drawingml/2006/diagram" xmlns:o="urn:schemas-microsoft-com:office:office" xmlns:v="urn:schemas-microsoft-com:vml" xmlns:pvml="urn:schemas-microsoft-com:office:powerpoint" xmlns:com="http://schemas.openxmlformats.org/drawingml/2006/compatibility" xmlns:p14="http://schemas.microsoft.com/office/powerpoint/2010/main" xmlns:p15="http://schemas.microsoft.com/office/powerpoint/2012/main" xmlns:ahyp="http://schemas.microsoft.com/office/drawing/2018/hyperlinkcolor">
   <p:cSld>
     <p:spTree>
       <p:nvGrpSpPr>
-        <p:cNvPr id="233" name="Shape 233"/>
+        <p:cNvPr id="243" name="Shape 243"/>
         <p:cNvGrpSpPr/>
         <p:nvPr/>
       </p:nvGrpSpPr>
@@ -14213,7 +14426,7 @@
       </p:grpSpPr>
       <p:sp>
         <p:nvSpPr>
-          <p:cNvPr id="234" name="Google Shape;234;p34"/>
+          <p:cNvPr id="244" name="Google Shape;244;p36"/>
           <p:cNvSpPr txBox="1"/>
           <p:nvPr>
             <p:ph type="title"/>
@@ -14253,7 +14466,7 @@
       </p:sp>
       <p:pic>
         <p:nvPicPr>
-          <p:cNvPr id="235" name="Google Shape;235;p34"/>
+          <p:cNvPr id="245" name="Google Shape;245;p36"/>
           <p:cNvPicPr preferRelativeResize="0"/>
           <p:nvPr/>
         </p:nvPicPr>
@@ -14281,7 +14494,7 @@
       </p:pic>
       <p:pic>
         <p:nvPicPr>
-          <p:cNvPr id="236" name="Google Shape;236;p34"/>
+          <p:cNvPr id="246" name="Google Shape;246;p36"/>
           <p:cNvPicPr preferRelativeResize="0"/>
           <p:nvPr/>
         </p:nvPicPr>
@@ -14309,7 +14522,7 @@
       </p:pic>
       <p:pic>
         <p:nvPicPr>
-          <p:cNvPr id="237" name="Google Shape;237;p34"/>
+          <p:cNvPr id="247" name="Google Shape;247;p36"/>
           <p:cNvPicPr preferRelativeResize="0"/>
           <p:nvPr/>
         </p:nvPicPr>
@@ -14335,136 +14548,6 @@
           </a:ln>
         </p:spPr>
       </p:pic>
-    </p:spTree>
-  </p:cSld>
-  <p:clrMapOvr>
-    <a:masterClrMapping/>
-  </p:clrMapOvr>
-</p:sld>
-</file>
-
-<file path=ppt/slides/slide23.xml><?xml version="1.0" encoding="utf-8"?>
-<p:sld xmlns:a="http://schemas.openxmlformats.org/drawingml/2006/main" xmlns:r="http://schemas.openxmlformats.org/officeDocument/2006/relationships" xmlns:mc="http://schemas.openxmlformats.org/markup-compatibility/2006" xmlns:mv="urn:schemas-microsoft-com:mac:vml" xmlns:p="http://schemas.openxmlformats.org/presentationml/2006/main" xmlns:c="http://schemas.openxmlformats.org/drawingml/2006/chart" xmlns:dgm="http://schemas.openxmlformats.org/drawingml/2006/diagram" xmlns:o="urn:schemas-microsoft-com:office:office" xmlns:v="urn:schemas-microsoft-com:vml" xmlns:pvml="urn:schemas-microsoft-com:office:powerpoint" xmlns:com="http://schemas.openxmlformats.org/drawingml/2006/compatibility" xmlns:p14="http://schemas.microsoft.com/office/powerpoint/2010/main" xmlns:p15="http://schemas.microsoft.com/office/powerpoint/2012/main" xmlns:ahyp="http://schemas.microsoft.com/office/drawing/2018/hyperlinkcolor">
-  <p:cSld>
-    <p:spTree>
-      <p:nvGrpSpPr>
-        <p:cNvPr id="241" name="Shape 241"/>
-        <p:cNvGrpSpPr/>
-        <p:nvPr/>
-      </p:nvGrpSpPr>
-      <p:grpSpPr>
-        <a:xfrm>
-          <a:off x="0" y="0"/>
-          <a:ext cx="0" cy="0"/>
-          <a:chOff x="0" y="0"/>
-          <a:chExt cx="0" cy="0"/>
-        </a:xfrm>
-      </p:grpSpPr>
-      <p:sp>
-        <p:nvSpPr>
-          <p:cNvPr id="242" name="Google Shape;242;p35"/>
-          <p:cNvSpPr txBox="1"/>
-          <p:nvPr>
-            <p:ph type="title"/>
-          </p:nvPr>
-        </p:nvSpPr>
-        <p:spPr>
-          <a:xfrm>
-            <a:off x="598100" y="2152347"/>
-            <a:ext cx="8222100" cy="838800"/>
-          </a:xfrm>
-          <a:prstGeom prst="rect">
-            <a:avLst/>
-          </a:prstGeom>
-        </p:spPr>
-        <p:txBody>
-          <a:bodyPr anchorCtr="0" anchor="ctr" bIns="91425" lIns="91425" spcFirstLastPara="1" rIns="91425" wrap="square" tIns="91425">
-            <a:normAutofit/>
-          </a:bodyPr>
-          <a:lstStyle/>
-          <a:p>
-            <a:pPr indent="0" lvl="0" marL="0" rtl="0" algn="l">
-              <a:spcBef>
-                <a:spcPts val="0"/>
-              </a:spcBef>
-              <a:spcAft>
-                <a:spcPts val="0"/>
-              </a:spcAft>
-              <a:buNone/>
-            </a:pPr>
-            <a:r>
-              <a:rPr lang="ru"/>
-              <a:t>Спасибо за внимание</a:t>
-            </a:r>
-            <a:endParaRPr/>
-          </a:p>
-        </p:txBody>
-      </p:sp>
-    </p:spTree>
-  </p:cSld>
-  <p:clrMapOvr>
-    <a:masterClrMapping/>
-  </p:clrMapOvr>
-</p:sld>
-</file>
-
-<file path=ppt/slides/slide24.xml><?xml version="1.0" encoding="utf-8"?>
-<p:sld xmlns:a="http://schemas.openxmlformats.org/drawingml/2006/main" xmlns:r="http://schemas.openxmlformats.org/officeDocument/2006/relationships" xmlns:mc="http://schemas.openxmlformats.org/markup-compatibility/2006" xmlns:mv="urn:schemas-microsoft-com:mac:vml" xmlns:p="http://schemas.openxmlformats.org/presentationml/2006/main" xmlns:c="http://schemas.openxmlformats.org/drawingml/2006/chart" xmlns:dgm="http://schemas.openxmlformats.org/drawingml/2006/diagram" xmlns:o="urn:schemas-microsoft-com:office:office" xmlns:v="urn:schemas-microsoft-com:vml" xmlns:pvml="urn:schemas-microsoft-com:office:powerpoint" xmlns:com="http://schemas.openxmlformats.org/drawingml/2006/compatibility" xmlns:p14="http://schemas.microsoft.com/office/powerpoint/2010/main" xmlns:p15="http://schemas.microsoft.com/office/powerpoint/2012/main" xmlns:ahyp="http://schemas.microsoft.com/office/drawing/2018/hyperlinkcolor">
-  <p:cSld>
-    <p:spTree>
-      <p:nvGrpSpPr>
-        <p:cNvPr id="246" name="Shape 246"/>
-        <p:cNvGrpSpPr/>
-        <p:nvPr/>
-      </p:nvGrpSpPr>
-      <p:grpSpPr>
-        <a:xfrm>
-          <a:off x="0" y="0"/>
-          <a:ext cx="0" cy="0"/>
-          <a:chOff x="0" y="0"/>
-          <a:chExt cx="0" cy="0"/>
-        </a:xfrm>
-      </p:grpSpPr>
-      <p:sp>
-        <p:nvSpPr>
-          <p:cNvPr id="247" name="Google Shape;247;p36"/>
-          <p:cNvSpPr txBox="1"/>
-          <p:nvPr>
-            <p:ph idx="1" type="body"/>
-          </p:nvPr>
-        </p:nvSpPr>
-        <p:spPr>
-          <a:xfrm>
-            <a:off x="319500" y="4230575"/>
-            <a:ext cx="5998800" cy="598800"/>
-          </a:xfrm>
-          <a:prstGeom prst="rect">
-            <a:avLst/>
-          </a:prstGeom>
-        </p:spPr>
-        <p:txBody>
-          <a:bodyPr anchorCtr="0" anchor="ctr" bIns="91425" lIns="91425" spcFirstLastPara="1" rIns="91425" wrap="square" tIns="91425">
-            <a:normAutofit/>
-          </a:bodyPr>
-          <a:lstStyle/>
-          <a:p>
-            <a:pPr indent="0" lvl="0" marL="0" rtl="0" algn="l">
-              <a:spcBef>
-                <a:spcPts val="0"/>
-              </a:spcBef>
-              <a:spcAft>
-                <a:spcPts val="0"/>
-              </a:spcAft>
-              <a:buNone/>
-            </a:pPr>
-            <a:r>
-              <a:rPr lang="ru"/>
-              <a:t>Кирилл Сетдеков, Москва, 2021</a:t>
-            </a:r>
-            <a:endParaRPr/>
-          </a:p>
-        </p:txBody>
-      </p:sp>
     </p:spTree>
   </p:cSld>
   <p:clrMapOvr>
@@ -16408,6 +16491,285 @@
 </file>
 
 <file path=ppt/theme/theme1.xml><?xml version="1.0" encoding="utf-8"?>
+<a:theme xmlns:a="http://schemas.openxmlformats.org/drawingml/2006/main" xmlns:r="http://schemas.openxmlformats.org/officeDocument/2006/relationships" name="Geometric">
+  <a:themeElements>
+    <a:clrScheme name="Geometric">
+      <a:dk1>
+        <a:srgbClr val="2A3990"/>
+      </a:dk1>
+      <a:lt1>
+        <a:srgbClr val="FFFFFF"/>
+      </a:lt1>
+      <a:dk2>
+        <a:srgbClr val="434343"/>
+      </a:dk2>
+      <a:lt2>
+        <a:srgbClr val="999999"/>
+      </a:lt2>
+      <a:accent1>
+        <a:srgbClr val="212D74"/>
+      </a:accent1>
+      <a:accent2>
+        <a:srgbClr val="3949AB"/>
+      </a:accent2>
+      <a:accent3>
+        <a:srgbClr val="9C254D"/>
+      </a:accent3>
+      <a:accent4>
+        <a:srgbClr val="D23369"/>
+      </a:accent4>
+      <a:accent5>
+        <a:srgbClr val="F06292"/>
+      </a:accent5>
+      <a:accent6>
+        <a:srgbClr val="7890CD"/>
+      </a:accent6>
+      <a:hlink>
+        <a:srgbClr val="F06292"/>
+      </a:hlink>
+      <a:folHlink>
+        <a:srgbClr val="F06292"/>
+      </a:folHlink>
+    </a:clrScheme>
+    <a:fontScheme name="Office">
+      <a:majorFont>
+        <a:latin typeface="Arial"/>
+        <a:ea typeface=""/>
+        <a:cs typeface=""/>
+        <a:font script="Jpan" typeface="ＭＳ Ｐゴシック"/>
+        <a:font script="Hang" typeface="맑은 고딕"/>
+        <a:font script="Hans" typeface="宋体"/>
+        <a:font script="Hant" typeface="新細明體"/>
+        <a:font script="Arab" typeface="Times New Roman"/>
+        <a:font script="Hebr" typeface="Times New Roman"/>
+        <a:font script="Thai" typeface="Angsana New"/>
+        <a:font script="Ethi" typeface="Nyala"/>
+        <a:font script="Beng" typeface="Vrinda"/>
+        <a:font script="Gujr" typeface="Shruti"/>
+        <a:font script="Khmr" typeface="MoolBoran"/>
+        <a:font script="Knda" typeface="Tunga"/>
+        <a:font script="Guru" typeface="Raavi"/>
+        <a:font script="Cans" typeface="Euphemia"/>
+        <a:font script="Cher" typeface="Plantagenet Cherokee"/>
+        <a:font script="Yiii" typeface="Microsoft Yi Baiti"/>
+        <a:font script="Tibt" typeface="Microsoft Himalaya"/>
+        <a:font script="Thaa" typeface="MV Boli"/>
+        <a:font script="Deva" typeface="Mangal"/>
+        <a:font script="Telu" typeface="Gautami"/>
+        <a:font script="Taml" typeface="Latha"/>
+        <a:font script="Syrc" typeface="Estrangelo Edessa"/>
+        <a:font script="Orya" typeface="Kalinga"/>
+        <a:font script="Mlym" typeface="Kartika"/>
+        <a:font script="Laoo" typeface="DokChampa"/>
+        <a:font script="Sinh" typeface="Iskoola Pota"/>
+        <a:font script="Mong" typeface="Mongolian Baiti"/>
+        <a:font script="Viet" typeface="Times New Roman"/>
+        <a:font script="Uigh" typeface="Microsoft Uighur"/>
+        <a:font script="Geor" typeface="Sylfaen"/>
+      </a:majorFont>
+      <a:minorFont>
+        <a:latin typeface="Arial"/>
+        <a:ea typeface=""/>
+        <a:cs typeface=""/>
+        <a:font script="Jpan" typeface="ＭＳ Ｐゴシック"/>
+        <a:font script="Hang" typeface="맑은 고딕"/>
+        <a:font script="Hans" typeface="宋体"/>
+        <a:font script="Hant" typeface="新細明體"/>
+        <a:font script="Arab" typeface="Arial"/>
+        <a:font script="Hebr" typeface="Arial"/>
+        <a:font script="Thai" typeface="Cordia New"/>
+        <a:font script="Ethi" typeface="Nyala"/>
+        <a:font script="Beng" typeface="Vrinda"/>
+        <a:font script="Gujr" typeface="Shruti"/>
+        <a:font script="Khmr" typeface="DaunPenh"/>
+        <a:font script="Knda" typeface="Tunga"/>
+        <a:font script="Guru" typeface="Raavi"/>
+        <a:font script="Cans" typeface="Euphemia"/>
+        <a:font script="Cher" typeface="Plantagenet Cherokee"/>
+        <a:font script="Yiii" typeface="Microsoft Yi Baiti"/>
+        <a:font script="Tibt" typeface="Microsoft Himalaya"/>
+        <a:font script="Thaa" typeface="MV Boli"/>
+        <a:font script="Deva" typeface="Mangal"/>
+        <a:font script="Telu" typeface="Gautami"/>
+        <a:font script="Taml" typeface="Latha"/>
+        <a:font script="Syrc" typeface="Estrangelo Edessa"/>
+        <a:font script="Orya" typeface="Kalinga"/>
+        <a:font script="Mlym" typeface="Kartika"/>
+        <a:font script="Laoo" typeface="DokChampa"/>
+        <a:font script="Sinh" typeface="Iskoola Pota"/>
+        <a:font script="Mong" typeface="Mongolian Baiti"/>
+        <a:font script="Viet" typeface="Arial"/>
+        <a:font script="Uigh" typeface="Microsoft Uighur"/>
+        <a:font script="Geor" typeface="Sylfaen"/>
+      </a:minorFont>
+    </a:fontScheme>
+    <a:fmtScheme name="Office">
+      <a:fillStyleLst>
+        <a:solidFill>
+          <a:schemeClr val="phClr"/>
+        </a:solidFill>
+        <a:gradFill rotWithShape="1">
+          <a:gsLst>
+            <a:gs pos="0">
+              <a:schemeClr val="phClr">
+                <a:tint val="50000"/>
+                <a:satMod val="300000"/>
+              </a:schemeClr>
+            </a:gs>
+            <a:gs pos="35000">
+              <a:schemeClr val="phClr">
+                <a:tint val="37000"/>
+                <a:satMod val="300000"/>
+              </a:schemeClr>
+            </a:gs>
+            <a:gs pos="100000">
+              <a:schemeClr val="phClr">
+                <a:tint val="15000"/>
+                <a:satMod val="350000"/>
+              </a:schemeClr>
+            </a:gs>
+          </a:gsLst>
+          <a:lin ang="16200000" scaled="1"/>
+        </a:gradFill>
+        <a:gradFill rotWithShape="1">
+          <a:gsLst>
+            <a:gs pos="0">
+              <a:schemeClr val="phClr">
+                <a:tint val="100000"/>
+                <a:shade val="100000"/>
+                <a:satMod val="130000"/>
+              </a:schemeClr>
+            </a:gs>
+            <a:gs pos="100000">
+              <a:schemeClr val="phClr">
+                <a:tint val="50000"/>
+                <a:shade val="100000"/>
+                <a:satMod val="350000"/>
+              </a:schemeClr>
+            </a:gs>
+          </a:gsLst>
+          <a:lin ang="16200000" scaled="0"/>
+        </a:gradFill>
+      </a:fillStyleLst>
+      <a:lnStyleLst>
+        <a:ln w="9525" cap="flat" cmpd="sng" algn="ctr">
+          <a:solidFill>
+            <a:schemeClr val="phClr">
+              <a:shade val="95000"/>
+              <a:satMod val="105000"/>
+            </a:schemeClr>
+          </a:solidFill>
+          <a:prstDash val="solid"/>
+        </a:ln>
+        <a:ln w="25400" cap="flat" cmpd="sng" algn="ctr">
+          <a:solidFill>
+            <a:schemeClr val="phClr"/>
+          </a:solidFill>
+          <a:prstDash val="solid"/>
+        </a:ln>
+        <a:ln w="38100" cap="flat" cmpd="sng" algn="ctr">
+          <a:solidFill>
+            <a:schemeClr val="phClr"/>
+          </a:solidFill>
+          <a:prstDash val="solid"/>
+        </a:ln>
+      </a:lnStyleLst>
+      <a:effectStyleLst>
+        <a:effectStyle>
+          <a:effectLst>
+            <a:outerShdw blurRad="40000" dist="20000" dir="5400000" rotWithShape="0">
+              <a:srgbClr val="000000">
+                <a:alpha val="38000"/>
+              </a:srgbClr>
+            </a:outerShdw>
+          </a:effectLst>
+        </a:effectStyle>
+        <a:effectStyle>
+          <a:effectLst>
+            <a:outerShdw blurRad="40000" dist="23000" dir="5400000" rotWithShape="0">
+              <a:srgbClr val="000000">
+                <a:alpha val="35000"/>
+              </a:srgbClr>
+            </a:outerShdw>
+          </a:effectLst>
+        </a:effectStyle>
+        <a:effectStyle>
+          <a:effectLst>
+            <a:outerShdw blurRad="40000" dist="23000" dir="5400000" rotWithShape="0">
+              <a:srgbClr val="000000">
+                <a:alpha val="35000"/>
+              </a:srgbClr>
+            </a:outerShdw>
+          </a:effectLst>
+          <a:scene3d>
+            <a:camera prst="orthographicFront">
+              <a:rot lat="0" lon="0" rev="0"/>
+            </a:camera>
+            <a:lightRig rig="threePt" dir="t">
+              <a:rot lat="0" lon="0" rev="1200000"/>
+            </a:lightRig>
+          </a:scene3d>
+          <a:sp3d>
+            <a:bevelT w="63500" h="25400"/>
+          </a:sp3d>
+        </a:effectStyle>
+      </a:effectStyleLst>
+      <a:bgFillStyleLst>
+        <a:solidFill>
+          <a:schemeClr val="phClr"/>
+        </a:solidFill>
+        <a:gradFill rotWithShape="1">
+          <a:gsLst>
+            <a:gs pos="0">
+              <a:schemeClr val="phClr">
+                <a:tint val="40000"/>
+                <a:satMod val="350000"/>
+              </a:schemeClr>
+            </a:gs>
+            <a:gs pos="40000">
+              <a:schemeClr val="phClr">
+                <a:tint val="45000"/>
+                <a:shade val="99000"/>
+                <a:satMod val="350000"/>
+              </a:schemeClr>
+            </a:gs>
+            <a:gs pos="100000">
+              <a:schemeClr val="phClr">
+                <a:shade val="20000"/>
+                <a:satMod val="255000"/>
+              </a:schemeClr>
+            </a:gs>
+          </a:gsLst>
+          <a:path path="circle">
+            <a:fillToRect l="50000" t="-80000" r="50000" b="180000"/>
+          </a:path>
+        </a:gradFill>
+        <a:gradFill rotWithShape="1">
+          <a:gsLst>
+            <a:gs pos="0">
+              <a:schemeClr val="phClr">
+                <a:tint val="80000"/>
+                <a:satMod val="300000"/>
+              </a:schemeClr>
+            </a:gs>
+            <a:gs pos="100000">
+              <a:schemeClr val="phClr">
+                <a:shade val="30000"/>
+                <a:satMod val="200000"/>
+              </a:schemeClr>
+            </a:gs>
+          </a:gsLst>
+          <a:path path="circle">
+            <a:fillToRect l="50000" t="50000" r="50000" b="50000"/>
+          </a:path>
+        </a:gradFill>
+      </a:bgFillStyleLst>
+    </a:fmtScheme>
+  </a:themeElements>
+</a:theme>
+</file>
+
+<file path=ppt/theme/theme2.xml><?xml version="1.0" encoding="utf-8"?>
 <a:theme xmlns:a="http://schemas.openxmlformats.org/drawingml/2006/main" xmlns:r="http://schemas.openxmlformats.org/officeDocument/2006/relationships">
   <a:themeElements>
     <a:clrScheme name="Default">
@@ -16684,283 +17046,4 @@
     </a:fmtScheme>
   </a:themeElements>
 </a:theme>
-</file>
-
-<file path=ppt/theme/theme2.xml><?xml version="1.0" encoding="utf-8"?>
-<a:theme xmlns:a="http://schemas.openxmlformats.org/drawingml/2006/main" xmlns:r="http://schemas.openxmlformats.org/officeDocument/2006/relationships" name="Geometric">
-  <a:themeElements>
-    <a:clrScheme name="Geometric">
-      <a:dk1>
-        <a:srgbClr val="2A3990"/>
-      </a:dk1>
-      <a:lt1>
-        <a:srgbClr val="FFFFFF"/>
-      </a:lt1>
-      <a:dk2>
-        <a:srgbClr val="434343"/>
-      </a:dk2>
-      <a:lt2>
-        <a:srgbClr val="999999"/>
-      </a:lt2>
-      <a:accent1>
-        <a:srgbClr val="212D74"/>
-      </a:accent1>
-      <a:accent2>
-        <a:srgbClr val="3949AB"/>
-      </a:accent2>
-      <a:accent3>
-        <a:srgbClr val="9C254D"/>
-      </a:accent3>
-      <a:accent4>
-        <a:srgbClr val="D23369"/>
-      </a:accent4>
-      <a:accent5>
-        <a:srgbClr val="F06292"/>
-      </a:accent5>
-      <a:accent6>
-        <a:srgbClr val="7890CD"/>
-      </a:accent6>
-      <a:hlink>
-        <a:srgbClr val="F06292"/>
-      </a:hlink>
-      <a:folHlink>
-        <a:srgbClr val="F06292"/>
-      </a:folHlink>
-    </a:clrScheme>
-    <a:fontScheme name="Office">
-      <a:majorFont>
-        <a:latin typeface="Arial"/>
-        <a:ea typeface=""/>
-        <a:cs typeface=""/>
-        <a:font script="Jpan" typeface="ＭＳ Ｐゴシック"/>
-        <a:font script="Hang" typeface="맑은 고딕"/>
-        <a:font script="Hans" typeface="宋体"/>
-        <a:font script="Hant" typeface="新細明體"/>
-        <a:font script="Arab" typeface="Times New Roman"/>
-        <a:font script="Hebr" typeface="Times New Roman"/>
-        <a:font script="Thai" typeface="Angsana New"/>
-        <a:font script="Ethi" typeface="Nyala"/>
-        <a:font script="Beng" typeface="Vrinda"/>
-        <a:font script="Gujr" typeface="Shruti"/>
-        <a:font script="Khmr" typeface="MoolBoran"/>
-        <a:font script="Knda" typeface="Tunga"/>
-        <a:font script="Guru" typeface="Raavi"/>
-        <a:font script="Cans" typeface="Euphemia"/>
-        <a:font script="Cher" typeface="Plantagenet Cherokee"/>
-        <a:font script="Yiii" typeface="Microsoft Yi Baiti"/>
-        <a:font script="Tibt" typeface="Microsoft Himalaya"/>
-        <a:font script="Thaa" typeface="MV Boli"/>
-        <a:font script="Deva" typeface="Mangal"/>
-        <a:font script="Telu" typeface="Gautami"/>
-        <a:font script="Taml" typeface="Latha"/>
-        <a:font script="Syrc" typeface="Estrangelo Edessa"/>
-        <a:font script="Orya" typeface="Kalinga"/>
-        <a:font script="Mlym" typeface="Kartika"/>
-        <a:font script="Laoo" typeface="DokChampa"/>
-        <a:font script="Sinh" typeface="Iskoola Pota"/>
-        <a:font script="Mong" typeface="Mongolian Baiti"/>
-        <a:font script="Viet" typeface="Times New Roman"/>
-        <a:font script="Uigh" typeface="Microsoft Uighur"/>
-        <a:font script="Geor" typeface="Sylfaen"/>
-      </a:majorFont>
-      <a:minorFont>
-        <a:latin typeface="Arial"/>
-        <a:ea typeface=""/>
-        <a:cs typeface=""/>
-        <a:font script="Jpan" typeface="ＭＳ Ｐゴシック"/>
-        <a:font script="Hang" typeface="맑은 고딕"/>
-        <a:font script="Hans" typeface="宋体"/>
-        <a:font script="Hant" typeface="新細明體"/>
-        <a:font script="Arab" typeface="Arial"/>
-        <a:font script="Hebr" typeface="Arial"/>
-        <a:font script="Thai" typeface="Cordia New"/>
-        <a:font script="Ethi" typeface="Nyala"/>
-        <a:font script="Beng" typeface="Vrinda"/>
-        <a:font script="Gujr" typeface="Shruti"/>
-        <a:font script="Khmr" typeface="DaunPenh"/>
-        <a:font script="Knda" typeface="Tunga"/>
-        <a:font script="Guru" typeface="Raavi"/>
-        <a:font script="Cans" typeface="Euphemia"/>
-        <a:font script="Cher" typeface="Plantagenet Cherokee"/>
-        <a:font script="Yiii" typeface="Microsoft Yi Baiti"/>
-        <a:font script="Tibt" typeface="Microsoft Himalaya"/>
-        <a:font script="Thaa" typeface="MV Boli"/>
-        <a:font script="Deva" typeface="Mangal"/>
-        <a:font script="Telu" typeface="Gautami"/>
-        <a:font script="Taml" typeface="Latha"/>
-        <a:font script="Syrc" typeface="Estrangelo Edessa"/>
-        <a:font script="Orya" typeface="Kalinga"/>
-        <a:font script="Mlym" typeface="Kartika"/>
-        <a:font script="Laoo" typeface="DokChampa"/>
-        <a:font script="Sinh" typeface="Iskoola Pota"/>
-        <a:font script="Mong" typeface="Mongolian Baiti"/>
-        <a:font script="Viet" typeface="Arial"/>
-        <a:font script="Uigh" typeface="Microsoft Uighur"/>
-        <a:font script="Geor" typeface="Sylfaen"/>
-      </a:minorFont>
-    </a:fontScheme>
-    <a:fmtScheme name="Office">
-      <a:fillStyleLst>
-        <a:solidFill>
-          <a:schemeClr val="phClr"/>
-        </a:solidFill>
-        <a:gradFill rotWithShape="1">
-          <a:gsLst>
-            <a:gs pos="0">
-              <a:schemeClr val="phClr">
-                <a:tint val="50000"/>
-                <a:satMod val="300000"/>
-              </a:schemeClr>
-            </a:gs>
-            <a:gs pos="35000">
-              <a:schemeClr val="phClr">
-                <a:tint val="37000"/>
-                <a:satMod val="300000"/>
-              </a:schemeClr>
-            </a:gs>
-            <a:gs pos="100000">
-              <a:schemeClr val="phClr">
-                <a:tint val="15000"/>
-                <a:satMod val="350000"/>
-              </a:schemeClr>
-            </a:gs>
-          </a:gsLst>
-          <a:lin ang="16200000" scaled="1"/>
-        </a:gradFill>
-        <a:gradFill rotWithShape="1">
-          <a:gsLst>
-            <a:gs pos="0">
-              <a:schemeClr val="phClr">
-                <a:tint val="100000"/>
-                <a:shade val="100000"/>
-                <a:satMod val="130000"/>
-              </a:schemeClr>
-            </a:gs>
-            <a:gs pos="100000">
-              <a:schemeClr val="phClr">
-                <a:tint val="50000"/>
-                <a:shade val="100000"/>
-                <a:satMod val="350000"/>
-              </a:schemeClr>
-            </a:gs>
-          </a:gsLst>
-          <a:lin ang="16200000" scaled="0"/>
-        </a:gradFill>
-      </a:fillStyleLst>
-      <a:lnStyleLst>
-        <a:ln w="9525" cap="flat" cmpd="sng" algn="ctr">
-          <a:solidFill>
-            <a:schemeClr val="phClr">
-              <a:shade val="95000"/>
-              <a:satMod val="105000"/>
-            </a:schemeClr>
-          </a:solidFill>
-          <a:prstDash val="solid"/>
-        </a:ln>
-        <a:ln w="25400" cap="flat" cmpd="sng" algn="ctr">
-          <a:solidFill>
-            <a:schemeClr val="phClr"/>
-          </a:solidFill>
-          <a:prstDash val="solid"/>
-        </a:ln>
-        <a:ln w="38100" cap="flat" cmpd="sng" algn="ctr">
-          <a:solidFill>
-            <a:schemeClr val="phClr"/>
-          </a:solidFill>
-          <a:prstDash val="solid"/>
-        </a:ln>
-      </a:lnStyleLst>
-      <a:effectStyleLst>
-        <a:effectStyle>
-          <a:effectLst>
-            <a:outerShdw blurRad="40000" dist="20000" dir="5400000" rotWithShape="0">
-              <a:srgbClr val="000000">
-                <a:alpha val="38000"/>
-              </a:srgbClr>
-            </a:outerShdw>
-          </a:effectLst>
-        </a:effectStyle>
-        <a:effectStyle>
-          <a:effectLst>
-            <a:outerShdw blurRad="40000" dist="23000" dir="5400000" rotWithShape="0">
-              <a:srgbClr val="000000">
-                <a:alpha val="35000"/>
-              </a:srgbClr>
-            </a:outerShdw>
-          </a:effectLst>
-        </a:effectStyle>
-        <a:effectStyle>
-          <a:effectLst>
-            <a:outerShdw blurRad="40000" dist="23000" dir="5400000" rotWithShape="0">
-              <a:srgbClr val="000000">
-                <a:alpha val="35000"/>
-              </a:srgbClr>
-            </a:outerShdw>
-          </a:effectLst>
-          <a:scene3d>
-            <a:camera prst="orthographicFront">
-              <a:rot lat="0" lon="0" rev="0"/>
-            </a:camera>
-            <a:lightRig rig="threePt" dir="t">
-              <a:rot lat="0" lon="0" rev="1200000"/>
-            </a:lightRig>
-          </a:scene3d>
-          <a:sp3d>
-            <a:bevelT w="63500" h="25400"/>
-          </a:sp3d>
-        </a:effectStyle>
-      </a:effectStyleLst>
-      <a:bgFillStyleLst>
-        <a:solidFill>
-          <a:schemeClr val="phClr"/>
-        </a:solidFill>
-        <a:gradFill rotWithShape="1">
-          <a:gsLst>
-            <a:gs pos="0">
-              <a:schemeClr val="phClr">
-                <a:tint val="40000"/>
-                <a:satMod val="350000"/>
-              </a:schemeClr>
-            </a:gs>
-            <a:gs pos="40000">
-              <a:schemeClr val="phClr">
-                <a:tint val="45000"/>
-                <a:shade val="99000"/>
-                <a:satMod val="350000"/>
-              </a:schemeClr>
-            </a:gs>
-            <a:gs pos="100000">
-              <a:schemeClr val="phClr">
-                <a:shade val="20000"/>
-                <a:satMod val="255000"/>
-              </a:schemeClr>
-            </a:gs>
-          </a:gsLst>
-          <a:path path="circle">
-            <a:fillToRect l="50000" t="-80000" r="50000" b="180000"/>
-          </a:path>
-        </a:gradFill>
-        <a:gradFill rotWithShape="1">
-          <a:gsLst>
-            <a:gs pos="0">
-              <a:schemeClr val="phClr">
-                <a:tint val="80000"/>
-                <a:satMod val="300000"/>
-              </a:schemeClr>
-            </a:gs>
-            <a:gs pos="100000">
-              <a:schemeClr val="phClr">
-                <a:shade val="30000"/>
-                <a:satMod val="200000"/>
-              </a:schemeClr>
-            </a:gs>
-          </a:gsLst>
-          <a:path path="circle">
-            <a:fillToRect l="50000" t="50000" r="50000" b="50000"/>
-          </a:path>
-        </a:gradFill>
-      </a:bgFillStyleLst>
-    </a:fmtScheme>
-  </a:themeElements>
-</a:theme>
 </file>